--- a/Presentations/Dryrun.pptx
+++ b/Presentations/Dryrun.pptx
@@ -6,33 +6,50 @@
   </p:sldMasterIdLst>
   <p:sldIdLst>
     <p:sldId id="256" r:id="rId2"/>
-    <p:sldId id="259" r:id="rId3"/>
-    <p:sldId id="260" r:id="rId4"/>
-    <p:sldId id="257" r:id="rId5"/>
-    <p:sldId id="258" r:id="rId6"/>
-    <p:sldId id="261" r:id="rId7"/>
-    <p:sldId id="262" r:id="rId8"/>
-    <p:sldId id="264" r:id="rId9"/>
-    <p:sldId id="265" r:id="rId10"/>
-    <p:sldId id="263" r:id="rId11"/>
-    <p:sldId id="269" r:id="rId12"/>
-    <p:sldId id="270" r:id="rId13"/>
-    <p:sldId id="268" r:id="rId14"/>
-    <p:sldId id="272" r:id="rId15"/>
-    <p:sldId id="266" r:id="rId16"/>
-    <p:sldId id="271" r:id="rId17"/>
-    <p:sldId id="267" r:id="rId18"/>
-    <p:sldId id="273" r:id="rId19"/>
-    <p:sldId id="274" r:id="rId20"/>
-    <p:sldId id="275" r:id="rId21"/>
-    <p:sldId id="276" r:id="rId22"/>
-    <p:sldId id="277" r:id="rId23"/>
-    <p:sldId id="278" r:id="rId24"/>
-    <p:sldId id="279" r:id="rId25"/>
-    <p:sldId id="280" r:id="rId26"/>
-    <p:sldId id="282" r:id="rId27"/>
-    <p:sldId id="283" r:id="rId28"/>
-    <p:sldId id="281" r:id="rId29"/>
+    <p:sldId id="300" r:id="rId3"/>
+    <p:sldId id="259" r:id="rId4"/>
+    <p:sldId id="260" r:id="rId5"/>
+    <p:sldId id="257" r:id="rId6"/>
+    <p:sldId id="258" r:id="rId7"/>
+    <p:sldId id="261" r:id="rId8"/>
+    <p:sldId id="262" r:id="rId9"/>
+    <p:sldId id="264" r:id="rId10"/>
+    <p:sldId id="265" r:id="rId11"/>
+    <p:sldId id="263" r:id="rId12"/>
+    <p:sldId id="269" r:id="rId13"/>
+    <p:sldId id="270" r:id="rId14"/>
+    <p:sldId id="268" r:id="rId15"/>
+    <p:sldId id="272" r:id="rId16"/>
+    <p:sldId id="266" r:id="rId17"/>
+    <p:sldId id="271" r:id="rId18"/>
+    <p:sldId id="267" r:id="rId19"/>
+    <p:sldId id="273" r:id="rId20"/>
+    <p:sldId id="274" r:id="rId21"/>
+    <p:sldId id="275" r:id="rId22"/>
+    <p:sldId id="276" r:id="rId23"/>
+    <p:sldId id="277" r:id="rId24"/>
+    <p:sldId id="278" r:id="rId25"/>
+    <p:sldId id="279" r:id="rId26"/>
+    <p:sldId id="280" r:id="rId27"/>
+    <p:sldId id="282" r:id="rId28"/>
+    <p:sldId id="283" r:id="rId29"/>
+    <p:sldId id="281" r:id="rId30"/>
+    <p:sldId id="291" r:id="rId31"/>
+    <p:sldId id="292" r:id="rId32"/>
+    <p:sldId id="293" r:id="rId33"/>
+    <p:sldId id="294" r:id="rId34"/>
+    <p:sldId id="295" r:id="rId35"/>
+    <p:sldId id="296" r:id="rId36"/>
+    <p:sldId id="297" r:id="rId37"/>
+    <p:sldId id="298" r:id="rId38"/>
+    <p:sldId id="284" r:id="rId39"/>
+    <p:sldId id="285" r:id="rId40"/>
+    <p:sldId id="286" r:id="rId41"/>
+    <p:sldId id="287" r:id="rId42"/>
+    <p:sldId id="299" r:id="rId43"/>
+    <p:sldId id="288" r:id="rId44"/>
+    <p:sldId id="289" r:id="rId45"/>
+    <p:sldId id="290" r:id="rId46"/>
   </p:sldIdLst>
   <p:sldSz cx="12192000" cy="6858000"/>
   <p:notesSz cx="6858000" cy="9144000"/>
@@ -270,7 +287,7 @@
           <a:p>
             <a:fld id="{35C4476B-565F-4263-AF18-6AD894D4C674}" type="datetimeFigureOut">
               <a:rPr lang="en-IE" smtClean="0"/>
-              <a:t>15/07/2022</a:t>
+              <a:t>18/07/2022</a:t>
             </a:fld>
             <a:endParaRPr lang="en-IE"/>
           </a:p>
@@ -440,7 +457,7 @@
           <a:p>
             <a:fld id="{35C4476B-565F-4263-AF18-6AD894D4C674}" type="datetimeFigureOut">
               <a:rPr lang="en-IE" smtClean="0"/>
-              <a:t>15/07/2022</a:t>
+              <a:t>18/07/2022</a:t>
             </a:fld>
             <a:endParaRPr lang="en-IE"/>
           </a:p>
@@ -620,7 +637,7 @@
           <a:p>
             <a:fld id="{35C4476B-565F-4263-AF18-6AD894D4C674}" type="datetimeFigureOut">
               <a:rPr lang="en-IE" smtClean="0"/>
-              <a:t>15/07/2022</a:t>
+              <a:t>18/07/2022</a:t>
             </a:fld>
             <a:endParaRPr lang="en-IE"/>
           </a:p>
@@ -790,7 +807,7 @@
           <a:p>
             <a:fld id="{35C4476B-565F-4263-AF18-6AD894D4C674}" type="datetimeFigureOut">
               <a:rPr lang="en-IE" smtClean="0"/>
-              <a:t>15/07/2022</a:t>
+              <a:t>18/07/2022</a:t>
             </a:fld>
             <a:endParaRPr lang="en-IE"/>
           </a:p>
@@ -1036,7 +1053,7 @@
           <a:p>
             <a:fld id="{35C4476B-565F-4263-AF18-6AD894D4C674}" type="datetimeFigureOut">
               <a:rPr lang="en-IE" smtClean="0"/>
-              <a:t>15/07/2022</a:t>
+              <a:t>18/07/2022</a:t>
             </a:fld>
             <a:endParaRPr lang="en-IE"/>
           </a:p>
@@ -1268,7 +1285,7 @@
           <a:p>
             <a:fld id="{35C4476B-565F-4263-AF18-6AD894D4C674}" type="datetimeFigureOut">
               <a:rPr lang="en-IE" smtClean="0"/>
-              <a:t>15/07/2022</a:t>
+              <a:t>18/07/2022</a:t>
             </a:fld>
             <a:endParaRPr lang="en-IE"/>
           </a:p>
@@ -1635,7 +1652,7 @@
           <a:p>
             <a:fld id="{35C4476B-565F-4263-AF18-6AD894D4C674}" type="datetimeFigureOut">
               <a:rPr lang="en-IE" smtClean="0"/>
-              <a:t>15/07/2022</a:t>
+              <a:t>18/07/2022</a:t>
             </a:fld>
             <a:endParaRPr lang="en-IE"/>
           </a:p>
@@ -1753,7 +1770,7 @@
           <a:p>
             <a:fld id="{35C4476B-565F-4263-AF18-6AD894D4C674}" type="datetimeFigureOut">
               <a:rPr lang="en-IE" smtClean="0"/>
-              <a:t>15/07/2022</a:t>
+              <a:t>18/07/2022</a:t>
             </a:fld>
             <a:endParaRPr lang="en-IE"/>
           </a:p>
@@ -1848,7 +1865,7 @@
           <a:p>
             <a:fld id="{35C4476B-565F-4263-AF18-6AD894D4C674}" type="datetimeFigureOut">
               <a:rPr lang="en-IE" smtClean="0"/>
-              <a:t>15/07/2022</a:t>
+              <a:t>18/07/2022</a:t>
             </a:fld>
             <a:endParaRPr lang="en-IE"/>
           </a:p>
@@ -2125,7 +2142,7 @@
           <a:p>
             <a:fld id="{35C4476B-565F-4263-AF18-6AD894D4C674}" type="datetimeFigureOut">
               <a:rPr lang="en-IE" smtClean="0"/>
-              <a:t>15/07/2022</a:t>
+              <a:t>18/07/2022</a:t>
             </a:fld>
             <a:endParaRPr lang="en-IE"/>
           </a:p>
@@ -2378,7 +2395,7 @@
           <a:p>
             <a:fld id="{35C4476B-565F-4263-AF18-6AD894D4C674}" type="datetimeFigureOut">
               <a:rPr lang="en-IE" smtClean="0"/>
-              <a:t>15/07/2022</a:t>
+              <a:t>18/07/2022</a:t>
             </a:fld>
             <a:endParaRPr lang="en-IE"/>
           </a:p>
@@ -2591,7 +2608,7 @@
           <a:p>
             <a:fld id="{35C4476B-565F-4263-AF18-6AD894D4C674}" type="datetimeFigureOut">
               <a:rPr lang="en-IE" smtClean="0"/>
-              <a:t>15/07/2022</a:t>
+              <a:t>18/07/2022</a:t>
             </a:fld>
             <a:endParaRPr lang="en-IE"/>
           </a:p>
@@ -3052,10 +3069,130 @@
   <p:clrMapOvr>
     <a:masterClrMapping/>
   </p:clrMapOvr>
+  <p:timing>
+    <p:tnLst>
+      <p:par>
+        <p:cTn id="1" dur="indefinite" restart="never" nodeType="tmRoot"/>
+      </p:par>
+    </p:tnLst>
+  </p:timing>
 </p:sld>
 </file>
 
 <file path=ppt/slides/slide10.xml><?xml version="1.0" encoding="utf-8"?>
+<p:sld xmlns:a="http://schemas.openxmlformats.org/drawingml/2006/main" xmlns:r="http://schemas.openxmlformats.org/officeDocument/2006/relationships" xmlns:p="http://schemas.openxmlformats.org/presentationml/2006/main">
+  <p:cSld>
+    <p:spTree>
+      <p:nvGrpSpPr>
+        <p:cNvPr id="1" name=""/>
+        <p:cNvGrpSpPr/>
+        <p:nvPr/>
+      </p:nvGrpSpPr>
+      <p:grpSpPr>
+        <a:xfrm>
+          <a:off x="0" y="0"/>
+          <a:ext cx="0" cy="0"/>
+          <a:chOff x="0" y="0"/>
+          <a:chExt cx="0" cy="0"/>
+        </a:xfrm>
+      </p:grpSpPr>
+      <p:sp>
+        <p:nvSpPr>
+          <p:cNvPr id="2" name="Title 1"/>
+          <p:cNvSpPr>
+            <a:spLocks noGrp="1"/>
+          </p:cNvSpPr>
+          <p:nvPr>
+            <p:ph type="title"/>
+          </p:nvPr>
+        </p:nvSpPr>
+        <p:spPr/>
+        <p:txBody>
+          <a:bodyPr/>
+          <a:lstStyle/>
+          <a:p>
+            <a:r>
+              <a:rPr lang="en-US" dirty="0" smtClean="0"/>
+              <a:t>25% top connected nodes </a:t>
+            </a:r>
+            <a:endParaRPr lang="en-IE" dirty="0"/>
+          </a:p>
+        </p:txBody>
+      </p:sp>
+      <p:sp>
+        <p:nvSpPr>
+          <p:cNvPr id="3" name="Content Placeholder 2"/>
+          <p:cNvSpPr>
+            <a:spLocks noGrp="1"/>
+          </p:cNvSpPr>
+          <p:nvPr>
+            <p:ph idx="1"/>
+          </p:nvPr>
+        </p:nvSpPr>
+        <p:spPr/>
+        <p:txBody>
+          <a:bodyPr/>
+          <a:lstStyle/>
+          <a:p>
+            <a:r>
+              <a:rPr lang="en-US" dirty="0" smtClean="0"/>
+              <a:t>25 nodes</a:t>
+            </a:r>
+          </a:p>
+          <a:p>
+            <a:r>
+              <a:rPr lang="en-US" dirty="0" smtClean="0"/>
+              <a:t>287 edges</a:t>
+            </a:r>
+            <a:endParaRPr lang="en-IE" dirty="0"/>
+          </a:p>
+        </p:txBody>
+      </p:sp>
+      <p:pic>
+        <p:nvPicPr>
+          <p:cNvPr id="4" name="Picture 3"/>
+          <p:cNvPicPr>
+            <a:picLocks noChangeAspect="1"/>
+          </p:cNvPicPr>
+          <p:nvPr/>
+        </p:nvPicPr>
+        <p:blipFill>
+          <a:blip r:embed="rId2"/>
+          <a:stretch>
+            <a:fillRect/>
+          </a:stretch>
+        </p:blipFill>
+        <p:spPr>
+          <a:xfrm>
+            <a:off x="5286024" y="1661483"/>
+            <a:ext cx="7001852" cy="4515480"/>
+          </a:xfrm>
+          <a:prstGeom prst="rect">
+            <a:avLst/>
+          </a:prstGeom>
+        </p:spPr>
+      </p:pic>
+    </p:spTree>
+    <p:extLst>
+      <p:ext uri="{BB962C8B-B14F-4D97-AF65-F5344CB8AC3E}">
+        <p14:creationId xmlns:p14="http://schemas.microsoft.com/office/powerpoint/2010/main" val="982033268"/>
+      </p:ext>
+    </p:extLst>
+  </p:cSld>
+  <p:clrMapOvr>
+    <a:masterClrMapping/>
+  </p:clrMapOvr>
+  <p:timing>
+    <p:tnLst>
+      <p:par>
+        <p:cTn id="1" dur="indefinite" restart="never" nodeType="tmRoot"/>
+      </p:par>
+    </p:tnLst>
+  </p:timing>
+</p:sld>
+</file>
+
+<file path=ppt/slides/slide11.xml><?xml version="1.0" encoding="utf-8"?>
 <p:sld xmlns:a="http://schemas.openxmlformats.org/drawingml/2006/main" xmlns:r="http://schemas.openxmlformats.org/officeDocument/2006/relationships" xmlns:p="http://schemas.openxmlformats.org/presentationml/2006/main" show="0">
   <p:cSld>
     <p:spTree>
@@ -3152,116 +3289,6 @@
       <p:transition spd="slow"/>
     </mc:Fallback>
   </mc:AlternateContent>
-</p:sld>
-</file>
-
-<file path=ppt/slides/slide11.xml><?xml version="1.0" encoding="utf-8"?>
-<p:sld xmlns:a="http://schemas.openxmlformats.org/drawingml/2006/main" xmlns:r="http://schemas.openxmlformats.org/officeDocument/2006/relationships" xmlns:p="http://schemas.openxmlformats.org/presentationml/2006/main">
-  <p:cSld>
-    <p:spTree>
-      <p:nvGrpSpPr>
-        <p:cNvPr id="1" name=""/>
-        <p:cNvGrpSpPr/>
-        <p:nvPr/>
-      </p:nvGrpSpPr>
-      <p:grpSpPr>
-        <a:xfrm>
-          <a:off x="0" y="0"/>
-          <a:ext cx="0" cy="0"/>
-          <a:chOff x="0" y="0"/>
-          <a:chExt cx="0" cy="0"/>
-        </a:xfrm>
-      </p:grpSpPr>
-      <p:sp>
-        <p:nvSpPr>
-          <p:cNvPr id="2" name="Title 1"/>
-          <p:cNvSpPr>
-            <a:spLocks noGrp="1"/>
-          </p:cNvSpPr>
-          <p:nvPr>
-            <p:ph type="title"/>
-          </p:nvPr>
-        </p:nvSpPr>
-        <p:spPr/>
-        <p:txBody>
-          <a:bodyPr/>
-          <a:lstStyle/>
-          <a:p>
-            <a:r>
-              <a:rPr lang="en-US" dirty="0" smtClean="0"/>
-              <a:t>All proteins, all </a:t>
-            </a:r>
-            <a:r>
-              <a:rPr lang="en-US" dirty="0" err="1" smtClean="0"/>
-              <a:t>mirnas</a:t>
-            </a:r>
-            <a:endParaRPr lang="en-IE" dirty="0"/>
-          </a:p>
-        </p:txBody>
-      </p:sp>
-      <p:sp>
-        <p:nvSpPr>
-          <p:cNvPr id="3" name="Content Placeholder 2"/>
-          <p:cNvSpPr>
-            <a:spLocks noGrp="1"/>
-          </p:cNvSpPr>
-          <p:nvPr>
-            <p:ph idx="1"/>
-          </p:nvPr>
-        </p:nvSpPr>
-        <p:spPr/>
-        <p:txBody>
-          <a:bodyPr/>
-          <a:lstStyle/>
-          <a:p>
-            <a:r>
-              <a:rPr lang="en-US" dirty="0" smtClean="0"/>
-              <a:t>662 nodes</a:t>
-            </a:r>
-          </a:p>
-          <a:p>
-            <a:r>
-              <a:rPr lang="en-US" dirty="0" smtClean="0"/>
-              <a:t>16406 edges</a:t>
-            </a:r>
-            <a:endParaRPr lang="en-IE" dirty="0"/>
-          </a:p>
-        </p:txBody>
-      </p:sp>
-      <p:pic>
-        <p:nvPicPr>
-          <p:cNvPr id="5" name="Picture 4"/>
-          <p:cNvPicPr>
-            <a:picLocks noChangeAspect="1"/>
-          </p:cNvPicPr>
-          <p:nvPr/>
-        </p:nvPicPr>
-        <p:blipFill>
-          <a:blip r:embed="rId2"/>
-          <a:stretch>
-            <a:fillRect/>
-          </a:stretch>
-        </p:blipFill>
-        <p:spPr>
-          <a:xfrm>
-            <a:off x="4304502" y="1338226"/>
-            <a:ext cx="7049298" cy="5326136"/>
-          </a:xfrm>
-          <a:prstGeom prst="rect">
-            <a:avLst/>
-          </a:prstGeom>
-        </p:spPr>
-      </p:pic>
-    </p:spTree>
-    <p:extLst>
-      <p:ext uri="{BB962C8B-B14F-4D97-AF65-F5344CB8AC3E}">
-        <p14:creationId xmlns:p14="http://schemas.microsoft.com/office/powerpoint/2010/main" val="1582911595"/>
-      </p:ext>
-    </p:extLst>
-  </p:cSld>
-  <p:clrMapOvr>
-    <a:masterClrMapping/>
-  </p:clrMapOvr>
   <p:timing>
     <p:tnLst>
       <p:par>
@@ -3306,7 +3333,11 @@
           <a:p>
             <a:r>
               <a:rPr lang="en-US" dirty="0" smtClean="0"/>
-              <a:t>25% top connected nodes</a:t>
+              <a:t>All proteins, all </a:t>
+            </a:r>
+            <a:r>
+              <a:rPr lang="en-US" dirty="0" err="1" smtClean="0"/>
+              <a:t>mirnas</a:t>
             </a:r>
             <a:endParaRPr lang="en-IE" dirty="0"/>
           </a:p>
@@ -3329,13 +3360,13 @@
           <a:p>
             <a:r>
               <a:rPr lang="en-US" dirty="0" smtClean="0"/>
-              <a:t>133 nodes</a:t>
+              <a:t>662 nodes</a:t>
             </a:r>
           </a:p>
           <a:p>
             <a:r>
               <a:rPr lang="en-US" dirty="0" smtClean="0"/>
-              <a:t>3181 edges</a:t>
+              <a:t>16406 edges</a:t>
             </a:r>
             <a:endParaRPr lang="en-IE" dirty="0"/>
           </a:p>
@@ -3343,7 +3374,7 @@
       </p:sp>
       <p:pic>
         <p:nvPicPr>
-          <p:cNvPr id="4" name="Picture 3"/>
+          <p:cNvPr id="5" name="Picture 4"/>
           <p:cNvPicPr>
             <a:picLocks noChangeAspect="1"/>
           </p:cNvPicPr>
@@ -3357,8 +3388,8 @@
         </p:blipFill>
         <p:spPr>
           <a:xfrm>
-            <a:off x="3580315" y="1605422"/>
-            <a:ext cx="7773485" cy="4791744"/>
+            <a:off x="4304502" y="1338226"/>
+            <a:ext cx="7049298" cy="5326136"/>
           </a:xfrm>
           <a:prstGeom prst="rect">
             <a:avLst/>
@@ -3368,7 +3399,7 @@
     </p:spTree>
     <p:extLst>
       <p:ext uri="{BB962C8B-B14F-4D97-AF65-F5344CB8AC3E}">
-        <p14:creationId xmlns:p14="http://schemas.microsoft.com/office/powerpoint/2010/main" val="4235764625"/>
+        <p14:creationId xmlns:p14="http://schemas.microsoft.com/office/powerpoint/2010/main" val="1582911595"/>
       </p:ext>
     </p:extLst>
   </p:cSld>
@@ -3419,6 +3450,119 @@
           <a:p>
             <a:r>
               <a:rPr lang="en-US" dirty="0" smtClean="0"/>
+              <a:t>25% top connected nodes</a:t>
+            </a:r>
+            <a:endParaRPr lang="en-IE" dirty="0"/>
+          </a:p>
+        </p:txBody>
+      </p:sp>
+      <p:sp>
+        <p:nvSpPr>
+          <p:cNvPr id="3" name="Content Placeholder 2"/>
+          <p:cNvSpPr>
+            <a:spLocks noGrp="1"/>
+          </p:cNvSpPr>
+          <p:nvPr>
+            <p:ph idx="1"/>
+          </p:nvPr>
+        </p:nvSpPr>
+        <p:spPr/>
+        <p:txBody>
+          <a:bodyPr/>
+          <a:lstStyle/>
+          <a:p>
+            <a:r>
+              <a:rPr lang="en-US" dirty="0" smtClean="0"/>
+              <a:t>133 nodes</a:t>
+            </a:r>
+          </a:p>
+          <a:p>
+            <a:r>
+              <a:rPr lang="en-US" dirty="0" smtClean="0"/>
+              <a:t>3181 edges</a:t>
+            </a:r>
+            <a:endParaRPr lang="en-IE" dirty="0"/>
+          </a:p>
+        </p:txBody>
+      </p:sp>
+      <p:pic>
+        <p:nvPicPr>
+          <p:cNvPr id="4" name="Picture 3"/>
+          <p:cNvPicPr>
+            <a:picLocks noChangeAspect="1"/>
+          </p:cNvPicPr>
+          <p:nvPr/>
+        </p:nvPicPr>
+        <p:blipFill>
+          <a:blip r:embed="rId2"/>
+          <a:stretch>
+            <a:fillRect/>
+          </a:stretch>
+        </p:blipFill>
+        <p:spPr>
+          <a:xfrm>
+            <a:off x="3580315" y="1605422"/>
+            <a:ext cx="7773485" cy="4791744"/>
+          </a:xfrm>
+          <a:prstGeom prst="rect">
+            <a:avLst/>
+          </a:prstGeom>
+        </p:spPr>
+      </p:pic>
+    </p:spTree>
+    <p:extLst>
+      <p:ext uri="{BB962C8B-B14F-4D97-AF65-F5344CB8AC3E}">
+        <p14:creationId xmlns:p14="http://schemas.microsoft.com/office/powerpoint/2010/main" val="4235764625"/>
+      </p:ext>
+    </p:extLst>
+  </p:cSld>
+  <p:clrMapOvr>
+    <a:masterClrMapping/>
+  </p:clrMapOvr>
+  <p:timing>
+    <p:tnLst>
+      <p:par>
+        <p:cTn id="1" dur="indefinite" restart="never" nodeType="tmRoot"/>
+      </p:par>
+    </p:tnLst>
+  </p:timing>
+</p:sld>
+</file>
+
+<file path=ppt/slides/slide14.xml><?xml version="1.0" encoding="utf-8"?>
+<p:sld xmlns:a="http://schemas.openxmlformats.org/drawingml/2006/main" xmlns:r="http://schemas.openxmlformats.org/officeDocument/2006/relationships" xmlns:p="http://schemas.openxmlformats.org/presentationml/2006/main">
+  <p:cSld>
+    <p:spTree>
+      <p:nvGrpSpPr>
+        <p:cNvPr id="1" name=""/>
+        <p:cNvGrpSpPr/>
+        <p:nvPr/>
+      </p:nvGrpSpPr>
+      <p:grpSpPr>
+        <a:xfrm>
+          <a:off x="0" y="0"/>
+          <a:ext cx="0" cy="0"/>
+          <a:chOff x="0" y="0"/>
+          <a:chExt cx="0" cy="0"/>
+        </a:xfrm>
+      </p:grpSpPr>
+      <p:sp>
+        <p:nvSpPr>
+          <p:cNvPr id="2" name="Title 1"/>
+          <p:cNvSpPr>
+            <a:spLocks noGrp="1"/>
+          </p:cNvSpPr>
+          <p:nvPr>
+            <p:ph type="title"/>
+          </p:nvPr>
+        </p:nvSpPr>
+        <p:spPr/>
+        <p:txBody>
+          <a:bodyPr/>
+          <a:lstStyle/>
+          <a:p>
+            <a:r>
+              <a:rPr lang="en-US" dirty="0" smtClean="0"/>
               <a:t>1% top </a:t>
             </a:r>
             <a:r>
@@ -3524,7 +3668,7 @@
 </p:sld>
 </file>
 
-<file path=ppt/slides/slide14.xml><?xml version="1.0" encoding="utf-8"?>
+<file path=ppt/slides/slide15.xml><?xml version="1.0" encoding="utf-8"?>
 <p:sld xmlns:a="http://schemas.openxmlformats.org/drawingml/2006/main" xmlns:r="http://schemas.openxmlformats.org/officeDocument/2006/relationships" xmlns:p="http://schemas.openxmlformats.org/presentationml/2006/main">
   <p:cSld>
     <p:spTree>
@@ -3589,7 +3733,7 @@
 </p:sld>
 </file>
 
-<file path=ppt/slides/slide15.xml><?xml version="1.0" encoding="utf-8"?>
+<file path=ppt/slides/slide16.xml><?xml version="1.0" encoding="utf-8"?>
 <p:sld xmlns:a="http://schemas.openxmlformats.org/drawingml/2006/main" xmlns:r="http://schemas.openxmlformats.org/officeDocument/2006/relationships" xmlns:p="http://schemas.openxmlformats.org/presentationml/2006/main">
   <p:cSld>
     <p:spTree>
@@ -3707,105 +3851,6 @@
 </p:sld>
 </file>
 
-<file path=ppt/slides/slide16.xml><?xml version="1.0" encoding="utf-8"?>
-<p:sld xmlns:a="http://schemas.openxmlformats.org/drawingml/2006/main" xmlns:r="http://schemas.openxmlformats.org/officeDocument/2006/relationships" xmlns:p="http://schemas.openxmlformats.org/presentationml/2006/main">
-  <p:cSld>
-    <p:spTree>
-      <p:nvGrpSpPr>
-        <p:cNvPr id="1" name=""/>
-        <p:cNvGrpSpPr/>
-        <p:nvPr/>
-      </p:nvGrpSpPr>
-      <p:grpSpPr>
-        <a:xfrm>
-          <a:off x="0" y="0"/>
-          <a:ext cx="0" cy="0"/>
-          <a:chOff x="0" y="0"/>
-          <a:chExt cx="0" cy="0"/>
-        </a:xfrm>
-      </p:grpSpPr>
-      <p:sp>
-        <p:nvSpPr>
-          <p:cNvPr id="2" name="Title 1"/>
-          <p:cNvSpPr>
-            <a:spLocks noGrp="1"/>
-          </p:cNvSpPr>
-          <p:nvPr>
-            <p:ph type="title"/>
-          </p:nvPr>
-        </p:nvSpPr>
-        <p:spPr/>
-        <p:txBody>
-          <a:bodyPr/>
-          <a:lstStyle/>
-          <a:p>
-            <a:endParaRPr lang="en-IE"/>
-          </a:p>
-        </p:txBody>
-      </p:sp>
-      <p:sp>
-        <p:nvSpPr>
-          <p:cNvPr id="3" name="Content Placeholder 2"/>
-          <p:cNvSpPr>
-            <a:spLocks noGrp="1"/>
-          </p:cNvSpPr>
-          <p:nvPr>
-            <p:ph idx="1"/>
-          </p:nvPr>
-        </p:nvSpPr>
-        <p:spPr/>
-        <p:txBody>
-          <a:bodyPr/>
-          <a:lstStyle/>
-          <a:p>
-            <a:endParaRPr lang="en-IE"/>
-          </a:p>
-        </p:txBody>
-      </p:sp>
-      <p:pic>
-        <p:nvPicPr>
-          <p:cNvPr id="4" name="Picture 3"/>
-          <p:cNvPicPr>
-            <a:picLocks noChangeAspect="1"/>
-          </p:cNvPicPr>
-          <p:nvPr/>
-        </p:nvPicPr>
-        <p:blipFill>
-          <a:blip r:embed="rId2"/>
-          <a:stretch>
-            <a:fillRect/>
-          </a:stretch>
-        </p:blipFill>
-        <p:spPr>
-          <a:xfrm>
-            <a:off x="1287707" y="1314933"/>
-            <a:ext cx="6925642" cy="4458322"/>
-          </a:xfrm>
-          <a:prstGeom prst="rect">
-            <a:avLst/>
-          </a:prstGeom>
-        </p:spPr>
-      </p:pic>
-    </p:spTree>
-    <p:extLst>
-      <p:ext uri="{BB962C8B-B14F-4D97-AF65-F5344CB8AC3E}">
-        <p14:creationId xmlns:p14="http://schemas.microsoft.com/office/powerpoint/2010/main" val="2002319686"/>
-      </p:ext>
-    </p:extLst>
-  </p:cSld>
-  <p:clrMapOvr>
-    <a:masterClrMapping/>
-  </p:clrMapOvr>
-  <p:timing>
-    <p:tnLst>
-      <p:par>
-        <p:cTn id="1" dur="indefinite" restart="never" nodeType="tmRoot"/>
-      </p:par>
-    </p:tnLst>
-  </p:timing>
-</p:sld>
-</file>
-
 <file path=ppt/slides/slide17.xml><?xml version="1.0" encoding="utf-8"?>
 <p:sld xmlns:a="http://schemas.openxmlformats.org/drawingml/2006/main" xmlns:r="http://schemas.openxmlformats.org/officeDocument/2006/relationships" xmlns:p="http://schemas.openxmlformats.org/presentationml/2006/main">
   <p:cSld>
@@ -3838,11 +3883,7 @@
           <a:bodyPr/>
           <a:lstStyle/>
           <a:p>
-            <a:r>
-              <a:rPr lang="en-US" dirty="0" smtClean="0"/>
-              <a:t>Original String network</a:t>
-            </a:r>
-            <a:endParaRPr lang="en-IE" dirty="0"/>
+            <a:endParaRPr lang="en-IE"/>
           </a:p>
         </p:txBody>
       </p:sp>
@@ -3861,7 +3902,7 @@
           <a:bodyPr/>
           <a:lstStyle/>
           <a:p>
-            <a:endParaRPr lang="en-IE" dirty="0"/>
+            <a:endParaRPr lang="en-IE"/>
           </a:p>
         </p:txBody>
       </p:sp>
@@ -3881,8 +3922,8 @@
         </p:blipFill>
         <p:spPr>
           <a:xfrm>
-            <a:off x="1969478" y="1401088"/>
-            <a:ext cx="7753498" cy="4775875"/>
+            <a:off x="1287707" y="1314933"/>
+            <a:ext cx="6925642" cy="4458322"/>
           </a:xfrm>
           <a:prstGeom prst="rect">
             <a:avLst/>
@@ -3892,7 +3933,7 @@
     </p:spTree>
     <p:extLst>
       <p:ext uri="{BB962C8B-B14F-4D97-AF65-F5344CB8AC3E}">
-        <p14:creationId xmlns:p14="http://schemas.microsoft.com/office/powerpoint/2010/main" val="478614973"/>
+        <p14:creationId xmlns:p14="http://schemas.microsoft.com/office/powerpoint/2010/main" val="2002319686"/>
       </p:ext>
     </p:extLst>
   </p:cSld>
@@ -3943,7 +3984,7 @@
           <a:p>
             <a:r>
               <a:rPr lang="en-US" dirty="0" smtClean="0"/>
-              <a:t>10% top connected nodes</a:t>
+              <a:t>Original String network</a:t>
             </a:r>
             <a:endParaRPr lang="en-IE" dirty="0"/>
           </a:p>
@@ -3963,21 +4004,6 @@
         <p:txBody>
           <a:bodyPr/>
           <a:lstStyle/>
-          <a:p>
-            <a:r>
-              <a:rPr lang="en-US" dirty="0" smtClean="0"/>
-              <a:t>161 nodes</a:t>
-            </a:r>
-          </a:p>
-          <a:p>
-            <a:endParaRPr lang="en-US" dirty="0"/>
-          </a:p>
-          <a:p>
-            <a:r>
-              <a:rPr lang="en-US" dirty="0" smtClean="0"/>
-              <a:t>390 edges</a:t>
-            </a:r>
-          </a:p>
           <a:p>
             <a:endParaRPr lang="en-IE" dirty="0"/>
           </a:p>
@@ -3999,8 +4025,8 @@
         </p:blipFill>
         <p:spPr>
           <a:xfrm>
-            <a:off x="5580526" y="1837275"/>
-            <a:ext cx="5679705" cy="4339688"/>
+            <a:off x="1969478" y="1401088"/>
+            <a:ext cx="7753498" cy="4775875"/>
           </a:xfrm>
           <a:prstGeom prst="rect">
             <a:avLst/>
@@ -4010,7 +4036,7 @@
     </p:spTree>
     <p:extLst>
       <p:ext uri="{BB962C8B-B14F-4D97-AF65-F5344CB8AC3E}">
-        <p14:creationId xmlns:p14="http://schemas.microsoft.com/office/powerpoint/2010/main" val="2044360542"/>
+        <p14:creationId xmlns:p14="http://schemas.microsoft.com/office/powerpoint/2010/main" val="478614973"/>
       </p:ext>
     </p:extLst>
   </p:cSld>
@@ -4061,7 +4087,7 @@
           <a:p>
             <a:r>
               <a:rPr lang="en-US" dirty="0" smtClean="0"/>
-              <a:t>Degree &gt; 3</a:t>
+              <a:t>10% top connected nodes</a:t>
             </a:r>
             <a:endParaRPr lang="en-IE" dirty="0"/>
           </a:p>
@@ -4084,14 +4110,33 @@
           <a:p>
             <a:r>
               <a:rPr lang="en-US" dirty="0" smtClean="0"/>
-              <a:t>76 nodes</a:t>
-            </a:r>
+              <a:t>161 nodes</a:t>
+            </a:r>
+          </a:p>
+          <a:p>
+            <a:endParaRPr lang="en-US" dirty="0"/>
           </a:p>
           <a:p>
             <a:r>
               <a:rPr lang="en-US" dirty="0" smtClean="0"/>
-              <a:t>390 edges</a:t>
-            </a:r>
+              <a:t>390 </a:t>
+            </a:r>
+            <a:r>
+              <a:rPr lang="en-US" dirty="0" smtClean="0"/>
+              <a:t>edges</a:t>
+            </a:r>
+          </a:p>
+          <a:p>
+            <a:endParaRPr lang="en-US" dirty="0"/>
+          </a:p>
+          <a:p>
+            <a:r>
+              <a:rPr lang="en-US" dirty="0" smtClean="0"/>
+              <a:t>3 genes</a:t>
+            </a:r>
+            <a:endParaRPr lang="en-US" dirty="0" smtClean="0"/>
+          </a:p>
+          <a:p>
             <a:endParaRPr lang="en-IE" dirty="0"/>
           </a:p>
         </p:txBody>
@@ -4112,8 +4157,8 @@
         </p:blipFill>
         <p:spPr>
           <a:xfrm>
-            <a:off x="5918138" y="1650889"/>
-            <a:ext cx="4143953" cy="3610479"/>
+            <a:off x="5580526" y="1837275"/>
+            <a:ext cx="5679705" cy="4339688"/>
           </a:xfrm>
           <a:prstGeom prst="rect">
             <a:avLst/>
@@ -4123,7 +4168,7 @@
     </p:spTree>
     <p:extLst>
       <p:ext uri="{BB962C8B-B14F-4D97-AF65-F5344CB8AC3E}">
-        <p14:creationId xmlns:p14="http://schemas.microsoft.com/office/powerpoint/2010/main" val="3167278740"/>
+        <p14:creationId xmlns:p14="http://schemas.microsoft.com/office/powerpoint/2010/main" val="2044360542"/>
       </p:ext>
     </p:extLst>
   </p:cSld>
@@ -4172,7 +4217,11 @@
           <a:bodyPr/>
           <a:lstStyle/>
           <a:p>
-            <a:endParaRPr lang="en-IE"/>
+            <a:r>
+              <a:rPr lang="en-US" dirty="0" smtClean="0"/>
+              <a:t>Objectives of last session</a:t>
+            </a:r>
+            <a:endParaRPr lang="en-IE" dirty="0"/>
           </a:p>
         </p:txBody>
       </p:sp>
@@ -4191,20 +4240,61 @@
           <a:bodyPr/>
           <a:lstStyle/>
           <a:p>
-            <a:endParaRPr lang="en-IE"/>
+            <a:r>
+              <a:rPr lang="en-US" dirty="0" smtClean="0"/>
+              <a:t>Define the methodology to follow</a:t>
+            </a:r>
+          </a:p>
+          <a:p>
+            <a:r>
+              <a:rPr lang="en-US" dirty="0" smtClean="0"/>
+              <a:t>Continue understanding of aging-</a:t>
+            </a:r>
+            <a:r>
+              <a:rPr lang="en-US" dirty="0" err="1" smtClean="0"/>
+              <a:t>mirnas</a:t>
+            </a:r>
+            <a:r>
+              <a:rPr lang="en-US" dirty="0" smtClean="0"/>
+              <a:t>-muscle</a:t>
+            </a:r>
+          </a:p>
+          <a:p>
+            <a:r>
+              <a:rPr lang="en-US" dirty="0" smtClean="0"/>
+              <a:t>Create prototype </a:t>
+            </a:r>
+          </a:p>
+          <a:p>
+            <a:r>
+              <a:rPr lang="en-US" dirty="0" smtClean="0"/>
+              <a:t>Define how to evaluate the </a:t>
+            </a:r>
+            <a:r>
+              <a:rPr lang="en-US" dirty="0" err="1" smtClean="0"/>
+              <a:t>mirnas</a:t>
+            </a:r>
+            <a:endParaRPr lang="en-IE" dirty="0"/>
           </a:p>
         </p:txBody>
       </p:sp>
     </p:spTree>
     <p:extLst>
       <p:ext uri="{BB962C8B-B14F-4D97-AF65-F5344CB8AC3E}">
-        <p14:creationId xmlns:p14="http://schemas.microsoft.com/office/powerpoint/2010/main" val="2866695443"/>
+        <p14:creationId xmlns:p14="http://schemas.microsoft.com/office/powerpoint/2010/main" val="722989814"/>
       </p:ext>
     </p:extLst>
   </p:cSld>
   <p:clrMapOvr>
     <a:masterClrMapping/>
   </p:clrMapOvr>
+  <p:timing>
+    <p:tnLst>
+      <p:par>
+        <p:cTn id="1" dur="indefinite" restart="never" nodeType="tmRoot"/>
+      </p:par>
+    </p:tnLst>
+  </p:timing>
 </p:sld>
 </file>
 
@@ -4242,6 +4332,119 @@
           <a:p>
             <a:r>
               <a:rPr lang="en-US" dirty="0" smtClean="0"/>
+              <a:t>Degree &gt; 3</a:t>
+            </a:r>
+            <a:endParaRPr lang="en-IE" dirty="0"/>
+          </a:p>
+        </p:txBody>
+      </p:sp>
+      <p:sp>
+        <p:nvSpPr>
+          <p:cNvPr id="3" name="Content Placeholder 2"/>
+          <p:cNvSpPr>
+            <a:spLocks noGrp="1"/>
+          </p:cNvSpPr>
+          <p:nvPr>
+            <p:ph idx="1"/>
+          </p:nvPr>
+        </p:nvSpPr>
+        <p:spPr/>
+        <p:txBody>
+          <a:bodyPr/>
+          <a:lstStyle/>
+          <a:p>
+            <a:r>
+              <a:rPr lang="en-US" dirty="0" smtClean="0"/>
+              <a:t>76 nodes</a:t>
+            </a:r>
+          </a:p>
+          <a:p>
+            <a:r>
+              <a:rPr lang="en-US" dirty="0" smtClean="0"/>
+              <a:t>390 edges</a:t>
+            </a:r>
+            <a:endParaRPr lang="en-IE" dirty="0"/>
+          </a:p>
+        </p:txBody>
+      </p:sp>
+      <p:pic>
+        <p:nvPicPr>
+          <p:cNvPr id="4" name="Picture 3"/>
+          <p:cNvPicPr>
+            <a:picLocks noChangeAspect="1"/>
+          </p:cNvPicPr>
+          <p:nvPr/>
+        </p:nvPicPr>
+        <p:blipFill>
+          <a:blip r:embed="rId2"/>
+          <a:stretch>
+            <a:fillRect/>
+          </a:stretch>
+        </p:blipFill>
+        <p:spPr>
+          <a:xfrm>
+            <a:off x="5918138" y="1650889"/>
+            <a:ext cx="4143953" cy="3610479"/>
+          </a:xfrm>
+          <a:prstGeom prst="rect">
+            <a:avLst/>
+          </a:prstGeom>
+        </p:spPr>
+      </p:pic>
+    </p:spTree>
+    <p:extLst>
+      <p:ext uri="{BB962C8B-B14F-4D97-AF65-F5344CB8AC3E}">
+        <p14:creationId xmlns:p14="http://schemas.microsoft.com/office/powerpoint/2010/main" val="3167278740"/>
+      </p:ext>
+    </p:extLst>
+  </p:cSld>
+  <p:clrMapOvr>
+    <a:masterClrMapping/>
+  </p:clrMapOvr>
+  <p:timing>
+    <p:tnLst>
+      <p:par>
+        <p:cTn id="1" dur="indefinite" restart="never" nodeType="tmRoot"/>
+      </p:par>
+    </p:tnLst>
+  </p:timing>
+</p:sld>
+</file>
+
+<file path=ppt/slides/slide21.xml><?xml version="1.0" encoding="utf-8"?>
+<p:sld xmlns:a="http://schemas.openxmlformats.org/drawingml/2006/main" xmlns:r="http://schemas.openxmlformats.org/officeDocument/2006/relationships" xmlns:p="http://schemas.openxmlformats.org/presentationml/2006/main">
+  <p:cSld>
+    <p:spTree>
+      <p:nvGrpSpPr>
+        <p:cNvPr id="1" name=""/>
+        <p:cNvGrpSpPr/>
+        <p:nvPr/>
+      </p:nvGrpSpPr>
+      <p:grpSpPr>
+        <a:xfrm>
+          <a:off x="0" y="0"/>
+          <a:ext cx="0" cy="0"/>
+          <a:chOff x="0" y="0"/>
+          <a:chExt cx="0" cy="0"/>
+        </a:xfrm>
+      </p:grpSpPr>
+      <p:sp>
+        <p:nvSpPr>
+          <p:cNvPr id="2" name="Title 1"/>
+          <p:cNvSpPr>
+            <a:spLocks noGrp="1"/>
+          </p:cNvSpPr>
+          <p:nvPr>
+            <p:ph type="title"/>
+          </p:nvPr>
+        </p:nvSpPr>
+        <p:spPr/>
+        <p:txBody>
+          <a:bodyPr/>
+          <a:lstStyle/>
+          <a:p>
+            <a:r>
+              <a:rPr lang="en-US" dirty="0" smtClean="0"/>
               <a:t>Proteins</a:t>
             </a:r>
             <a:endParaRPr lang="en-IE" dirty="0"/>
@@ -4361,7 +4564,7 @@
 </p:sld>
 </file>
 
-<file path=ppt/slides/slide21.xml><?xml version="1.0" encoding="utf-8"?>
+<file path=ppt/slides/slide22.xml><?xml version="1.0" encoding="utf-8"?>
 <p:sld xmlns:a="http://schemas.openxmlformats.org/drawingml/2006/main" xmlns:r="http://schemas.openxmlformats.org/officeDocument/2006/relationships" xmlns:p="http://schemas.openxmlformats.org/presentationml/2006/main">
   <p:cSld>
     <p:spTree>
@@ -4533,12 +4736,12 @@
                         <a:p>
                           <a:pPr algn="l" fontAlgn="b"/>
                           <a:r>
-                            <a:rPr lang="en-IE" sz="1600" u="none" strike="noStrike">
+                            <a:rPr lang="en-IE" sz="1600" u="none" strike="noStrike" dirty="0">
                               <a:effectLst/>
                             </a:rPr>
                             <a:t>CUGGGCA</a:t>
                           </a:r>
-                          <a:endParaRPr lang="en-IE" sz="1600" b="0" i="0" u="none" strike="noStrike">
+                          <a:endParaRPr lang="en-IE" sz="1600" b="0" i="0" u="none" strike="noStrike" dirty="0">
                             <a:solidFill>
                               <a:srgbClr val="000000"/>
                             </a:solidFill>
@@ -4586,12 +4789,12 @@
                         <a:p>
                           <a:pPr algn="l" fontAlgn="b"/>
                           <a:r>
-                            <a:rPr lang="en-IE" sz="1600" u="none" strike="noStrike">
+                            <a:rPr lang="en-IE" sz="1600" u="none" strike="noStrike" dirty="0">
                               <a:effectLst/>
                             </a:rPr>
                             <a:t>GGGCUGG</a:t>
                           </a:r>
-                          <a:endParaRPr lang="en-IE" sz="1600" b="0" i="0" u="none" strike="noStrike">
+                          <a:endParaRPr lang="en-IE" sz="1600" b="0" i="0" u="none" strike="noStrike" dirty="0">
                             <a:solidFill>
                               <a:srgbClr val="000000"/>
                             </a:solidFill>
@@ -6280,7 +6483,7 @@
 </p:sld>
 </file>
 
-<file path=ppt/slides/slide22.xml><?xml version="1.0" encoding="utf-8"?>
+<file path=ppt/slides/slide23.xml><?xml version="1.0" encoding="utf-8"?>
 <p:sld xmlns:a="http://schemas.openxmlformats.org/drawingml/2006/main" xmlns:r="http://schemas.openxmlformats.org/officeDocument/2006/relationships" xmlns:p="http://schemas.openxmlformats.org/presentationml/2006/main">
   <p:cSld>
     <p:spTree>
@@ -6344,6 +6547,110 @@
           </a:p>
         </p:txBody>
       </p:sp>
+      <p:sp>
+        <p:nvSpPr>
+          <p:cNvPr id="5" name="Rectangle 4"/>
+          <p:cNvSpPr/>
+          <p:nvPr/>
+        </p:nvSpPr>
+        <p:spPr>
+          <a:xfrm>
+            <a:off x="406239" y="2147535"/>
+            <a:ext cx="2079672" cy="2028248"/>
+          </a:xfrm>
+          <a:prstGeom prst="rect">
+            <a:avLst/>
+          </a:prstGeom>
+        </p:spPr>
+        <p:txBody>
+          <a:bodyPr wrap="none">
+            <a:spAutoFit/>
+          </a:bodyPr>
+          <a:lstStyle/>
+          <a:p>
+            <a:pPr marL="228600" lvl="0" indent="-228600">
+              <a:lnSpc>
+                <a:spcPct val="90000"/>
+              </a:lnSpc>
+              <a:spcBef>
+                <a:spcPts val="1000"/>
+              </a:spcBef>
+              <a:buFont typeface="Arial" panose="020B0604020202020204" pitchFamily="34" charset="0"/>
+              <a:buChar char="•"/>
+            </a:pPr>
+            <a:r>
+              <a:rPr lang="en-US" sz="2800" dirty="0" smtClean="0">
+                <a:solidFill>
+                  <a:prstClr val="black"/>
+                </a:solidFill>
+              </a:rPr>
+              <a:t>975 nodes</a:t>
+            </a:r>
+          </a:p>
+          <a:p>
+            <a:pPr marL="228600" lvl="0" indent="-228600">
+              <a:lnSpc>
+                <a:spcPct val="90000"/>
+              </a:lnSpc>
+              <a:spcBef>
+                <a:spcPts val="1000"/>
+              </a:spcBef>
+              <a:buFont typeface="Arial" panose="020B0604020202020204" pitchFamily="34" charset="0"/>
+              <a:buChar char="•"/>
+            </a:pPr>
+            <a:r>
+              <a:rPr lang="en-US" sz="2800" dirty="0" smtClean="0">
+                <a:solidFill>
+                  <a:prstClr val="black"/>
+                </a:solidFill>
+              </a:rPr>
+              <a:t>2066 edges</a:t>
+            </a:r>
+          </a:p>
+          <a:p>
+            <a:pPr marL="228600" lvl="0" indent="-228600">
+              <a:lnSpc>
+                <a:spcPct val="90000"/>
+              </a:lnSpc>
+              <a:spcBef>
+                <a:spcPts val="1000"/>
+              </a:spcBef>
+              <a:buFont typeface="Arial" panose="020B0604020202020204" pitchFamily="34" charset="0"/>
+              <a:buChar char="•"/>
+            </a:pPr>
+            <a:endParaRPr lang="en-US" sz="2800" dirty="0" smtClean="0">
+              <a:solidFill>
+                <a:prstClr val="black"/>
+              </a:solidFill>
+            </a:endParaRPr>
+          </a:p>
+          <a:p>
+            <a:pPr marL="228600" lvl="0" indent="-228600">
+              <a:lnSpc>
+                <a:spcPct val="90000"/>
+              </a:lnSpc>
+              <a:spcBef>
+                <a:spcPts val="1000"/>
+              </a:spcBef>
+              <a:buFont typeface="Arial" panose="020B0604020202020204" pitchFamily="34" charset="0"/>
+              <a:buChar char="•"/>
+            </a:pPr>
+            <a:r>
+              <a:rPr lang="en-US" sz="2800" dirty="0" smtClean="0">
+                <a:solidFill>
+                  <a:prstClr val="black"/>
+                </a:solidFill>
+              </a:rPr>
+              <a:t>6 genes</a:t>
+            </a:r>
+            <a:endParaRPr lang="en-US" sz="2800" dirty="0">
+              <a:solidFill>
+                <a:prstClr val="black"/>
+              </a:solidFill>
+            </a:endParaRPr>
+          </a:p>
+        </p:txBody>
+      </p:sp>
     </p:spTree>
     <p:extLst>
       <p:ext uri="{BB962C8B-B14F-4D97-AF65-F5344CB8AC3E}">
@@ -6364,7 +6671,7 @@
 </p:sld>
 </file>
 
-<file path=ppt/slides/slide23.xml><?xml version="1.0" encoding="utf-8"?>
+<file path=ppt/slides/slide24.xml><?xml version="1.0" encoding="utf-8"?>
 <p:sld xmlns:a="http://schemas.openxmlformats.org/drawingml/2006/main" xmlns:r="http://schemas.openxmlformats.org/officeDocument/2006/relationships" xmlns:p="http://schemas.openxmlformats.org/presentationml/2006/main">
   <p:cSld>
     <p:spTree>
@@ -6397,12 +6704,16 @@
           <a:lstStyle/>
           <a:p>
             <a:r>
-              <a:rPr lang="en-US" dirty="0" err="1" smtClean="0"/>
-              <a:t>Mirnas</a:t>
-            </a:r>
-            <a:r>
               <a:rPr lang="en-US" dirty="0" smtClean="0"/>
-              <a:t> with target to 5 or more genes</a:t>
+              <a:t>m</a:t>
+            </a:r>
+            <a:r>
+              <a:rPr lang="en-US" dirty="0" smtClean="0"/>
+              <a:t>iRNAs </a:t>
+            </a:r>
+            <a:r>
+              <a:rPr lang="en-US" dirty="0" smtClean="0"/>
+              <a:t>with target to 5 or more genes</a:t>
             </a:r>
             <a:endParaRPr lang="en-IE" dirty="0"/>
           </a:p>
@@ -6498,7 +6809,7 @@
 </p:sld>
 </file>
 
-<file path=ppt/slides/slide24.xml><?xml version="1.0" encoding="utf-8"?>
+<file path=ppt/slides/slide25.xml><?xml version="1.0" encoding="utf-8"?>
 <p:sld xmlns:a="http://schemas.openxmlformats.org/drawingml/2006/main" xmlns:r="http://schemas.openxmlformats.org/officeDocument/2006/relationships" xmlns:p="http://schemas.openxmlformats.org/presentationml/2006/main">
   <p:cSld>
     <p:spTree>
@@ -6530,7 +6841,11 @@
           <a:bodyPr/>
           <a:lstStyle/>
           <a:p>
-            <a:endParaRPr lang="en-IE"/>
+            <a:r>
+              <a:rPr lang="en-US" dirty="0" smtClean="0"/>
+              <a:t>Genes and miRNAs selected</a:t>
+            </a:r>
+            <a:endParaRPr lang="en-IE" dirty="0"/>
           </a:p>
         </p:txBody>
       </p:sp>
@@ -6992,7 +7307,7 @@
 </p:sld>
 </file>
 
-<file path=ppt/slides/slide25.xml><?xml version="1.0" encoding="utf-8"?>
+<file path=ppt/slides/slide26.xml><?xml version="1.0" encoding="utf-8"?>
 <p:sld xmlns:a="http://schemas.openxmlformats.org/drawingml/2006/main" xmlns:r="http://schemas.openxmlformats.org/officeDocument/2006/relationships" xmlns:p="http://schemas.openxmlformats.org/presentationml/2006/main">
   <p:cSld>
     <p:spTree>
@@ -7019,7 +7334,7 @@
             <p:ph sz="half" idx="1"/>
             <p:extLst>
               <p:ext uri="{D42A27DB-BD31-4B8C-83A1-F6EECF244321}">
-                <p14:modId xmlns:p14="http://schemas.microsoft.com/office/powerpoint/2010/main" val="816616210"/>
+                <p14:modId xmlns:p14="http://schemas.microsoft.com/office/powerpoint/2010/main" val="62947898"/>
               </p:ext>
             </p:extLst>
           </p:nvPr>
@@ -7365,21 +7680,28 @@
                     <a:p>
                       <a:pPr algn="ctr" fontAlgn="b"/>
                       <a:r>
-                        <a:rPr lang="en-IE" sz="1400" u="none" strike="noStrike">
+                        <a:rPr lang="en-IE" sz="1400" b="1" u="none" strike="noStrike" dirty="0">
                           <a:effectLst/>
                         </a:rPr>
                         <a:t>hsa-miR-3150a-3p</a:t>
                       </a:r>
-                      <a:endParaRPr lang="en-IE" sz="1400" b="0" i="0" u="none" strike="noStrike">
-                        <a:solidFill>
-                          <a:srgbClr val="000000"/>
-                        </a:solidFill>
-                        <a:effectLst/>
-                        <a:latin typeface="Calibri" panose="020F0502020204030204" pitchFamily="34" charset="0"/>
-                      </a:endParaRPr>
-                    </a:p>
-                  </a:txBody>
-                  <a:tcPr marL="7849" marR="7849" marT="7849" marB="0" anchor="b"/>
+                      <a:endParaRPr lang="en-IE" sz="1400" b="1" i="0" u="none" strike="noStrike" dirty="0">
+                        <a:solidFill>
+                          <a:srgbClr val="000000"/>
+                        </a:solidFill>
+                        <a:effectLst/>
+                        <a:latin typeface="Calibri" panose="020F0502020204030204" pitchFamily="34" charset="0"/>
+                      </a:endParaRPr>
+                    </a:p>
+                  </a:txBody>
+                  <a:tcPr marL="7849" marR="7849" marT="7849" marB="0" anchor="b">
+                    <a:solidFill>
+                      <a:schemeClr val="accent1">
+                        <a:lumMod val="40000"/>
+                        <a:lumOff val="60000"/>
+                      </a:schemeClr>
+                    </a:solidFill>
+                  </a:tcPr>
                 </a:tc>
                 <a:tc>
                   <a:txBody>
@@ -7462,12 +7784,12 @@
                     <a:p>
                       <a:pPr algn="ctr" fontAlgn="b"/>
                       <a:r>
-                        <a:rPr lang="en-IE" sz="1400" u="none" strike="noStrike">
+                        <a:rPr lang="en-IE" sz="1400" u="none" strike="noStrike" dirty="0">
                           <a:effectLst/>
                         </a:rPr>
                         <a:t>hsa-miR-365a-5p</a:t>
                       </a:r>
-                      <a:endParaRPr lang="en-IE" sz="1400" b="0" i="0" u="none" strike="noStrike">
+                      <a:endParaRPr lang="en-IE" sz="1400" b="0" i="0" u="none" strike="noStrike" dirty="0">
                         <a:solidFill>
                           <a:srgbClr val="000000"/>
                         </a:solidFill>
@@ -7559,12 +7881,12 @@
                     <a:p>
                       <a:pPr algn="ctr" fontAlgn="b"/>
                       <a:r>
-                        <a:rPr lang="en-IE" sz="1400" u="none" strike="noStrike">
+                        <a:rPr lang="en-IE" sz="1400" u="none" strike="noStrike" dirty="0">
                           <a:effectLst/>
                         </a:rPr>
                         <a:t>hsa-miR-3714</a:t>
                       </a:r>
-                      <a:endParaRPr lang="en-IE" sz="1400" b="0" i="0" u="none" strike="noStrike">
+                      <a:endParaRPr lang="en-IE" sz="1400" b="0" i="0" u="none" strike="noStrike" dirty="0">
                         <a:solidFill>
                           <a:srgbClr val="000000"/>
                         </a:solidFill>
@@ -7656,12 +7978,12 @@
                     <a:p>
                       <a:pPr algn="ctr" fontAlgn="b"/>
                       <a:r>
-                        <a:rPr lang="en-IE" sz="1400" u="none" strike="noStrike">
+                        <a:rPr lang="en-IE" sz="1400" u="none" strike="noStrike" dirty="0">
                           <a:effectLst/>
                         </a:rPr>
                         <a:t>hsa-miR-423-5p</a:t>
                       </a:r>
-                      <a:endParaRPr lang="en-IE" sz="1400" b="0" i="0" u="none" strike="noStrike">
+                      <a:endParaRPr lang="en-IE" sz="1400" b="0" i="0" u="none" strike="noStrike" dirty="0">
                         <a:solidFill>
                           <a:srgbClr val="000000"/>
                         </a:solidFill>
@@ -7679,12 +8001,12 @@
                     <a:p>
                       <a:pPr algn="ctr" fontAlgn="b"/>
                       <a:r>
-                        <a:rPr lang="en-IE" sz="1400" u="none" strike="noStrike">
+                        <a:rPr lang="en-IE" sz="1400" u="none" strike="noStrike" dirty="0">
                           <a:effectLst/>
                         </a:rPr>
                         <a:t>3</a:t>
                       </a:r>
-                      <a:endParaRPr lang="en-IE" sz="1400" b="0" i="0" u="none" strike="noStrike">
+                      <a:endParaRPr lang="en-IE" sz="1400" b="0" i="0" u="none" strike="noStrike" dirty="0">
                         <a:solidFill>
                           <a:srgbClr val="000000"/>
                         </a:solidFill>
@@ -7776,12 +8098,12 @@
                     <a:p>
                       <a:pPr algn="ctr" fontAlgn="b"/>
                       <a:r>
-                        <a:rPr lang="en-IE" sz="1400" u="none" strike="noStrike">
+                        <a:rPr lang="en-IE" sz="1400" u="none" strike="noStrike" dirty="0">
                           <a:effectLst/>
                         </a:rPr>
                         <a:t>2</a:t>
                       </a:r>
-                      <a:endParaRPr lang="en-IE" sz="1400" b="0" i="0" u="none" strike="noStrike">
+                      <a:endParaRPr lang="en-IE" sz="1400" b="0" i="0" u="none" strike="noStrike" dirty="0">
                         <a:solidFill>
                           <a:srgbClr val="000000"/>
                         </a:solidFill>
@@ -7873,12 +8195,12 @@
                     <a:p>
                       <a:pPr algn="ctr" fontAlgn="b"/>
                       <a:r>
-                        <a:rPr lang="en-IE" sz="1400" u="none" strike="noStrike">
+                        <a:rPr lang="en-IE" sz="1400" u="none" strike="noStrike" dirty="0">
                           <a:effectLst/>
                         </a:rPr>
                         <a:t>2</a:t>
                       </a:r>
-                      <a:endParaRPr lang="en-IE" sz="1400" b="0" i="0" u="none" strike="noStrike">
+                      <a:endParaRPr lang="en-IE" sz="1400" b="0" i="0" u="none" strike="noStrike" dirty="0">
                         <a:solidFill>
                           <a:srgbClr val="000000"/>
                         </a:solidFill>
@@ -7970,12 +8292,12 @@
                     <a:p>
                       <a:pPr algn="ctr" fontAlgn="b"/>
                       <a:r>
-                        <a:rPr lang="en-IE" sz="1400" u="none" strike="noStrike">
+                        <a:rPr lang="en-IE" sz="1400" u="none" strike="noStrike" dirty="0">
                           <a:effectLst/>
                         </a:rPr>
                         <a:t>2</a:t>
                       </a:r>
-                      <a:endParaRPr lang="en-IE" sz="1400" b="0" i="0" u="none" strike="noStrike">
+                      <a:endParaRPr lang="en-IE" sz="1400" b="0" i="0" u="none" strike="noStrike" dirty="0">
                         <a:solidFill>
                           <a:srgbClr val="000000"/>
                         </a:solidFill>
@@ -8067,12 +8389,12 @@
                     <a:p>
                       <a:pPr algn="ctr" fontAlgn="b"/>
                       <a:r>
-                        <a:rPr lang="en-IE" sz="1400" u="none" strike="noStrike">
+                        <a:rPr lang="en-IE" sz="1400" u="none" strike="noStrike" dirty="0">
                           <a:effectLst/>
                         </a:rPr>
                         <a:t>2</a:t>
                       </a:r>
-                      <a:endParaRPr lang="en-IE" sz="1400" b="0" i="0" u="none" strike="noStrike">
+                      <a:endParaRPr lang="en-IE" sz="1400" b="0" i="0" u="none" strike="noStrike" dirty="0">
                         <a:solidFill>
                           <a:srgbClr val="000000"/>
                         </a:solidFill>
@@ -8164,12 +8486,12 @@
                     <a:p>
                       <a:pPr algn="ctr" fontAlgn="b"/>
                       <a:r>
-                        <a:rPr lang="en-IE" sz="1400" u="none" strike="noStrike">
+                        <a:rPr lang="en-IE" sz="1400" u="none" strike="noStrike" dirty="0">
                           <a:effectLst/>
                         </a:rPr>
                         <a:t>3</a:t>
                       </a:r>
-                      <a:endParaRPr lang="en-IE" sz="1400" b="0" i="0" u="none" strike="noStrike">
+                      <a:endParaRPr lang="en-IE" sz="1400" b="0" i="0" u="none" strike="noStrike" dirty="0">
                         <a:solidFill>
                           <a:srgbClr val="000000"/>
                         </a:solidFill>
@@ -8261,12 +8583,12 @@
                     <a:p>
                       <a:pPr algn="ctr" fontAlgn="b"/>
                       <a:r>
-                        <a:rPr lang="en-IE" sz="1400" u="none" strike="noStrike">
+                        <a:rPr lang="en-IE" sz="1400" u="none" strike="noStrike" dirty="0">
                           <a:effectLst/>
                         </a:rPr>
                         <a:t>3</a:t>
                       </a:r>
-                      <a:endParaRPr lang="en-IE" sz="1400" b="0" i="0" u="none" strike="noStrike">
+                      <a:endParaRPr lang="en-IE" sz="1400" b="0" i="0" u="none" strike="noStrike" dirty="0">
                         <a:solidFill>
                           <a:srgbClr val="000000"/>
                         </a:solidFill>
@@ -8358,12 +8680,12 @@
                     <a:p>
                       <a:pPr algn="ctr" fontAlgn="b"/>
                       <a:r>
-                        <a:rPr lang="en-IE" sz="1400" u="none" strike="noStrike">
+                        <a:rPr lang="en-IE" sz="1400" u="none" strike="noStrike" dirty="0">
                           <a:effectLst/>
                         </a:rPr>
                         <a:t>2</a:t>
                       </a:r>
-                      <a:endParaRPr lang="en-IE" sz="1400" b="0" i="0" u="none" strike="noStrike">
+                      <a:endParaRPr lang="en-IE" sz="1400" b="0" i="0" u="none" strike="noStrike" dirty="0">
                         <a:solidFill>
                           <a:srgbClr val="000000"/>
                         </a:solidFill>
@@ -8432,12 +8754,12 @@
                     <a:p>
                       <a:pPr algn="ctr" fontAlgn="b"/>
                       <a:r>
-                        <a:rPr lang="en-IE" sz="1400" u="none" strike="noStrike" dirty="0">
+                        <a:rPr lang="en-IE" sz="1400" b="1" u="none" strike="noStrike" dirty="0">
                           <a:effectLst/>
                         </a:rPr>
                         <a:t>hsa-miR-6763-5p</a:t>
                       </a:r>
-                      <a:endParaRPr lang="en-IE" sz="1400" b="0" i="0" u="none" strike="noStrike" dirty="0">
+                      <a:endParaRPr lang="en-IE" sz="1400" b="1" i="0" u="none" strike="noStrike" dirty="0">
                         <a:solidFill>
                           <a:srgbClr val="000000"/>
                         </a:solidFill>
@@ -8486,7 +8808,7 @@
                     <a:p>
                       <a:pPr algn="l" fontAlgn="b"/>
                       <a:r>
-                        <a:rPr lang="en-IE" sz="1400" u="none" strike="noStrike" kern="1200" dirty="0">
+                        <a:rPr lang="en-IE" sz="1400" b="1" u="none" strike="noStrike" kern="1200" dirty="0">
                           <a:solidFill>
                             <a:schemeClr val="dk1"/>
                           </a:solidFill>
@@ -8574,12 +8896,12 @@
                     <a:p>
                       <a:pPr algn="ctr" fontAlgn="b"/>
                       <a:r>
-                        <a:rPr lang="en-IE" sz="1400" u="none" strike="noStrike">
+                        <a:rPr lang="en-IE" sz="1400" u="none" strike="noStrike" dirty="0">
                           <a:effectLst/>
                         </a:rPr>
                         <a:t>3</a:t>
                       </a:r>
-                      <a:endParaRPr lang="en-IE" sz="1400" b="0" i="0" u="none" strike="noStrike">
+                      <a:endParaRPr lang="en-IE" sz="1400" b="0" i="0" u="none" strike="noStrike" dirty="0">
                         <a:solidFill>
                           <a:srgbClr val="000000"/>
                         </a:solidFill>
@@ -8671,12 +8993,12 @@
                     <a:p>
                       <a:pPr algn="ctr" fontAlgn="b"/>
                       <a:r>
-                        <a:rPr lang="en-IE" sz="1400" u="none" strike="noStrike">
+                        <a:rPr lang="en-IE" sz="1400" u="none" strike="noStrike" dirty="0">
                           <a:effectLst/>
                         </a:rPr>
                         <a:t>3</a:t>
                       </a:r>
-                      <a:endParaRPr lang="en-IE" sz="1400" b="0" i="0" u="none" strike="noStrike">
+                      <a:endParaRPr lang="en-IE" sz="1400" b="0" i="0" u="none" strike="noStrike" dirty="0">
                         <a:solidFill>
                           <a:srgbClr val="000000"/>
                         </a:solidFill>
@@ -8762,12 +9084,12 @@
                     <a:p>
                       <a:pPr algn="ctr" fontAlgn="b"/>
                       <a:r>
-                        <a:rPr lang="en-IE" sz="1400" u="none" strike="noStrike">
+                        <a:rPr lang="en-IE" sz="1400" u="none" strike="noStrike" dirty="0">
                           <a:effectLst/>
                         </a:rPr>
                         <a:t>3</a:t>
                       </a:r>
-                      <a:endParaRPr lang="en-IE" sz="1400" b="0" i="0" u="none" strike="noStrike">
+                      <a:endParaRPr lang="en-IE" sz="1400" b="0" i="0" u="none" strike="noStrike" dirty="0">
                         <a:solidFill>
                           <a:srgbClr val="000000"/>
                         </a:solidFill>
@@ -8862,217 +9184,6 @@
     <p:extLst>
       <p:ext uri="{BB962C8B-B14F-4D97-AF65-F5344CB8AC3E}">
         <p14:creationId xmlns:p14="http://schemas.microsoft.com/office/powerpoint/2010/main" val="4108178201"/>
-      </p:ext>
-    </p:extLst>
-  </p:cSld>
-  <p:clrMapOvr>
-    <a:masterClrMapping/>
-  </p:clrMapOvr>
-  <p:timing>
-    <p:tnLst>
-      <p:par>
-        <p:cTn id="1" dur="indefinite" restart="never" nodeType="tmRoot"/>
-      </p:par>
-    </p:tnLst>
-  </p:timing>
-</p:sld>
-</file>
-
-<file path=ppt/slides/slide26.xml><?xml version="1.0" encoding="utf-8"?>
-<p:sld xmlns:a="http://schemas.openxmlformats.org/drawingml/2006/main" xmlns:r="http://schemas.openxmlformats.org/officeDocument/2006/relationships" xmlns:p="http://schemas.openxmlformats.org/presentationml/2006/main">
-  <p:cSld>
-    <p:spTree>
-      <p:nvGrpSpPr>
-        <p:cNvPr id="1" name=""/>
-        <p:cNvGrpSpPr/>
-        <p:nvPr/>
-      </p:nvGrpSpPr>
-      <p:grpSpPr>
-        <a:xfrm>
-          <a:off x="0" y="0"/>
-          <a:ext cx="0" cy="0"/>
-          <a:chOff x="0" y="0"/>
-          <a:chExt cx="0" cy="0"/>
-        </a:xfrm>
-      </p:grpSpPr>
-      <p:sp>
-        <p:nvSpPr>
-          <p:cNvPr id="2" name="Title 1"/>
-          <p:cNvSpPr>
-            <a:spLocks noGrp="1"/>
-          </p:cNvSpPr>
-          <p:nvPr>
-            <p:ph type="title"/>
-          </p:nvPr>
-        </p:nvSpPr>
-        <p:spPr/>
-        <p:txBody>
-          <a:bodyPr/>
-          <a:lstStyle/>
-          <a:p>
-            <a:r>
-              <a:rPr lang="en-US" dirty="0" smtClean="0"/>
-              <a:t>Genes </a:t>
-            </a:r>
-            <a:r>
-              <a:rPr lang="en-US" dirty="0"/>
-              <a:t>that </a:t>
-            </a:r>
-            <a:r>
-              <a:rPr lang="en-US" b="1" dirty="0" smtClean="0"/>
-              <a:t>hsa-miR-6763-5p</a:t>
-            </a:r>
-            <a:r>
-              <a:rPr lang="en-US" dirty="0" smtClean="0"/>
-              <a:t> binds</a:t>
-            </a:r>
-            <a:endParaRPr lang="en-IE" dirty="0"/>
-          </a:p>
-        </p:txBody>
-      </p:sp>
-      <p:sp>
-        <p:nvSpPr>
-          <p:cNvPr id="3" name="Content Placeholder 2"/>
-          <p:cNvSpPr>
-            <a:spLocks noGrp="1"/>
-          </p:cNvSpPr>
-          <p:nvPr>
-            <p:ph sz="half" idx="1"/>
-          </p:nvPr>
-        </p:nvSpPr>
-        <p:spPr/>
-        <p:txBody>
-          <a:bodyPr/>
-          <a:lstStyle/>
-          <a:p>
-            <a:r>
-              <a:rPr lang="en-IE" dirty="0"/>
-              <a:t>APOD</a:t>
-            </a:r>
-          </a:p>
-          <a:p>
-            <a:r>
-              <a:rPr lang="en-IE" dirty="0"/>
-              <a:t>C1QB</a:t>
-            </a:r>
-          </a:p>
-          <a:p>
-            <a:r>
-              <a:rPr lang="en-IE" dirty="0"/>
-              <a:t>C3</a:t>
-            </a:r>
-          </a:p>
-          <a:p>
-            <a:r>
-              <a:rPr lang="en-IE" dirty="0"/>
-              <a:t>CALB1</a:t>
-            </a:r>
-          </a:p>
-          <a:p>
-            <a:r>
-              <a:rPr lang="en-IE" dirty="0"/>
-              <a:t>COL1A1</a:t>
-            </a:r>
-          </a:p>
-          <a:p>
-            <a:r>
-              <a:rPr lang="en-IE" dirty="0"/>
-              <a:t>MGST1</a:t>
-            </a:r>
-          </a:p>
-          <a:p>
-            <a:endParaRPr lang="en-IE" dirty="0"/>
-          </a:p>
-        </p:txBody>
-      </p:sp>
-      <p:sp>
-        <p:nvSpPr>
-          <p:cNvPr id="4" name="Content Placeholder 3"/>
-          <p:cNvSpPr>
-            <a:spLocks noGrp="1"/>
-          </p:cNvSpPr>
-          <p:nvPr>
-            <p:ph sz="half" idx="2"/>
-          </p:nvPr>
-        </p:nvSpPr>
-        <p:spPr>
-          <a:xfrm>
-            <a:off x="4586068" y="1825625"/>
-            <a:ext cx="6767732" cy="4351338"/>
-          </a:xfrm>
-        </p:spPr>
-        <p:txBody>
-          <a:bodyPr/>
-          <a:lstStyle/>
-          <a:p>
-            <a:r>
-              <a:rPr lang="en-IE" dirty="0"/>
-              <a:t>PMID:</a:t>
-            </a:r>
-            <a:r>
-              <a:rPr lang="en-IE" dirty="0">
-                <a:hlinkClick r:id="rId2"/>
-              </a:rPr>
-              <a:t>22955976</a:t>
-            </a:r>
-            <a:r>
-              <a:rPr lang="en-IE" dirty="0">
-                <a:hlinkClick r:id="rId3"/>
-              </a:rPr>
-              <a:t>"Discovery of hundreds of </a:t>
-            </a:r>
-            <a:r>
-              <a:rPr lang="en-IE" dirty="0" err="1">
-                <a:hlinkClick r:id="rId3"/>
-              </a:rPr>
-              <a:t>mirtrons</a:t>
-            </a:r>
-            <a:r>
-              <a:rPr lang="en-IE" dirty="0">
-                <a:hlinkClick r:id="rId3"/>
-              </a:rPr>
-              <a:t> in mouse and human small RNA </a:t>
-            </a:r>
-            <a:r>
-              <a:rPr lang="en-IE" dirty="0" err="1">
-                <a:hlinkClick r:id="rId3"/>
-              </a:rPr>
-              <a:t>data"</a:t>
-            </a:r>
-            <a:r>
-              <a:rPr lang="en-IE" dirty="0" err="1"/>
-              <a:t>Ladewig</a:t>
-            </a:r>
-            <a:r>
-              <a:rPr lang="en-IE" dirty="0"/>
-              <a:t> E, Okamura K, Flynt AS, </a:t>
-            </a:r>
-            <a:r>
-              <a:rPr lang="en-IE" dirty="0" err="1"/>
-              <a:t>Westholm</a:t>
-            </a:r>
-            <a:r>
-              <a:rPr lang="en-IE" dirty="0"/>
-              <a:t> JO, Lai </a:t>
-            </a:r>
-            <a:r>
-              <a:rPr lang="en-IE" dirty="0" err="1"/>
-              <a:t>ECGenome</a:t>
-            </a:r>
-            <a:r>
-              <a:rPr lang="en-IE" dirty="0"/>
-              <a:t> Res. 22:1634-1645(2012).</a:t>
-            </a:r>
-          </a:p>
-          <a:p>
-            <a:endParaRPr lang="en-IE" dirty="0"/>
-          </a:p>
-        </p:txBody>
-      </p:sp>
-    </p:spTree>
-    <p:extLst>
-      <p:ext uri="{BB962C8B-B14F-4D97-AF65-F5344CB8AC3E}">
-        <p14:creationId xmlns:p14="http://schemas.microsoft.com/office/powerpoint/2010/main" val="822582010"/>
       </p:ext>
     </p:extLst>
   </p:cSld>
@@ -9123,6 +9234,245 @@
           <a:p>
             <a:r>
               <a:rPr lang="en-US" dirty="0" smtClean="0"/>
+              <a:t>Genes </a:t>
+            </a:r>
+            <a:r>
+              <a:rPr lang="en-US" dirty="0"/>
+              <a:t>that </a:t>
+            </a:r>
+            <a:r>
+              <a:rPr lang="en-US" b="1" dirty="0" smtClean="0"/>
+              <a:t>hsa-miR-6763-5p</a:t>
+            </a:r>
+            <a:r>
+              <a:rPr lang="en-US" dirty="0" smtClean="0"/>
+              <a:t> binds</a:t>
+            </a:r>
+            <a:endParaRPr lang="en-IE" dirty="0"/>
+          </a:p>
+        </p:txBody>
+      </p:sp>
+      <p:sp>
+        <p:nvSpPr>
+          <p:cNvPr id="3" name="Content Placeholder 2"/>
+          <p:cNvSpPr>
+            <a:spLocks noGrp="1"/>
+          </p:cNvSpPr>
+          <p:nvPr>
+            <p:ph sz="half" idx="1"/>
+          </p:nvPr>
+        </p:nvSpPr>
+        <p:spPr/>
+        <p:txBody>
+          <a:bodyPr/>
+          <a:lstStyle/>
+          <a:p>
+            <a:pPr marL="514350" indent="-514350">
+              <a:buFont typeface="+mj-lt"/>
+              <a:buAutoNum type="arabicPeriod"/>
+            </a:pPr>
+            <a:r>
+              <a:rPr lang="en-IE" dirty="0"/>
+              <a:t>APOD</a:t>
+            </a:r>
+          </a:p>
+          <a:p>
+            <a:pPr marL="514350" indent="-514350">
+              <a:buFont typeface="+mj-lt"/>
+              <a:buAutoNum type="arabicPeriod"/>
+            </a:pPr>
+            <a:r>
+              <a:rPr lang="en-IE" dirty="0"/>
+              <a:t>C1QB</a:t>
+            </a:r>
+          </a:p>
+          <a:p>
+            <a:pPr marL="514350" indent="-514350">
+              <a:buFont typeface="+mj-lt"/>
+              <a:buAutoNum type="arabicPeriod"/>
+            </a:pPr>
+            <a:r>
+              <a:rPr lang="en-IE" dirty="0"/>
+              <a:t>C3</a:t>
+            </a:r>
+          </a:p>
+          <a:p>
+            <a:pPr marL="514350" indent="-514350">
+              <a:buFont typeface="+mj-lt"/>
+              <a:buAutoNum type="arabicPeriod"/>
+            </a:pPr>
+            <a:r>
+              <a:rPr lang="en-IE" dirty="0"/>
+              <a:t>CALB1</a:t>
+            </a:r>
+          </a:p>
+          <a:p>
+            <a:pPr marL="514350" indent="-514350">
+              <a:buFont typeface="+mj-lt"/>
+              <a:buAutoNum type="arabicPeriod"/>
+            </a:pPr>
+            <a:r>
+              <a:rPr lang="en-IE" dirty="0"/>
+              <a:t>COL1A1</a:t>
+            </a:r>
+          </a:p>
+          <a:p>
+            <a:pPr marL="514350" indent="-514350">
+              <a:buFont typeface="+mj-lt"/>
+              <a:buAutoNum type="arabicPeriod"/>
+            </a:pPr>
+            <a:r>
+              <a:rPr lang="en-IE" dirty="0"/>
+              <a:t>MGST1</a:t>
+            </a:r>
+          </a:p>
+          <a:p>
+            <a:pPr marL="514350" indent="-514350">
+              <a:buFont typeface="+mj-lt"/>
+              <a:buAutoNum type="arabicPeriod"/>
+            </a:pPr>
+            <a:endParaRPr lang="en-IE" dirty="0"/>
+          </a:p>
+        </p:txBody>
+      </p:sp>
+      <p:sp>
+        <p:nvSpPr>
+          <p:cNvPr id="4" name="Content Placeholder 3"/>
+          <p:cNvSpPr>
+            <a:spLocks noGrp="1"/>
+          </p:cNvSpPr>
+          <p:nvPr>
+            <p:ph sz="half" idx="2"/>
+          </p:nvPr>
+        </p:nvSpPr>
+        <p:spPr>
+          <a:xfrm>
+            <a:off x="4586068" y="1825625"/>
+            <a:ext cx="6767732" cy="4351338"/>
+          </a:xfrm>
+        </p:spPr>
+        <p:txBody>
+          <a:bodyPr/>
+          <a:lstStyle/>
+          <a:p>
+            <a:r>
+              <a:rPr lang="en-IE" dirty="0"/>
+              <a:t>PMID:</a:t>
+            </a:r>
+            <a:r>
+              <a:rPr lang="en-IE" dirty="0">
+                <a:hlinkClick r:id="rId2"/>
+              </a:rPr>
+              <a:t>22955976</a:t>
+            </a:r>
+            <a:r>
+              <a:rPr lang="en-IE" dirty="0">
+                <a:hlinkClick r:id="rId3"/>
+              </a:rPr>
+              <a:t>"Discovery of hundreds of </a:t>
+            </a:r>
+            <a:r>
+              <a:rPr lang="en-IE" dirty="0" err="1">
+                <a:hlinkClick r:id="rId3"/>
+              </a:rPr>
+              <a:t>mirtrons</a:t>
+            </a:r>
+            <a:r>
+              <a:rPr lang="en-IE" dirty="0">
+                <a:hlinkClick r:id="rId3"/>
+              </a:rPr>
+              <a:t> in mouse and human small RNA </a:t>
+            </a:r>
+            <a:r>
+              <a:rPr lang="en-IE" dirty="0" err="1">
+                <a:hlinkClick r:id="rId3"/>
+              </a:rPr>
+              <a:t>data"</a:t>
+            </a:r>
+            <a:r>
+              <a:rPr lang="en-IE" dirty="0" err="1"/>
+              <a:t>Ladewig</a:t>
+            </a:r>
+            <a:r>
+              <a:rPr lang="en-IE" dirty="0"/>
+              <a:t> E, Okamura K, Flynt AS, </a:t>
+            </a:r>
+            <a:r>
+              <a:rPr lang="en-IE" dirty="0" err="1"/>
+              <a:t>Westholm</a:t>
+            </a:r>
+            <a:r>
+              <a:rPr lang="en-IE" dirty="0"/>
+              <a:t> JO, Lai </a:t>
+            </a:r>
+            <a:r>
+              <a:rPr lang="en-IE" dirty="0" err="1"/>
+              <a:t>ECGenome</a:t>
+            </a:r>
+            <a:r>
+              <a:rPr lang="en-IE" dirty="0"/>
+              <a:t> Res. 22:1634-1645(2012).</a:t>
+            </a:r>
+          </a:p>
+          <a:p>
+            <a:endParaRPr lang="en-IE" dirty="0"/>
+          </a:p>
+        </p:txBody>
+      </p:sp>
+    </p:spTree>
+    <p:extLst>
+      <p:ext uri="{BB962C8B-B14F-4D97-AF65-F5344CB8AC3E}">
+        <p14:creationId xmlns:p14="http://schemas.microsoft.com/office/powerpoint/2010/main" val="822582010"/>
+      </p:ext>
+    </p:extLst>
+  </p:cSld>
+  <p:clrMapOvr>
+    <a:masterClrMapping/>
+  </p:clrMapOvr>
+  <p:timing>
+    <p:tnLst>
+      <p:par>
+        <p:cTn id="1" dur="indefinite" restart="never" nodeType="tmRoot"/>
+      </p:par>
+    </p:tnLst>
+  </p:timing>
+</p:sld>
+</file>
+
+<file path=ppt/slides/slide28.xml><?xml version="1.0" encoding="utf-8"?>
+<p:sld xmlns:a="http://schemas.openxmlformats.org/drawingml/2006/main" xmlns:r="http://schemas.openxmlformats.org/officeDocument/2006/relationships" xmlns:p="http://schemas.openxmlformats.org/presentationml/2006/main">
+  <p:cSld>
+    <p:spTree>
+      <p:nvGrpSpPr>
+        <p:cNvPr id="1" name=""/>
+        <p:cNvGrpSpPr/>
+        <p:nvPr/>
+      </p:nvGrpSpPr>
+      <p:grpSpPr>
+        <a:xfrm>
+          <a:off x="0" y="0"/>
+          <a:ext cx="0" cy="0"/>
+          <a:chOff x="0" y="0"/>
+          <a:chExt cx="0" cy="0"/>
+        </a:xfrm>
+      </p:grpSpPr>
+      <p:sp>
+        <p:nvSpPr>
+          <p:cNvPr id="2" name="Title 1"/>
+          <p:cNvSpPr>
+            <a:spLocks noGrp="1"/>
+          </p:cNvSpPr>
+          <p:nvPr>
+            <p:ph type="title"/>
+          </p:nvPr>
+        </p:nvSpPr>
+        <p:spPr/>
+        <p:txBody>
+          <a:bodyPr/>
+          <a:lstStyle/>
+          <a:p>
+            <a:r>
+              <a:rPr lang="en-US" dirty="0" smtClean="0"/>
               <a:t>Genes that </a:t>
             </a:r>
             <a:r>
@@ -9158,36 +9508,60 @@
           </a:bodyPr>
           <a:lstStyle/>
           <a:p>
+            <a:pPr marL="514350" indent="-514350">
+              <a:buFont typeface="+mj-lt"/>
+              <a:buAutoNum type="arabicPeriod"/>
+            </a:pPr>
             <a:r>
               <a:rPr lang="pt-BR" dirty="0"/>
               <a:t>APOD</a:t>
             </a:r>
           </a:p>
           <a:p>
+            <a:pPr marL="514350" indent="-514350">
+              <a:buFont typeface="+mj-lt"/>
+              <a:buAutoNum type="arabicPeriod"/>
+            </a:pPr>
             <a:r>
               <a:rPr lang="pt-BR" dirty="0"/>
               <a:t>C1QA</a:t>
             </a:r>
           </a:p>
           <a:p>
+            <a:pPr marL="514350" indent="-514350">
+              <a:buFont typeface="+mj-lt"/>
+              <a:buAutoNum type="arabicPeriod"/>
+            </a:pPr>
             <a:r>
               <a:rPr lang="pt-BR" dirty="0"/>
               <a:t>C1QB</a:t>
             </a:r>
           </a:p>
           <a:p>
+            <a:pPr marL="514350" indent="-514350">
+              <a:buFont typeface="+mj-lt"/>
+              <a:buAutoNum type="arabicPeriod"/>
+            </a:pPr>
             <a:r>
               <a:rPr lang="pt-BR" dirty="0"/>
               <a:t>C4A</a:t>
             </a:r>
           </a:p>
           <a:p>
+            <a:pPr marL="514350" indent="-514350">
+              <a:buFont typeface="+mj-lt"/>
+              <a:buAutoNum type="arabicPeriod"/>
+            </a:pPr>
             <a:r>
               <a:rPr lang="pt-BR" dirty="0"/>
               <a:t>MGST1</a:t>
             </a:r>
           </a:p>
           <a:p>
+            <a:pPr marL="514350" indent="-514350">
+              <a:buFont typeface="+mj-lt"/>
+              <a:buAutoNum type="arabicPeriod"/>
+            </a:pPr>
             <a:endParaRPr lang="en-IE" dirty="0"/>
           </a:p>
         </p:txBody>
@@ -9408,7 +9782,6 @@
               <a:rPr lang="en-IE" dirty="0"/>
               <a:t> Res. 71:78-86(2011).</a:t>
             </a:r>
-            <a:endParaRPr lang="en-IE" dirty="0"/>
           </a:p>
         </p:txBody>
       </p:sp>
@@ -9432,7 +9805,7 @@
 </p:sld>
 </file>
 
-<file path=ppt/slides/slide28.xml><?xml version="1.0" encoding="utf-8"?>
+<file path=ppt/slides/slide29.xml><?xml version="1.0" encoding="utf-8"?>
 <p:sld xmlns:a="http://schemas.openxmlformats.org/drawingml/2006/main" xmlns:r="http://schemas.openxmlformats.org/officeDocument/2006/relationships" xmlns:p="http://schemas.openxmlformats.org/presentationml/2006/main">
   <p:cSld>
     <p:spTree>
@@ -9774,6 +10147,5303 @@
           <a:p>
             <a:r>
               <a:rPr lang="en-US" dirty="0" smtClean="0"/>
+              <a:t>Objective of the meeting</a:t>
+            </a:r>
+            <a:endParaRPr lang="en-IE" dirty="0"/>
+          </a:p>
+        </p:txBody>
+      </p:sp>
+      <p:sp>
+        <p:nvSpPr>
+          <p:cNvPr id="3" name="Content Placeholder 2"/>
+          <p:cNvSpPr>
+            <a:spLocks noGrp="1"/>
+          </p:cNvSpPr>
+          <p:nvPr>
+            <p:ph idx="1"/>
+          </p:nvPr>
+        </p:nvSpPr>
+        <p:spPr/>
+        <p:txBody>
+          <a:bodyPr/>
+          <a:lstStyle/>
+          <a:p>
+            <a:r>
+              <a:rPr lang="en-US" dirty="0" smtClean="0"/>
+              <a:t>Methodology</a:t>
+            </a:r>
+          </a:p>
+          <a:p>
+            <a:r>
+              <a:rPr lang="en-US" dirty="0" smtClean="0"/>
+              <a:t>Potential of techniques</a:t>
+            </a:r>
+          </a:p>
+          <a:p>
+            <a:r>
+              <a:rPr lang="en-US" dirty="0" smtClean="0"/>
+              <a:t>Routes to take</a:t>
+            </a:r>
+          </a:p>
+        </p:txBody>
+      </p:sp>
+    </p:spTree>
+    <p:extLst>
+      <p:ext uri="{BB962C8B-B14F-4D97-AF65-F5344CB8AC3E}">
+        <p14:creationId xmlns:p14="http://schemas.microsoft.com/office/powerpoint/2010/main" val="2866695443"/>
+      </p:ext>
+    </p:extLst>
+  </p:cSld>
+  <p:clrMapOvr>
+    <a:masterClrMapping/>
+  </p:clrMapOvr>
+  <p:timing>
+    <p:tnLst>
+      <p:par>
+        <p:cTn id="1" dur="indefinite" restart="never" nodeType="tmRoot"/>
+      </p:par>
+    </p:tnLst>
+  </p:timing>
+</p:sld>
+</file>
+
+<file path=ppt/slides/slide30.xml><?xml version="1.0" encoding="utf-8"?>
+<p:sld xmlns:a="http://schemas.openxmlformats.org/drawingml/2006/main" xmlns:r="http://schemas.openxmlformats.org/officeDocument/2006/relationships" xmlns:p="http://schemas.openxmlformats.org/presentationml/2006/main">
+  <p:cSld>
+    <p:spTree>
+      <p:nvGrpSpPr>
+        <p:cNvPr id="1" name=""/>
+        <p:cNvGrpSpPr/>
+        <p:nvPr/>
+      </p:nvGrpSpPr>
+      <p:grpSpPr>
+        <a:xfrm>
+          <a:off x="0" y="0"/>
+          <a:ext cx="0" cy="0"/>
+          <a:chOff x="0" y="0"/>
+          <a:chExt cx="0" cy="0"/>
+        </a:xfrm>
+      </p:grpSpPr>
+      <p:sp>
+        <p:nvSpPr>
+          <p:cNvPr id="2" name="Title 1"/>
+          <p:cNvSpPr>
+            <a:spLocks noGrp="1"/>
+          </p:cNvSpPr>
+          <p:nvPr>
+            <p:ph type="title"/>
+          </p:nvPr>
+        </p:nvSpPr>
+        <p:spPr/>
+        <p:txBody>
+          <a:bodyPr/>
+          <a:lstStyle/>
+          <a:p>
+            <a:r>
+              <a:rPr lang="en-US" dirty="0" smtClean="0"/>
+              <a:t>Playing a bit with them…</a:t>
+            </a:r>
+            <a:endParaRPr lang="en-IE" dirty="0"/>
+          </a:p>
+        </p:txBody>
+      </p:sp>
+      <p:sp>
+        <p:nvSpPr>
+          <p:cNvPr id="4" name="Content Placeholder 3"/>
+          <p:cNvSpPr>
+            <a:spLocks noGrp="1"/>
+          </p:cNvSpPr>
+          <p:nvPr>
+            <p:ph sz="half" idx="2"/>
+          </p:nvPr>
+        </p:nvSpPr>
+        <p:spPr>
+          <a:xfrm>
+            <a:off x="6172200" y="3799143"/>
+            <a:ext cx="5181600" cy="2377819"/>
+          </a:xfrm>
+        </p:spPr>
+        <p:txBody>
+          <a:bodyPr/>
+          <a:lstStyle/>
+          <a:p>
+            <a:r>
+              <a:rPr lang="en-US" dirty="0" smtClean="0"/>
+              <a:t>7 mismatches</a:t>
+            </a:r>
+          </a:p>
+          <a:p>
+            <a:endParaRPr lang="en-US" dirty="0"/>
+          </a:p>
+          <a:p>
+            <a:r>
+              <a:rPr lang="en-US" dirty="0" smtClean="0"/>
+              <a:t>3 insertion/deletions</a:t>
+            </a:r>
+            <a:endParaRPr lang="en-IE" dirty="0"/>
+          </a:p>
+        </p:txBody>
+      </p:sp>
+      <p:pic>
+        <p:nvPicPr>
+          <p:cNvPr id="6" name="Picture 5"/>
+          <p:cNvPicPr>
+            <a:picLocks noChangeAspect="1"/>
+          </p:cNvPicPr>
+          <p:nvPr/>
+        </p:nvPicPr>
+        <p:blipFill>
+          <a:blip r:embed="rId2"/>
+          <a:stretch>
+            <a:fillRect/>
+          </a:stretch>
+        </p:blipFill>
+        <p:spPr>
+          <a:xfrm>
+            <a:off x="838200" y="1825625"/>
+            <a:ext cx="7011378" cy="1838582"/>
+          </a:xfrm>
+          <a:prstGeom prst="rect">
+            <a:avLst/>
+          </a:prstGeom>
+        </p:spPr>
+      </p:pic>
+    </p:spTree>
+    <p:extLst>
+      <p:ext uri="{BB962C8B-B14F-4D97-AF65-F5344CB8AC3E}">
+        <p14:creationId xmlns:p14="http://schemas.microsoft.com/office/powerpoint/2010/main" val="3631195056"/>
+      </p:ext>
+    </p:extLst>
+  </p:cSld>
+  <p:clrMapOvr>
+    <a:masterClrMapping/>
+  </p:clrMapOvr>
+</p:sld>
+</file>
+
+<file path=ppt/slides/slide31.xml><?xml version="1.0" encoding="utf-8"?>
+<p:sld xmlns:a="http://schemas.openxmlformats.org/drawingml/2006/main" xmlns:r="http://schemas.openxmlformats.org/officeDocument/2006/relationships" xmlns:p="http://schemas.openxmlformats.org/presentationml/2006/main">
+  <p:cSld>
+    <p:spTree>
+      <p:nvGrpSpPr>
+        <p:cNvPr id="1" name=""/>
+        <p:cNvGrpSpPr/>
+        <p:nvPr/>
+      </p:nvGrpSpPr>
+      <p:grpSpPr>
+        <a:xfrm>
+          <a:off x="0" y="0"/>
+          <a:ext cx="0" cy="0"/>
+          <a:chOff x="0" y="0"/>
+          <a:chExt cx="0" cy="0"/>
+        </a:xfrm>
+      </p:grpSpPr>
+      <p:sp>
+        <p:nvSpPr>
+          <p:cNvPr id="2" name="Title 1"/>
+          <p:cNvSpPr>
+            <a:spLocks noGrp="1"/>
+          </p:cNvSpPr>
+          <p:nvPr>
+            <p:ph type="title"/>
+          </p:nvPr>
+        </p:nvSpPr>
+        <p:spPr/>
+        <p:txBody>
+          <a:bodyPr/>
+          <a:lstStyle/>
+          <a:p>
+            <a:endParaRPr lang="en-IE"/>
+          </a:p>
+        </p:txBody>
+      </p:sp>
+      <p:sp>
+        <p:nvSpPr>
+          <p:cNvPr id="3" name="Content Placeholder 2"/>
+          <p:cNvSpPr>
+            <a:spLocks noGrp="1"/>
+          </p:cNvSpPr>
+          <p:nvPr>
+            <p:ph sz="half" idx="1"/>
+          </p:nvPr>
+        </p:nvSpPr>
+        <p:spPr/>
+        <p:txBody>
+          <a:bodyPr/>
+          <a:lstStyle/>
+          <a:p>
+            <a:endParaRPr lang="en-IE"/>
+          </a:p>
+        </p:txBody>
+      </p:sp>
+      <p:sp>
+        <p:nvSpPr>
+          <p:cNvPr id="4" name="Content Placeholder 3"/>
+          <p:cNvSpPr>
+            <a:spLocks noGrp="1"/>
+          </p:cNvSpPr>
+          <p:nvPr>
+            <p:ph sz="half" idx="2"/>
+          </p:nvPr>
+        </p:nvSpPr>
+        <p:spPr/>
+        <p:txBody>
+          <a:bodyPr/>
+          <a:lstStyle/>
+          <a:p>
+            <a:endParaRPr lang="en-IE"/>
+          </a:p>
+        </p:txBody>
+      </p:sp>
+      <p:pic>
+        <p:nvPicPr>
+          <p:cNvPr id="5" name="Picture 4"/>
+          <p:cNvPicPr>
+            <a:picLocks noChangeAspect="1"/>
+          </p:cNvPicPr>
+          <p:nvPr/>
+        </p:nvPicPr>
+        <p:blipFill>
+          <a:blip r:embed="rId2"/>
+          <a:stretch>
+            <a:fillRect/>
+          </a:stretch>
+        </p:blipFill>
+        <p:spPr>
+          <a:xfrm>
+            <a:off x="838200" y="143916"/>
+            <a:ext cx="8106906" cy="4610743"/>
+          </a:xfrm>
+          <a:prstGeom prst="rect">
+            <a:avLst/>
+          </a:prstGeom>
+        </p:spPr>
+      </p:pic>
+    </p:spTree>
+    <p:extLst>
+      <p:ext uri="{BB962C8B-B14F-4D97-AF65-F5344CB8AC3E}">
+        <p14:creationId xmlns:p14="http://schemas.microsoft.com/office/powerpoint/2010/main" val="1354294898"/>
+      </p:ext>
+    </p:extLst>
+  </p:cSld>
+  <p:clrMapOvr>
+    <a:masterClrMapping/>
+  </p:clrMapOvr>
+</p:sld>
+</file>
+
+<file path=ppt/slides/slide32.xml><?xml version="1.0" encoding="utf-8"?>
+<p:sld xmlns:a="http://schemas.openxmlformats.org/drawingml/2006/main" xmlns:r="http://schemas.openxmlformats.org/officeDocument/2006/relationships" xmlns:p="http://schemas.openxmlformats.org/presentationml/2006/main">
+  <p:cSld>
+    <p:spTree>
+      <p:nvGrpSpPr>
+        <p:cNvPr id="1" name=""/>
+        <p:cNvGrpSpPr/>
+        <p:nvPr/>
+      </p:nvGrpSpPr>
+      <p:grpSpPr>
+        <a:xfrm>
+          <a:off x="0" y="0"/>
+          <a:ext cx="0" cy="0"/>
+          <a:chOff x="0" y="0"/>
+          <a:chExt cx="0" cy="0"/>
+        </a:xfrm>
+      </p:grpSpPr>
+      <p:sp>
+        <p:nvSpPr>
+          <p:cNvPr id="2" name="Title 1"/>
+          <p:cNvSpPr>
+            <a:spLocks noGrp="1"/>
+          </p:cNvSpPr>
+          <p:nvPr>
+            <p:ph type="title"/>
+          </p:nvPr>
+        </p:nvSpPr>
+        <p:spPr/>
+        <p:txBody>
+          <a:bodyPr/>
+          <a:lstStyle/>
+          <a:p>
+            <a:endParaRPr lang="en-IE"/>
+          </a:p>
+        </p:txBody>
+      </p:sp>
+      <p:sp>
+        <p:nvSpPr>
+          <p:cNvPr id="3" name="Content Placeholder 2"/>
+          <p:cNvSpPr>
+            <a:spLocks noGrp="1"/>
+          </p:cNvSpPr>
+          <p:nvPr>
+            <p:ph sz="half" idx="1"/>
+          </p:nvPr>
+        </p:nvSpPr>
+        <p:spPr/>
+        <p:txBody>
+          <a:bodyPr/>
+          <a:lstStyle/>
+          <a:p>
+            <a:endParaRPr lang="en-IE"/>
+          </a:p>
+        </p:txBody>
+      </p:sp>
+      <p:sp>
+        <p:nvSpPr>
+          <p:cNvPr id="4" name="Content Placeholder 3"/>
+          <p:cNvSpPr>
+            <a:spLocks noGrp="1"/>
+          </p:cNvSpPr>
+          <p:nvPr>
+            <p:ph sz="half" idx="2"/>
+          </p:nvPr>
+        </p:nvSpPr>
+        <p:spPr/>
+        <p:txBody>
+          <a:bodyPr/>
+          <a:lstStyle/>
+          <a:p>
+            <a:endParaRPr lang="en-IE"/>
+          </a:p>
+        </p:txBody>
+      </p:sp>
+      <p:pic>
+        <p:nvPicPr>
+          <p:cNvPr id="5" name="Picture 4"/>
+          <p:cNvPicPr>
+            <a:picLocks noChangeAspect="1"/>
+          </p:cNvPicPr>
+          <p:nvPr/>
+        </p:nvPicPr>
+        <p:blipFill>
+          <a:blip r:embed="rId2"/>
+          <a:stretch>
+            <a:fillRect/>
+          </a:stretch>
+        </p:blipFill>
+        <p:spPr>
+          <a:xfrm>
+            <a:off x="0" y="156949"/>
+            <a:ext cx="8668960" cy="3067478"/>
+          </a:xfrm>
+          <a:prstGeom prst="rect">
+            <a:avLst/>
+          </a:prstGeom>
+        </p:spPr>
+      </p:pic>
+      <p:pic>
+        <p:nvPicPr>
+          <p:cNvPr id="6" name="Picture 5"/>
+          <p:cNvPicPr>
+            <a:picLocks noChangeAspect="1"/>
+          </p:cNvPicPr>
+          <p:nvPr/>
+        </p:nvPicPr>
+        <p:blipFill>
+          <a:blip r:embed="rId3"/>
+          <a:stretch>
+            <a:fillRect/>
+          </a:stretch>
+        </p:blipFill>
+        <p:spPr>
+          <a:xfrm>
+            <a:off x="0" y="3767899"/>
+            <a:ext cx="2867425" cy="466790"/>
+          </a:xfrm>
+          <a:prstGeom prst="rect">
+            <a:avLst/>
+          </a:prstGeom>
+        </p:spPr>
+      </p:pic>
+      <p:pic>
+        <p:nvPicPr>
+          <p:cNvPr id="7" name="Picture 6"/>
+          <p:cNvPicPr>
+            <a:picLocks noChangeAspect="1"/>
+          </p:cNvPicPr>
+          <p:nvPr/>
+        </p:nvPicPr>
+        <p:blipFill>
+          <a:blip r:embed="rId4"/>
+          <a:stretch>
+            <a:fillRect/>
+          </a:stretch>
+        </p:blipFill>
+        <p:spPr>
+          <a:xfrm>
+            <a:off x="2989683" y="4643224"/>
+            <a:ext cx="8364117" cy="1533739"/>
+          </a:xfrm>
+          <a:prstGeom prst="rect">
+            <a:avLst/>
+          </a:prstGeom>
+        </p:spPr>
+      </p:pic>
+    </p:spTree>
+    <p:extLst>
+      <p:ext uri="{BB962C8B-B14F-4D97-AF65-F5344CB8AC3E}">
+        <p14:creationId xmlns:p14="http://schemas.microsoft.com/office/powerpoint/2010/main" val="1695335474"/>
+      </p:ext>
+    </p:extLst>
+  </p:cSld>
+  <p:clrMapOvr>
+    <a:masterClrMapping/>
+  </p:clrMapOvr>
+</p:sld>
+</file>
+
+<file path=ppt/slides/slide33.xml><?xml version="1.0" encoding="utf-8"?>
+<p:sld xmlns:a="http://schemas.openxmlformats.org/drawingml/2006/main" xmlns:r="http://schemas.openxmlformats.org/officeDocument/2006/relationships" xmlns:p="http://schemas.openxmlformats.org/presentationml/2006/main">
+  <p:cSld>
+    <p:spTree>
+      <p:nvGrpSpPr>
+        <p:cNvPr id="1" name=""/>
+        <p:cNvGrpSpPr/>
+        <p:nvPr/>
+      </p:nvGrpSpPr>
+      <p:grpSpPr>
+        <a:xfrm>
+          <a:off x="0" y="0"/>
+          <a:ext cx="0" cy="0"/>
+          <a:chOff x="0" y="0"/>
+          <a:chExt cx="0" cy="0"/>
+        </a:xfrm>
+      </p:grpSpPr>
+      <p:sp>
+        <p:nvSpPr>
+          <p:cNvPr id="2" name="Title 1"/>
+          <p:cNvSpPr>
+            <a:spLocks noGrp="1"/>
+          </p:cNvSpPr>
+          <p:nvPr>
+            <p:ph type="title"/>
+          </p:nvPr>
+        </p:nvSpPr>
+        <p:spPr/>
+        <p:txBody>
+          <a:bodyPr/>
+          <a:lstStyle/>
+          <a:p>
+            <a:endParaRPr lang="en-IE"/>
+          </a:p>
+        </p:txBody>
+      </p:sp>
+      <p:sp>
+        <p:nvSpPr>
+          <p:cNvPr id="3" name="Content Placeholder 2"/>
+          <p:cNvSpPr>
+            <a:spLocks noGrp="1"/>
+          </p:cNvSpPr>
+          <p:nvPr>
+            <p:ph sz="half" idx="1"/>
+          </p:nvPr>
+        </p:nvSpPr>
+        <p:spPr/>
+        <p:txBody>
+          <a:bodyPr/>
+          <a:lstStyle/>
+          <a:p>
+            <a:endParaRPr lang="en-IE"/>
+          </a:p>
+        </p:txBody>
+      </p:sp>
+      <p:sp>
+        <p:nvSpPr>
+          <p:cNvPr id="4" name="Content Placeholder 3"/>
+          <p:cNvSpPr>
+            <a:spLocks noGrp="1"/>
+          </p:cNvSpPr>
+          <p:nvPr>
+            <p:ph sz="half" idx="2"/>
+          </p:nvPr>
+        </p:nvSpPr>
+        <p:spPr/>
+        <p:txBody>
+          <a:bodyPr/>
+          <a:lstStyle/>
+          <a:p>
+            <a:endParaRPr lang="en-IE"/>
+          </a:p>
+        </p:txBody>
+      </p:sp>
+      <p:pic>
+        <p:nvPicPr>
+          <p:cNvPr id="5" name="Picture 4"/>
+          <p:cNvPicPr>
+            <a:picLocks noChangeAspect="1"/>
+          </p:cNvPicPr>
+          <p:nvPr/>
+        </p:nvPicPr>
+        <p:blipFill>
+          <a:blip r:embed="rId2"/>
+          <a:stretch>
+            <a:fillRect/>
+          </a:stretch>
+        </p:blipFill>
+        <p:spPr>
+          <a:xfrm>
+            <a:off x="34933" y="-290083"/>
+            <a:ext cx="12130941" cy="7148083"/>
+          </a:xfrm>
+          <a:prstGeom prst="rect">
+            <a:avLst/>
+          </a:prstGeom>
+        </p:spPr>
+      </p:pic>
+    </p:spTree>
+    <p:extLst>
+      <p:ext uri="{BB962C8B-B14F-4D97-AF65-F5344CB8AC3E}">
+        <p14:creationId xmlns:p14="http://schemas.microsoft.com/office/powerpoint/2010/main" val="410785191"/>
+      </p:ext>
+    </p:extLst>
+  </p:cSld>
+  <p:clrMapOvr>
+    <a:masterClrMapping/>
+  </p:clrMapOvr>
+  <p:timing>
+    <p:tnLst>
+      <p:par>
+        <p:cTn id="1" dur="indefinite" restart="never" nodeType="tmRoot"/>
+      </p:par>
+    </p:tnLst>
+  </p:timing>
+</p:sld>
+</file>
+
+<file path=ppt/slides/slide34.xml><?xml version="1.0" encoding="utf-8"?>
+<p:sld xmlns:a="http://schemas.openxmlformats.org/drawingml/2006/main" xmlns:r="http://schemas.openxmlformats.org/officeDocument/2006/relationships" xmlns:p="http://schemas.openxmlformats.org/presentationml/2006/main">
+  <p:cSld>
+    <p:spTree>
+      <p:nvGrpSpPr>
+        <p:cNvPr id="1" name=""/>
+        <p:cNvGrpSpPr/>
+        <p:nvPr/>
+      </p:nvGrpSpPr>
+      <p:grpSpPr>
+        <a:xfrm>
+          <a:off x="0" y="0"/>
+          <a:ext cx="0" cy="0"/>
+          <a:chOff x="0" y="0"/>
+          <a:chExt cx="0" cy="0"/>
+        </a:xfrm>
+      </p:grpSpPr>
+      <p:sp>
+        <p:nvSpPr>
+          <p:cNvPr id="2" name="Title 1"/>
+          <p:cNvSpPr>
+            <a:spLocks noGrp="1"/>
+          </p:cNvSpPr>
+          <p:nvPr>
+            <p:ph type="title"/>
+          </p:nvPr>
+        </p:nvSpPr>
+        <p:spPr/>
+        <p:txBody>
+          <a:bodyPr/>
+          <a:lstStyle/>
+          <a:p>
+            <a:endParaRPr lang="en-IE"/>
+          </a:p>
+        </p:txBody>
+      </p:sp>
+      <p:sp>
+        <p:nvSpPr>
+          <p:cNvPr id="3" name="Content Placeholder 2"/>
+          <p:cNvSpPr>
+            <a:spLocks noGrp="1"/>
+          </p:cNvSpPr>
+          <p:nvPr>
+            <p:ph sz="half" idx="1"/>
+          </p:nvPr>
+        </p:nvSpPr>
+        <p:spPr/>
+        <p:txBody>
+          <a:bodyPr/>
+          <a:lstStyle/>
+          <a:p>
+            <a:endParaRPr lang="en-IE"/>
+          </a:p>
+        </p:txBody>
+      </p:sp>
+      <p:sp>
+        <p:nvSpPr>
+          <p:cNvPr id="4" name="Content Placeholder 3"/>
+          <p:cNvSpPr>
+            <a:spLocks noGrp="1"/>
+          </p:cNvSpPr>
+          <p:nvPr>
+            <p:ph sz="half" idx="2"/>
+          </p:nvPr>
+        </p:nvSpPr>
+        <p:spPr/>
+        <p:txBody>
+          <a:bodyPr/>
+          <a:lstStyle/>
+          <a:p>
+            <a:endParaRPr lang="en-IE"/>
+          </a:p>
+        </p:txBody>
+      </p:sp>
+      <p:pic>
+        <p:nvPicPr>
+          <p:cNvPr id="5" name="Picture 4"/>
+          <p:cNvPicPr>
+            <a:picLocks noChangeAspect="1"/>
+          </p:cNvPicPr>
+          <p:nvPr/>
+        </p:nvPicPr>
+        <p:blipFill>
+          <a:blip r:embed="rId2"/>
+          <a:stretch>
+            <a:fillRect/>
+          </a:stretch>
+        </p:blipFill>
+        <p:spPr>
+          <a:xfrm>
+            <a:off x="-111916" y="-57637"/>
+            <a:ext cx="12650965" cy="6973273"/>
+          </a:xfrm>
+          <a:prstGeom prst="rect">
+            <a:avLst/>
+          </a:prstGeom>
+        </p:spPr>
+      </p:pic>
+    </p:spTree>
+    <p:extLst>
+      <p:ext uri="{BB962C8B-B14F-4D97-AF65-F5344CB8AC3E}">
+        <p14:creationId xmlns:p14="http://schemas.microsoft.com/office/powerpoint/2010/main" val="2161104812"/>
+      </p:ext>
+    </p:extLst>
+  </p:cSld>
+  <p:clrMapOvr>
+    <a:masterClrMapping/>
+  </p:clrMapOvr>
+  <p:timing>
+    <p:tnLst>
+      <p:par>
+        <p:cTn id="1" dur="indefinite" restart="never" nodeType="tmRoot"/>
+      </p:par>
+    </p:tnLst>
+  </p:timing>
+</p:sld>
+</file>
+
+<file path=ppt/slides/slide35.xml><?xml version="1.0" encoding="utf-8"?>
+<p:sld xmlns:a="http://schemas.openxmlformats.org/drawingml/2006/main" xmlns:r="http://schemas.openxmlformats.org/officeDocument/2006/relationships" xmlns:p="http://schemas.openxmlformats.org/presentationml/2006/main">
+  <p:cSld>
+    <p:spTree>
+      <p:nvGrpSpPr>
+        <p:cNvPr id="1" name=""/>
+        <p:cNvGrpSpPr/>
+        <p:nvPr/>
+      </p:nvGrpSpPr>
+      <p:grpSpPr>
+        <a:xfrm>
+          <a:off x="0" y="0"/>
+          <a:ext cx="0" cy="0"/>
+          <a:chOff x="0" y="0"/>
+          <a:chExt cx="0" cy="0"/>
+        </a:xfrm>
+      </p:grpSpPr>
+      <p:sp>
+        <p:nvSpPr>
+          <p:cNvPr id="2" name="Title 1"/>
+          <p:cNvSpPr>
+            <a:spLocks noGrp="1"/>
+          </p:cNvSpPr>
+          <p:nvPr>
+            <p:ph type="title"/>
+          </p:nvPr>
+        </p:nvSpPr>
+        <p:spPr/>
+        <p:txBody>
+          <a:bodyPr/>
+          <a:lstStyle/>
+          <a:p>
+            <a:r>
+              <a:rPr lang="en-US" dirty="0" smtClean="0"/>
+              <a:t>How relevant is that they match the pathway?</a:t>
+            </a:r>
+            <a:endParaRPr lang="en-IE" dirty="0"/>
+          </a:p>
+        </p:txBody>
+      </p:sp>
+      <p:sp>
+        <p:nvSpPr>
+          <p:cNvPr id="4" name="Content Placeholder 3"/>
+          <p:cNvSpPr>
+            <a:spLocks noGrp="1"/>
+          </p:cNvSpPr>
+          <p:nvPr>
+            <p:ph sz="half" idx="2"/>
+          </p:nvPr>
+        </p:nvSpPr>
+        <p:spPr/>
+        <p:txBody>
+          <a:bodyPr/>
+          <a:lstStyle/>
+          <a:p>
+            <a:r>
+              <a:rPr lang="en-US" dirty="0" smtClean="0"/>
+              <a:t>There are </a:t>
+            </a:r>
+            <a:r>
+              <a:rPr lang="en-US" dirty="0"/>
+              <a:t>in total </a:t>
+            </a:r>
+            <a:r>
+              <a:rPr lang="en-US" dirty="0" smtClean="0"/>
+              <a:t>177,910</a:t>
+            </a:r>
+            <a:r>
+              <a:rPr lang="en-IE" dirty="0" smtClean="0"/>
+              <a:t> genes with at least 1 </a:t>
+            </a:r>
+            <a:r>
+              <a:rPr lang="en-IE" dirty="0" err="1" smtClean="0"/>
+              <a:t>mirna</a:t>
+            </a:r>
+            <a:r>
+              <a:rPr lang="en-IE" dirty="0" smtClean="0"/>
+              <a:t> associated.</a:t>
+            </a:r>
+          </a:p>
+          <a:p>
+            <a:r>
+              <a:rPr lang="en-US" dirty="0" smtClean="0"/>
+              <a:t>.</a:t>
+            </a:r>
+          </a:p>
+          <a:p>
+            <a:r>
+              <a:rPr lang="en-US" dirty="0" smtClean="0"/>
+              <a:t>.</a:t>
+            </a:r>
+          </a:p>
+          <a:p>
+            <a:r>
+              <a:rPr lang="en-US" dirty="0" smtClean="0"/>
+              <a:t>.</a:t>
+            </a:r>
+          </a:p>
+          <a:p>
+            <a:r>
+              <a:rPr lang="en-US" dirty="0" smtClean="0"/>
+              <a:t>Let’s keep playing</a:t>
+            </a:r>
+            <a:endParaRPr lang="en-US" dirty="0"/>
+          </a:p>
+        </p:txBody>
+      </p:sp>
+      <p:graphicFrame>
+        <p:nvGraphicFramePr>
+          <p:cNvPr id="10" name="Content Placeholder 9"/>
+          <p:cNvGraphicFramePr>
+            <a:graphicFrameLocks noGrp="1"/>
+          </p:cNvGraphicFramePr>
+          <p:nvPr>
+            <p:ph sz="half" idx="1"/>
+            <p:extLst>
+              <p:ext uri="{D42A27DB-BD31-4B8C-83A1-F6EECF244321}">
+                <p14:modId xmlns:p14="http://schemas.microsoft.com/office/powerpoint/2010/main" val="459173320"/>
+              </p:ext>
+            </p:extLst>
+          </p:nvPr>
+        </p:nvGraphicFramePr>
+        <p:xfrm>
+          <a:off x="653141" y="1446689"/>
+          <a:ext cx="4310743" cy="5109210"/>
+        </p:xfrm>
+        <a:graphic>
+          <a:graphicData uri="http://schemas.openxmlformats.org/drawingml/2006/table">
+            <a:tbl>
+              <a:tblPr firstRow="1">
+                <a:tableStyleId>{5C22544A-7EE6-4342-B048-85BDC9FD1C3A}</a:tableStyleId>
+              </a:tblPr>
+              <a:tblGrid>
+                <a:gridCol w="2512015">
+                  <a:extLst>
+                    <a:ext uri="{9D8B030D-6E8A-4147-A177-3AD203B41FA5}">
+                      <a16:colId xmlns:a16="http://schemas.microsoft.com/office/drawing/2014/main" val="3702992819"/>
+                    </a:ext>
+                  </a:extLst>
+                </a:gridCol>
+                <a:gridCol w="1798728">
+                  <a:extLst>
+                    <a:ext uri="{9D8B030D-6E8A-4147-A177-3AD203B41FA5}">
+                      <a16:colId xmlns:a16="http://schemas.microsoft.com/office/drawing/2014/main" val="1284639626"/>
+                    </a:ext>
+                  </a:extLst>
+                </a:gridCol>
+              </a:tblGrid>
+              <a:tr h="190500">
+                <a:tc>
+                  <a:txBody>
+                    <a:bodyPr/>
+                    <a:lstStyle/>
+                    <a:p>
+                      <a:pPr algn="ctr" fontAlgn="b"/>
+                      <a:r>
+                        <a:rPr lang="en-US" sz="1800" b="0" i="0" u="none" strike="noStrike" dirty="0" err="1" smtClean="0">
+                          <a:solidFill>
+                            <a:srgbClr val="000000"/>
+                          </a:solidFill>
+                          <a:effectLst/>
+                          <a:latin typeface="Calibri" panose="020F0502020204030204" pitchFamily="34" charset="0"/>
+                        </a:rPr>
+                        <a:t>Mirna</a:t>
+                      </a:r>
+                      <a:endParaRPr lang="en-IE" sz="1800" b="0" i="0" u="none" strike="noStrike" dirty="0">
+                        <a:solidFill>
+                          <a:srgbClr val="000000"/>
+                        </a:solidFill>
+                        <a:effectLst/>
+                        <a:latin typeface="Calibri" panose="020F0502020204030204" pitchFamily="34" charset="0"/>
+                      </a:endParaRPr>
+                    </a:p>
+                  </a:txBody>
+                  <a:tcPr marL="9525" marR="9525" marT="9525" marB="0" anchor="ctr"/>
+                </a:tc>
+                <a:tc>
+                  <a:txBody>
+                    <a:bodyPr/>
+                    <a:lstStyle/>
+                    <a:p>
+                      <a:pPr algn="ctr" fontAlgn="b"/>
+                      <a:r>
+                        <a:rPr lang="en-US" sz="1800" b="0" i="0" u="none" strike="noStrike" dirty="0" smtClean="0">
+                          <a:solidFill>
+                            <a:srgbClr val="000000"/>
+                          </a:solidFill>
+                          <a:effectLst/>
+                          <a:latin typeface="Calibri" panose="020F0502020204030204" pitchFamily="34" charset="0"/>
+                        </a:rPr>
+                        <a:t># of target genes</a:t>
+                      </a:r>
+                      <a:endParaRPr lang="en-IE" sz="1800" b="0" i="0" u="none" strike="noStrike" dirty="0">
+                        <a:solidFill>
+                          <a:srgbClr val="000000"/>
+                        </a:solidFill>
+                        <a:effectLst/>
+                        <a:latin typeface="Calibri" panose="020F0502020204030204" pitchFamily="34" charset="0"/>
+                      </a:endParaRPr>
+                    </a:p>
+                  </a:txBody>
+                  <a:tcPr marL="9525" marR="9525" marT="9525" marB="0" anchor="ctr"/>
+                </a:tc>
+                <a:extLst>
+                  <a:ext uri="{0D108BD9-81ED-4DB2-BD59-A6C34878D82A}">
+                    <a16:rowId xmlns:a16="http://schemas.microsoft.com/office/drawing/2014/main" val="3605066065"/>
+                  </a:ext>
+                </a:extLst>
+              </a:tr>
+              <a:tr h="190500">
+                <a:tc>
+                  <a:txBody>
+                    <a:bodyPr/>
+                    <a:lstStyle/>
+                    <a:p>
+                      <a:pPr algn="ctr" fontAlgn="b"/>
+                      <a:r>
+                        <a:rPr lang="en-IE" sz="1800" u="none" strike="noStrike" dirty="0">
+                          <a:effectLst/>
+                        </a:rPr>
+                        <a:t>hsa-miR-10400-5p</a:t>
+                      </a:r>
+                      <a:endParaRPr lang="en-IE" sz="1800" b="0" i="0" u="none" strike="noStrike" dirty="0">
+                        <a:solidFill>
+                          <a:srgbClr val="000000"/>
+                        </a:solidFill>
+                        <a:effectLst/>
+                        <a:latin typeface="Calibri" panose="020F0502020204030204" pitchFamily="34" charset="0"/>
+                      </a:endParaRPr>
+                    </a:p>
+                  </a:txBody>
+                  <a:tcPr marL="9525" marR="9525" marT="9525" marB="0" anchor="ctr"/>
+                </a:tc>
+                <a:tc>
+                  <a:txBody>
+                    <a:bodyPr/>
+                    <a:lstStyle/>
+                    <a:p>
+                      <a:pPr algn="ctr" fontAlgn="b"/>
+                      <a:r>
+                        <a:rPr lang="en-IE" sz="1800" u="none" strike="noStrike" dirty="0">
+                          <a:effectLst/>
+                        </a:rPr>
+                        <a:t>7270</a:t>
+                      </a:r>
+                      <a:endParaRPr lang="en-IE" sz="1800" b="0" i="0" u="none" strike="noStrike" dirty="0">
+                        <a:solidFill>
+                          <a:srgbClr val="000000"/>
+                        </a:solidFill>
+                        <a:effectLst/>
+                        <a:latin typeface="Calibri" panose="020F0502020204030204" pitchFamily="34" charset="0"/>
+                      </a:endParaRPr>
+                    </a:p>
+                  </a:txBody>
+                  <a:tcPr marL="9525" marR="9525" marT="9525" marB="0" anchor="ctr"/>
+                </a:tc>
+                <a:extLst>
+                  <a:ext uri="{0D108BD9-81ED-4DB2-BD59-A6C34878D82A}">
+                    <a16:rowId xmlns:a16="http://schemas.microsoft.com/office/drawing/2014/main" val="62341955"/>
+                  </a:ext>
+                </a:extLst>
+              </a:tr>
+              <a:tr h="190500">
+                <a:tc>
+                  <a:txBody>
+                    <a:bodyPr/>
+                    <a:lstStyle/>
+                    <a:p>
+                      <a:pPr algn="ctr" fontAlgn="b"/>
+                      <a:r>
+                        <a:rPr lang="en-IE" sz="1800" u="none" strike="noStrike">
+                          <a:effectLst/>
+                        </a:rPr>
+                        <a:t>hsa-miR-1233-3p</a:t>
+                      </a:r>
+                      <a:endParaRPr lang="en-IE" sz="1800" b="0" i="0" u="none" strike="noStrike">
+                        <a:solidFill>
+                          <a:srgbClr val="000000"/>
+                        </a:solidFill>
+                        <a:effectLst/>
+                        <a:latin typeface="Calibri" panose="020F0502020204030204" pitchFamily="34" charset="0"/>
+                      </a:endParaRPr>
+                    </a:p>
+                  </a:txBody>
+                  <a:tcPr marL="9525" marR="9525" marT="9525" marB="0" anchor="ctr"/>
+                </a:tc>
+                <a:tc>
+                  <a:txBody>
+                    <a:bodyPr/>
+                    <a:lstStyle/>
+                    <a:p>
+                      <a:pPr algn="ctr" fontAlgn="b"/>
+                      <a:r>
+                        <a:rPr lang="en-IE" sz="1800" u="none" strike="noStrike">
+                          <a:effectLst/>
+                        </a:rPr>
+                        <a:t>4759</a:t>
+                      </a:r>
+                      <a:endParaRPr lang="en-IE" sz="1800" b="0" i="0" u="none" strike="noStrike">
+                        <a:solidFill>
+                          <a:srgbClr val="000000"/>
+                        </a:solidFill>
+                        <a:effectLst/>
+                        <a:latin typeface="Calibri" panose="020F0502020204030204" pitchFamily="34" charset="0"/>
+                      </a:endParaRPr>
+                    </a:p>
+                  </a:txBody>
+                  <a:tcPr marL="9525" marR="9525" marT="9525" marB="0" anchor="ctr"/>
+                </a:tc>
+                <a:extLst>
+                  <a:ext uri="{0D108BD9-81ED-4DB2-BD59-A6C34878D82A}">
+                    <a16:rowId xmlns:a16="http://schemas.microsoft.com/office/drawing/2014/main" val="3698842964"/>
+                  </a:ext>
+                </a:extLst>
+              </a:tr>
+              <a:tr h="190500">
+                <a:tc>
+                  <a:txBody>
+                    <a:bodyPr/>
+                    <a:lstStyle/>
+                    <a:p>
+                      <a:pPr algn="ctr" fontAlgn="b"/>
+                      <a:r>
+                        <a:rPr lang="en-IE" sz="1800" b="1" u="none" strike="noStrike" dirty="0">
+                          <a:effectLst/>
+                        </a:rPr>
+                        <a:t>hsa-miR-3150a-3p</a:t>
+                      </a:r>
+                      <a:endParaRPr lang="en-IE" sz="1800" b="1" i="0" u="none" strike="noStrike" dirty="0">
+                        <a:solidFill>
+                          <a:srgbClr val="000000"/>
+                        </a:solidFill>
+                        <a:effectLst/>
+                        <a:latin typeface="Calibri" panose="020F0502020204030204" pitchFamily="34" charset="0"/>
+                      </a:endParaRPr>
+                    </a:p>
+                  </a:txBody>
+                  <a:tcPr marL="9525" marR="9525" marT="9525" marB="0" anchor="ctr"/>
+                </a:tc>
+                <a:tc>
+                  <a:txBody>
+                    <a:bodyPr/>
+                    <a:lstStyle/>
+                    <a:p>
+                      <a:pPr algn="ctr" fontAlgn="b"/>
+                      <a:r>
+                        <a:rPr lang="en-IE" sz="1800" b="1" u="none" strike="noStrike" dirty="0">
+                          <a:effectLst/>
+                        </a:rPr>
+                        <a:t>5712</a:t>
+                      </a:r>
+                      <a:endParaRPr lang="en-IE" sz="1800" b="1" i="0" u="none" strike="noStrike" dirty="0">
+                        <a:solidFill>
+                          <a:srgbClr val="000000"/>
+                        </a:solidFill>
+                        <a:effectLst/>
+                        <a:latin typeface="Calibri" panose="020F0502020204030204" pitchFamily="34" charset="0"/>
+                      </a:endParaRPr>
+                    </a:p>
+                  </a:txBody>
+                  <a:tcPr marL="9525" marR="9525" marT="9525" marB="0" anchor="ctr"/>
+                </a:tc>
+                <a:extLst>
+                  <a:ext uri="{0D108BD9-81ED-4DB2-BD59-A6C34878D82A}">
+                    <a16:rowId xmlns:a16="http://schemas.microsoft.com/office/drawing/2014/main" val="3604095372"/>
+                  </a:ext>
+                </a:extLst>
+              </a:tr>
+              <a:tr h="190500">
+                <a:tc>
+                  <a:txBody>
+                    <a:bodyPr/>
+                    <a:lstStyle/>
+                    <a:p>
+                      <a:pPr algn="ctr" fontAlgn="b"/>
+                      <a:r>
+                        <a:rPr lang="en-IE" sz="1800" u="none" strike="noStrike">
+                          <a:effectLst/>
+                        </a:rPr>
+                        <a:t>hsa-miR-365a-5p</a:t>
+                      </a:r>
+                      <a:endParaRPr lang="en-IE" sz="1800" b="0" i="0" u="none" strike="noStrike">
+                        <a:solidFill>
+                          <a:srgbClr val="000000"/>
+                        </a:solidFill>
+                        <a:effectLst/>
+                        <a:latin typeface="Calibri" panose="020F0502020204030204" pitchFamily="34" charset="0"/>
+                      </a:endParaRPr>
+                    </a:p>
+                  </a:txBody>
+                  <a:tcPr marL="9525" marR="9525" marT="9525" marB="0" anchor="ctr"/>
+                </a:tc>
+                <a:tc>
+                  <a:txBody>
+                    <a:bodyPr/>
+                    <a:lstStyle/>
+                    <a:p>
+                      <a:pPr algn="ctr" fontAlgn="b"/>
+                      <a:r>
+                        <a:rPr lang="en-IE" sz="1800" u="none" strike="noStrike">
+                          <a:effectLst/>
+                        </a:rPr>
+                        <a:t>4817</a:t>
+                      </a:r>
+                      <a:endParaRPr lang="en-IE" sz="1800" b="0" i="0" u="none" strike="noStrike">
+                        <a:solidFill>
+                          <a:srgbClr val="000000"/>
+                        </a:solidFill>
+                        <a:effectLst/>
+                        <a:latin typeface="Calibri" panose="020F0502020204030204" pitchFamily="34" charset="0"/>
+                      </a:endParaRPr>
+                    </a:p>
+                  </a:txBody>
+                  <a:tcPr marL="9525" marR="9525" marT="9525" marB="0" anchor="ctr"/>
+                </a:tc>
+                <a:extLst>
+                  <a:ext uri="{0D108BD9-81ED-4DB2-BD59-A6C34878D82A}">
+                    <a16:rowId xmlns:a16="http://schemas.microsoft.com/office/drawing/2014/main" val="2672707511"/>
+                  </a:ext>
+                </a:extLst>
+              </a:tr>
+              <a:tr h="190500">
+                <a:tc>
+                  <a:txBody>
+                    <a:bodyPr/>
+                    <a:lstStyle/>
+                    <a:p>
+                      <a:pPr algn="ctr" fontAlgn="b"/>
+                      <a:r>
+                        <a:rPr lang="en-IE" sz="1800" u="none" strike="noStrike">
+                          <a:effectLst/>
+                        </a:rPr>
+                        <a:t>hsa-miR-3714</a:t>
+                      </a:r>
+                      <a:endParaRPr lang="en-IE" sz="1800" b="0" i="0" u="none" strike="noStrike">
+                        <a:solidFill>
+                          <a:srgbClr val="000000"/>
+                        </a:solidFill>
+                        <a:effectLst/>
+                        <a:latin typeface="Calibri" panose="020F0502020204030204" pitchFamily="34" charset="0"/>
+                      </a:endParaRPr>
+                    </a:p>
+                  </a:txBody>
+                  <a:tcPr marL="9525" marR="9525" marT="9525" marB="0" anchor="ctr"/>
+                </a:tc>
+                <a:tc>
+                  <a:txBody>
+                    <a:bodyPr/>
+                    <a:lstStyle/>
+                    <a:p>
+                      <a:pPr algn="ctr" fontAlgn="b"/>
+                      <a:r>
+                        <a:rPr lang="en-IE" sz="1800" u="none" strike="noStrike">
+                          <a:effectLst/>
+                        </a:rPr>
+                        <a:t>6322</a:t>
+                      </a:r>
+                      <a:endParaRPr lang="en-IE" sz="1800" b="0" i="0" u="none" strike="noStrike">
+                        <a:solidFill>
+                          <a:srgbClr val="000000"/>
+                        </a:solidFill>
+                        <a:effectLst/>
+                        <a:latin typeface="Calibri" panose="020F0502020204030204" pitchFamily="34" charset="0"/>
+                      </a:endParaRPr>
+                    </a:p>
+                  </a:txBody>
+                  <a:tcPr marL="9525" marR="9525" marT="9525" marB="0" anchor="ctr"/>
+                </a:tc>
+                <a:extLst>
+                  <a:ext uri="{0D108BD9-81ED-4DB2-BD59-A6C34878D82A}">
+                    <a16:rowId xmlns:a16="http://schemas.microsoft.com/office/drawing/2014/main" val="840767071"/>
+                  </a:ext>
+                </a:extLst>
+              </a:tr>
+              <a:tr h="190500">
+                <a:tc>
+                  <a:txBody>
+                    <a:bodyPr/>
+                    <a:lstStyle/>
+                    <a:p>
+                      <a:pPr algn="ctr" fontAlgn="b"/>
+                      <a:r>
+                        <a:rPr lang="en-IE" sz="1800" u="none" strike="noStrike">
+                          <a:effectLst/>
+                        </a:rPr>
+                        <a:t>hsa-miR-423-5p</a:t>
+                      </a:r>
+                      <a:endParaRPr lang="en-IE" sz="1800" b="0" i="0" u="none" strike="noStrike">
+                        <a:solidFill>
+                          <a:srgbClr val="000000"/>
+                        </a:solidFill>
+                        <a:effectLst/>
+                        <a:latin typeface="Calibri" panose="020F0502020204030204" pitchFamily="34" charset="0"/>
+                      </a:endParaRPr>
+                    </a:p>
+                  </a:txBody>
+                  <a:tcPr marL="9525" marR="9525" marT="9525" marB="0" anchor="ctr"/>
+                </a:tc>
+                <a:tc>
+                  <a:txBody>
+                    <a:bodyPr/>
+                    <a:lstStyle/>
+                    <a:p>
+                      <a:pPr algn="ctr" fontAlgn="b"/>
+                      <a:r>
+                        <a:rPr lang="en-IE" sz="1800" u="none" strike="noStrike">
+                          <a:effectLst/>
+                        </a:rPr>
+                        <a:t>6132</a:t>
+                      </a:r>
+                      <a:endParaRPr lang="en-IE" sz="1800" b="0" i="0" u="none" strike="noStrike">
+                        <a:solidFill>
+                          <a:srgbClr val="000000"/>
+                        </a:solidFill>
+                        <a:effectLst/>
+                        <a:latin typeface="Calibri" panose="020F0502020204030204" pitchFamily="34" charset="0"/>
+                      </a:endParaRPr>
+                    </a:p>
+                  </a:txBody>
+                  <a:tcPr marL="9525" marR="9525" marT="9525" marB="0" anchor="ctr"/>
+                </a:tc>
+                <a:extLst>
+                  <a:ext uri="{0D108BD9-81ED-4DB2-BD59-A6C34878D82A}">
+                    <a16:rowId xmlns:a16="http://schemas.microsoft.com/office/drawing/2014/main" val="293172469"/>
+                  </a:ext>
+                </a:extLst>
+              </a:tr>
+              <a:tr h="190500">
+                <a:tc>
+                  <a:txBody>
+                    <a:bodyPr/>
+                    <a:lstStyle/>
+                    <a:p>
+                      <a:pPr algn="ctr" fontAlgn="b"/>
+                      <a:r>
+                        <a:rPr lang="en-IE" sz="1800" u="none" strike="noStrike">
+                          <a:effectLst/>
+                        </a:rPr>
+                        <a:t>hsa-miR-4446-3p</a:t>
+                      </a:r>
+                      <a:endParaRPr lang="en-IE" sz="1800" b="0" i="0" u="none" strike="noStrike">
+                        <a:solidFill>
+                          <a:srgbClr val="000000"/>
+                        </a:solidFill>
+                        <a:effectLst/>
+                        <a:latin typeface="Calibri" panose="020F0502020204030204" pitchFamily="34" charset="0"/>
+                      </a:endParaRPr>
+                    </a:p>
+                  </a:txBody>
+                  <a:tcPr marL="9525" marR="9525" marT="9525" marB="0" anchor="ctr"/>
+                </a:tc>
+                <a:tc>
+                  <a:txBody>
+                    <a:bodyPr/>
+                    <a:lstStyle/>
+                    <a:p>
+                      <a:pPr algn="ctr" fontAlgn="b"/>
+                      <a:r>
+                        <a:rPr lang="en-IE" sz="1800" u="none" strike="noStrike">
+                          <a:effectLst/>
+                        </a:rPr>
+                        <a:t>5320</a:t>
+                      </a:r>
+                      <a:endParaRPr lang="en-IE" sz="1800" b="0" i="0" u="none" strike="noStrike">
+                        <a:solidFill>
+                          <a:srgbClr val="000000"/>
+                        </a:solidFill>
+                        <a:effectLst/>
+                        <a:latin typeface="Calibri" panose="020F0502020204030204" pitchFamily="34" charset="0"/>
+                      </a:endParaRPr>
+                    </a:p>
+                  </a:txBody>
+                  <a:tcPr marL="9525" marR="9525" marT="9525" marB="0" anchor="ctr"/>
+                </a:tc>
+                <a:extLst>
+                  <a:ext uri="{0D108BD9-81ED-4DB2-BD59-A6C34878D82A}">
+                    <a16:rowId xmlns:a16="http://schemas.microsoft.com/office/drawing/2014/main" val="687124791"/>
+                  </a:ext>
+                </a:extLst>
+              </a:tr>
+              <a:tr h="190500">
+                <a:tc>
+                  <a:txBody>
+                    <a:bodyPr/>
+                    <a:lstStyle/>
+                    <a:p>
+                      <a:pPr algn="ctr" fontAlgn="b"/>
+                      <a:r>
+                        <a:rPr lang="en-IE" sz="1800" u="none" strike="noStrike">
+                          <a:effectLst/>
+                        </a:rPr>
+                        <a:t>hsa-miR-4508</a:t>
+                      </a:r>
+                      <a:endParaRPr lang="en-IE" sz="1800" b="0" i="0" u="none" strike="noStrike">
+                        <a:solidFill>
+                          <a:srgbClr val="000000"/>
+                        </a:solidFill>
+                        <a:effectLst/>
+                        <a:latin typeface="Calibri" panose="020F0502020204030204" pitchFamily="34" charset="0"/>
+                      </a:endParaRPr>
+                    </a:p>
+                  </a:txBody>
+                  <a:tcPr marL="9525" marR="9525" marT="9525" marB="0" anchor="ctr"/>
+                </a:tc>
+                <a:tc>
+                  <a:txBody>
+                    <a:bodyPr/>
+                    <a:lstStyle/>
+                    <a:p>
+                      <a:pPr algn="ctr" fontAlgn="b"/>
+                      <a:r>
+                        <a:rPr lang="en-IE" sz="1800" u="none" strike="noStrike">
+                          <a:effectLst/>
+                        </a:rPr>
+                        <a:t>6382</a:t>
+                      </a:r>
+                      <a:endParaRPr lang="en-IE" sz="1800" b="0" i="0" u="none" strike="noStrike">
+                        <a:solidFill>
+                          <a:srgbClr val="000000"/>
+                        </a:solidFill>
+                        <a:effectLst/>
+                        <a:latin typeface="Calibri" panose="020F0502020204030204" pitchFamily="34" charset="0"/>
+                      </a:endParaRPr>
+                    </a:p>
+                  </a:txBody>
+                  <a:tcPr marL="9525" marR="9525" marT="9525" marB="0" anchor="ctr"/>
+                </a:tc>
+                <a:extLst>
+                  <a:ext uri="{0D108BD9-81ED-4DB2-BD59-A6C34878D82A}">
+                    <a16:rowId xmlns:a16="http://schemas.microsoft.com/office/drawing/2014/main" val="3408012443"/>
+                  </a:ext>
+                </a:extLst>
+              </a:tr>
+              <a:tr h="190500">
+                <a:tc>
+                  <a:txBody>
+                    <a:bodyPr/>
+                    <a:lstStyle/>
+                    <a:p>
+                      <a:pPr algn="ctr" fontAlgn="b"/>
+                      <a:r>
+                        <a:rPr lang="en-IE" sz="1800" u="none" strike="noStrike">
+                          <a:effectLst/>
+                        </a:rPr>
+                        <a:t>hsa-miR-4537</a:t>
+                      </a:r>
+                      <a:endParaRPr lang="en-IE" sz="1800" b="0" i="0" u="none" strike="noStrike">
+                        <a:solidFill>
+                          <a:srgbClr val="000000"/>
+                        </a:solidFill>
+                        <a:effectLst/>
+                        <a:latin typeface="Calibri" panose="020F0502020204030204" pitchFamily="34" charset="0"/>
+                      </a:endParaRPr>
+                    </a:p>
+                  </a:txBody>
+                  <a:tcPr marL="9525" marR="9525" marT="9525" marB="0" anchor="ctr"/>
+                </a:tc>
+                <a:tc>
+                  <a:txBody>
+                    <a:bodyPr/>
+                    <a:lstStyle/>
+                    <a:p>
+                      <a:pPr algn="ctr" fontAlgn="b"/>
+                      <a:r>
+                        <a:rPr lang="en-IE" sz="1800" u="none" strike="noStrike">
+                          <a:effectLst/>
+                        </a:rPr>
+                        <a:t>3639</a:t>
+                      </a:r>
+                      <a:endParaRPr lang="en-IE" sz="1800" b="0" i="0" u="none" strike="noStrike">
+                        <a:solidFill>
+                          <a:srgbClr val="000000"/>
+                        </a:solidFill>
+                        <a:effectLst/>
+                        <a:latin typeface="Calibri" panose="020F0502020204030204" pitchFamily="34" charset="0"/>
+                      </a:endParaRPr>
+                    </a:p>
+                  </a:txBody>
+                  <a:tcPr marL="9525" marR="9525" marT="9525" marB="0" anchor="ctr"/>
+                </a:tc>
+                <a:extLst>
+                  <a:ext uri="{0D108BD9-81ED-4DB2-BD59-A6C34878D82A}">
+                    <a16:rowId xmlns:a16="http://schemas.microsoft.com/office/drawing/2014/main" val="2133776415"/>
+                  </a:ext>
+                </a:extLst>
+              </a:tr>
+              <a:tr h="190500">
+                <a:tc>
+                  <a:txBody>
+                    <a:bodyPr/>
+                    <a:lstStyle/>
+                    <a:p>
+                      <a:pPr algn="ctr" fontAlgn="b"/>
+                      <a:r>
+                        <a:rPr lang="en-IE" sz="1800" u="none" strike="noStrike">
+                          <a:effectLst/>
+                        </a:rPr>
+                        <a:t>hsa-miR-4746-3p</a:t>
+                      </a:r>
+                      <a:endParaRPr lang="en-IE" sz="1800" b="0" i="0" u="none" strike="noStrike">
+                        <a:solidFill>
+                          <a:srgbClr val="000000"/>
+                        </a:solidFill>
+                        <a:effectLst/>
+                        <a:latin typeface="Calibri" panose="020F0502020204030204" pitchFamily="34" charset="0"/>
+                      </a:endParaRPr>
+                    </a:p>
+                  </a:txBody>
+                  <a:tcPr marL="9525" marR="9525" marT="9525" marB="0" anchor="ctr"/>
+                </a:tc>
+                <a:tc>
+                  <a:txBody>
+                    <a:bodyPr/>
+                    <a:lstStyle/>
+                    <a:p>
+                      <a:pPr algn="ctr" fontAlgn="b"/>
+                      <a:r>
+                        <a:rPr lang="en-IE" sz="1800" u="none" strike="noStrike">
+                          <a:effectLst/>
+                        </a:rPr>
+                        <a:t>6047</a:t>
+                      </a:r>
+                      <a:endParaRPr lang="en-IE" sz="1800" b="0" i="0" u="none" strike="noStrike">
+                        <a:solidFill>
+                          <a:srgbClr val="000000"/>
+                        </a:solidFill>
+                        <a:effectLst/>
+                        <a:latin typeface="Calibri" panose="020F0502020204030204" pitchFamily="34" charset="0"/>
+                      </a:endParaRPr>
+                    </a:p>
+                  </a:txBody>
+                  <a:tcPr marL="9525" marR="9525" marT="9525" marB="0" anchor="ctr"/>
+                </a:tc>
+                <a:extLst>
+                  <a:ext uri="{0D108BD9-81ED-4DB2-BD59-A6C34878D82A}">
+                    <a16:rowId xmlns:a16="http://schemas.microsoft.com/office/drawing/2014/main" val="2888272113"/>
+                  </a:ext>
+                </a:extLst>
+              </a:tr>
+              <a:tr h="190500">
+                <a:tc>
+                  <a:txBody>
+                    <a:bodyPr/>
+                    <a:lstStyle/>
+                    <a:p>
+                      <a:pPr algn="ctr" fontAlgn="b"/>
+                      <a:r>
+                        <a:rPr lang="en-IE" sz="1800" u="none" strike="noStrike">
+                          <a:effectLst/>
+                        </a:rPr>
+                        <a:t>hsa-miR-6746-3p</a:t>
+                      </a:r>
+                      <a:endParaRPr lang="en-IE" sz="1800" b="0" i="0" u="none" strike="noStrike">
+                        <a:solidFill>
+                          <a:srgbClr val="000000"/>
+                        </a:solidFill>
+                        <a:effectLst/>
+                        <a:latin typeface="Calibri" panose="020F0502020204030204" pitchFamily="34" charset="0"/>
+                      </a:endParaRPr>
+                    </a:p>
+                  </a:txBody>
+                  <a:tcPr marL="9525" marR="9525" marT="9525" marB="0" anchor="ctr"/>
+                </a:tc>
+                <a:tc>
+                  <a:txBody>
+                    <a:bodyPr/>
+                    <a:lstStyle/>
+                    <a:p>
+                      <a:pPr algn="ctr" fontAlgn="b"/>
+                      <a:r>
+                        <a:rPr lang="en-IE" sz="1800" u="none" strike="noStrike">
+                          <a:effectLst/>
+                        </a:rPr>
+                        <a:t>5722</a:t>
+                      </a:r>
+                      <a:endParaRPr lang="en-IE" sz="1800" b="0" i="0" u="none" strike="noStrike">
+                        <a:solidFill>
+                          <a:srgbClr val="000000"/>
+                        </a:solidFill>
+                        <a:effectLst/>
+                        <a:latin typeface="Calibri" panose="020F0502020204030204" pitchFamily="34" charset="0"/>
+                      </a:endParaRPr>
+                    </a:p>
+                  </a:txBody>
+                  <a:tcPr marL="9525" marR="9525" marT="9525" marB="0" anchor="ctr"/>
+                </a:tc>
+                <a:extLst>
+                  <a:ext uri="{0D108BD9-81ED-4DB2-BD59-A6C34878D82A}">
+                    <a16:rowId xmlns:a16="http://schemas.microsoft.com/office/drawing/2014/main" val="2525780350"/>
+                  </a:ext>
+                </a:extLst>
+              </a:tr>
+              <a:tr h="190500">
+                <a:tc>
+                  <a:txBody>
+                    <a:bodyPr/>
+                    <a:lstStyle/>
+                    <a:p>
+                      <a:pPr algn="ctr" fontAlgn="b"/>
+                      <a:r>
+                        <a:rPr lang="en-IE" sz="1800" u="none" strike="noStrike">
+                          <a:effectLst/>
+                        </a:rPr>
+                        <a:t>hsa-miR-6751-5p</a:t>
+                      </a:r>
+                      <a:endParaRPr lang="en-IE" sz="1800" b="0" i="0" u="none" strike="noStrike">
+                        <a:solidFill>
+                          <a:srgbClr val="000000"/>
+                        </a:solidFill>
+                        <a:effectLst/>
+                        <a:latin typeface="Calibri" panose="020F0502020204030204" pitchFamily="34" charset="0"/>
+                      </a:endParaRPr>
+                    </a:p>
+                  </a:txBody>
+                  <a:tcPr marL="9525" marR="9525" marT="9525" marB="0" anchor="ctr"/>
+                </a:tc>
+                <a:tc>
+                  <a:txBody>
+                    <a:bodyPr/>
+                    <a:lstStyle/>
+                    <a:p>
+                      <a:pPr algn="ctr" fontAlgn="b"/>
+                      <a:r>
+                        <a:rPr lang="en-IE" sz="1800" u="none" strike="noStrike">
+                          <a:effectLst/>
+                        </a:rPr>
+                        <a:t>6572</a:t>
+                      </a:r>
+                      <a:endParaRPr lang="en-IE" sz="1800" b="0" i="0" u="none" strike="noStrike">
+                        <a:solidFill>
+                          <a:srgbClr val="000000"/>
+                        </a:solidFill>
+                        <a:effectLst/>
+                        <a:latin typeface="Calibri" panose="020F0502020204030204" pitchFamily="34" charset="0"/>
+                      </a:endParaRPr>
+                    </a:p>
+                  </a:txBody>
+                  <a:tcPr marL="9525" marR="9525" marT="9525" marB="0" anchor="ctr"/>
+                </a:tc>
+                <a:extLst>
+                  <a:ext uri="{0D108BD9-81ED-4DB2-BD59-A6C34878D82A}">
+                    <a16:rowId xmlns:a16="http://schemas.microsoft.com/office/drawing/2014/main" val="3500401059"/>
+                  </a:ext>
+                </a:extLst>
+              </a:tr>
+              <a:tr h="190500">
+                <a:tc>
+                  <a:txBody>
+                    <a:bodyPr/>
+                    <a:lstStyle/>
+                    <a:p>
+                      <a:pPr algn="ctr" fontAlgn="b"/>
+                      <a:r>
+                        <a:rPr lang="en-IE" sz="1800" u="none" strike="noStrike">
+                          <a:effectLst/>
+                        </a:rPr>
+                        <a:t>hsa-miR-6754-5p</a:t>
+                      </a:r>
+                      <a:endParaRPr lang="en-IE" sz="1800" b="0" i="0" u="none" strike="noStrike">
+                        <a:solidFill>
+                          <a:srgbClr val="000000"/>
+                        </a:solidFill>
+                        <a:effectLst/>
+                        <a:latin typeface="Calibri" panose="020F0502020204030204" pitchFamily="34" charset="0"/>
+                      </a:endParaRPr>
+                    </a:p>
+                  </a:txBody>
+                  <a:tcPr marL="9525" marR="9525" marT="9525" marB="0" anchor="ctr"/>
+                </a:tc>
+                <a:tc>
+                  <a:txBody>
+                    <a:bodyPr/>
+                    <a:lstStyle/>
+                    <a:p>
+                      <a:pPr algn="ctr" fontAlgn="b"/>
+                      <a:r>
+                        <a:rPr lang="en-IE" sz="1800" u="none" strike="noStrike">
+                          <a:effectLst/>
+                        </a:rPr>
+                        <a:t>6411</a:t>
+                      </a:r>
+                      <a:endParaRPr lang="en-IE" sz="1800" b="0" i="0" u="none" strike="noStrike">
+                        <a:solidFill>
+                          <a:srgbClr val="000000"/>
+                        </a:solidFill>
+                        <a:effectLst/>
+                        <a:latin typeface="Calibri" panose="020F0502020204030204" pitchFamily="34" charset="0"/>
+                      </a:endParaRPr>
+                    </a:p>
+                  </a:txBody>
+                  <a:tcPr marL="9525" marR="9525" marT="9525" marB="0" anchor="ctr"/>
+                </a:tc>
+                <a:extLst>
+                  <a:ext uri="{0D108BD9-81ED-4DB2-BD59-A6C34878D82A}">
+                    <a16:rowId xmlns:a16="http://schemas.microsoft.com/office/drawing/2014/main" val="1221890795"/>
+                  </a:ext>
+                </a:extLst>
+              </a:tr>
+              <a:tr h="190500">
+                <a:tc>
+                  <a:txBody>
+                    <a:bodyPr/>
+                    <a:lstStyle/>
+                    <a:p>
+                      <a:pPr algn="ctr" fontAlgn="b"/>
+                      <a:r>
+                        <a:rPr lang="en-IE" sz="1800" b="1" u="none" strike="noStrike" dirty="0">
+                          <a:effectLst/>
+                        </a:rPr>
+                        <a:t>hsa-miR-6763-5p</a:t>
+                      </a:r>
+                      <a:endParaRPr lang="en-IE" sz="1800" b="1" i="0" u="none" strike="noStrike" dirty="0">
+                        <a:solidFill>
+                          <a:srgbClr val="000000"/>
+                        </a:solidFill>
+                        <a:effectLst/>
+                        <a:latin typeface="Calibri" panose="020F0502020204030204" pitchFamily="34" charset="0"/>
+                      </a:endParaRPr>
+                    </a:p>
+                  </a:txBody>
+                  <a:tcPr marL="9525" marR="9525" marT="9525" marB="0" anchor="ctr"/>
+                </a:tc>
+                <a:tc>
+                  <a:txBody>
+                    <a:bodyPr/>
+                    <a:lstStyle/>
+                    <a:p>
+                      <a:pPr algn="ctr" fontAlgn="b"/>
+                      <a:r>
+                        <a:rPr lang="en-IE" sz="1800" b="1" u="none" strike="noStrike" dirty="0">
+                          <a:effectLst/>
+                        </a:rPr>
+                        <a:t>7561</a:t>
+                      </a:r>
+                      <a:endParaRPr lang="en-IE" sz="1800" b="1" i="0" u="none" strike="noStrike" dirty="0">
+                        <a:solidFill>
+                          <a:srgbClr val="000000"/>
+                        </a:solidFill>
+                        <a:effectLst/>
+                        <a:latin typeface="Calibri" panose="020F0502020204030204" pitchFamily="34" charset="0"/>
+                      </a:endParaRPr>
+                    </a:p>
+                  </a:txBody>
+                  <a:tcPr marL="9525" marR="9525" marT="9525" marB="0" anchor="ctr"/>
+                </a:tc>
+                <a:extLst>
+                  <a:ext uri="{0D108BD9-81ED-4DB2-BD59-A6C34878D82A}">
+                    <a16:rowId xmlns:a16="http://schemas.microsoft.com/office/drawing/2014/main" val="3513209149"/>
+                  </a:ext>
+                </a:extLst>
+              </a:tr>
+              <a:tr h="190500">
+                <a:tc>
+                  <a:txBody>
+                    <a:bodyPr/>
+                    <a:lstStyle/>
+                    <a:p>
+                      <a:pPr algn="ctr" fontAlgn="b"/>
+                      <a:r>
+                        <a:rPr lang="en-IE" sz="1800" u="none" strike="noStrike">
+                          <a:effectLst/>
+                        </a:rPr>
+                        <a:t>hsa-miR-6794-5p</a:t>
+                      </a:r>
+                      <a:endParaRPr lang="en-IE" sz="1800" b="0" i="0" u="none" strike="noStrike">
+                        <a:solidFill>
+                          <a:srgbClr val="000000"/>
+                        </a:solidFill>
+                        <a:effectLst/>
+                        <a:latin typeface="Calibri" panose="020F0502020204030204" pitchFamily="34" charset="0"/>
+                      </a:endParaRPr>
+                    </a:p>
+                  </a:txBody>
+                  <a:tcPr marL="9525" marR="9525" marT="9525" marB="0" anchor="ctr"/>
+                </a:tc>
+                <a:tc>
+                  <a:txBody>
+                    <a:bodyPr/>
+                    <a:lstStyle/>
+                    <a:p>
+                      <a:pPr algn="ctr" fontAlgn="b"/>
+                      <a:r>
+                        <a:rPr lang="en-IE" sz="1800" u="none" strike="noStrike">
+                          <a:effectLst/>
+                        </a:rPr>
+                        <a:t>6439</a:t>
+                      </a:r>
+                      <a:endParaRPr lang="en-IE" sz="1800" b="0" i="0" u="none" strike="noStrike">
+                        <a:solidFill>
+                          <a:srgbClr val="000000"/>
+                        </a:solidFill>
+                        <a:effectLst/>
+                        <a:latin typeface="Calibri" panose="020F0502020204030204" pitchFamily="34" charset="0"/>
+                      </a:endParaRPr>
+                    </a:p>
+                  </a:txBody>
+                  <a:tcPr marL="9525" marR="9525" marT="9525" marB="0" anchor="ctr"/>
+                </a:tc>
+                <a:extLst>
+                  <a:ext uri="{0D108BD9-81ED-4DB2-BD59-A6C34878D82A}">
+                    <a16:rowId xmlns:a16="http://schemas.microsoft.com/office/drawing/2014/main" val="1933903713"/>
+                  </a:ext>
+                </a:extLst>
+              </a:tr>
+              <a:tr h="190500">
+                <a:tc>
+                  <a:txBody>
+                    <a:bodyPr/>
+                    <a:lstStyle/>
+                    <a:p>
+                      <a:pPr algn="ctr" fontAlgn="b"/>
+                      <a:r>
+                        <a:rPr lang="en-IE" sz="1800" u="none" strike="noStrike">
+                          <a:effectLst/>
+                        </a:rPr>
+                        <a:t>hsa-miR-6856-5p</a:t>
+                      </a:r>
+                      <a:endParaRPr lang="en-IE" sz="1800" b="0" i="0" u="none" strike="noStrike">
+                        <a:solidFill>
+                          <a:srgbClr val="000000"/>
+                        </a:solidFill>
+                        <a:effectLst/>
+                        <a:latin typeface="Calibri" panose="020F0502020204030204" pitchFamily="34" charset="0"/>
+                      </a:endParaRPr>
+                    </a:p>
+                  </a:txBody>
+                  <a:tcPr marL="9525" marR="9525" marT="9525" marB="0" anchor="ctr"/>
+                </a:tc>
+                <a:tc>
+                  <a:txBody>
+                    <a:bodyPr/>
+                    <a:lstStyle/>
+                    <a:p>
+                      <a:pPr algn="ctr" fontAlgn="b"/>
+                      <a:r>
+                        <a:rPr lang="en-IE" sz="1800" u="none" strike="noStrike">
+                          <a:effectLst/>
+                        </a:rPr>
+                        <a:t>6175</a:t>
+                      </a:r>
+                      <a:endParaRPr lang="en-IE" sz="1800" b="0" i="0" u="none" strike="noStrike">
+                        <a:solidFill>
+                          <a:srgbClr val="000000"/>
+                        </a:solidFill>
+                        <a:effectLst/>
+                        <a:latin typeface="Calibri" panose="020F0502020204030204" pitchFamily="34" charset="0"/>
+                      </a:endParaRPr>
+                    </a:p>
+                  </a:txBody>
+                  <a:tcPr marL="9525" marR="9525" marT="9525" marB="0" anchor="ctr"/>
+                </a:tc>
+                <a:extLst>
+                  <a:ext uri="{0D108BD9-81ED-4DB2-BD59-A6C34878D82A}">
+                    <a16:rowId xmlns:a16="http://schemas.microsoft.com/office/drawing/2014/main" val="2554931379"/>
+                  </a:ext>
+                </a:extLst>
+              </a:tr>
+              <a:tr h="190500">
+                <a:tc>
+                  <a:txBody>
+                    <a:bodyPr/>
+                    <a:lstStyle/>
+                    <a:p>
+                      <a:pPr algn="ctr" fontAlgn="b"/>
+                      <a:r>
+                        <a:rPr lang="en-IE" sz="1800" u="none" strike="noStrike">
+                          <a:effectLst/>
+                        </a:rPr>
+                        <a:t>hsa-miR-8089</a:t>
+                      </a:r>
+                      <a:endParaRPr lang="en-IE" sz="1800" b="0" i="0" u="none" strike="noStrike">
+                        <a:solidFill>
+                          <a:srgbClr val="000000"/>
+                        </a:solidFill>
+                        <a:effectLst/>
+                        <a:latin typeface="Calibri" panose="020F0502020204030204" pitchFamily="34" charset="0"/>
+                      </a:endParaRPr>
+                    </a:p>
+                  </a:txBody>
+                  <a:tcPr marL="9525" marR="9525" marT="9525" marB="0" anchor="ctr"/>
+                </a:tc>
+                <a:tc>
+                  <a:txBody>
+                    <a:bodyPr/>
+                    <a:lstStyle/>
+                    <a:p>
+                      <a:pPr algn="ctr" fontAlgn="b"/>
+                      <a:r>
+                        <a:rPr lang="en-IE" sz="1800" u="none" strike="noStrike" dirty="0">
+                          <a:effectLst/>
+                        </a:rPr>
+                        <a:t>6658</a:t>
+                      </a:r>
+                      <a:endParaRPr lang="en-IE" sz="1800" b="0" i="0" u="none" strike="noStrike" dirty="0">
+                        <a:solidFill>
+                          <a:srgbClr val="000000"/>
+                        </a:solidFill>
+                        <a:effectLst/>
+                        <a:latin typeface="Calibri" panose="020F0502020204030204" pitchFamily="34" charset="0"/>
+                      </a:endParaRPr>
+                    </a:p>
+                  </a:txBody>
+                  <a:tcPr marL="9525" marR="9525" marT="9525" marB="0" anchor="ctr"/>
+                </a:tc>
+                <a:extLst>
+                  <a:ext uri="{0D108BD9-81ED-4DB2-BD59-A6C34878D82A}">
+                    <a16:rowId xmlns:a16="http://schemas.microsoft.com/office/drawing/2014/main" val="3014111679"/>
+                  </a:ext>
+                </a:extLst>
+              </a:tr>
+            </a:tbl>
+          </a:graphicData>
+        </a:graphic>
+      </p:graphicFrame>
+    </p:spTree>
+    <p:extLst>
+      <p:ext uri="{BB962C8B-B14F-4D97-AF65-F5344CB8AC3E}">
+        <p14:creationId xmlns:p14="http://schemas.microsoft.com/office/powerpoint/2010/main" val="867791072"/>
+      </p:ext>
+    </p:extLst>
+  </p:cSld>
+  <p:clrMapOvr>
+    <a:masterClrMapping/>
+  </p:clrMapOvr>
+</p:sld>
+</file>
+
+<file path=ppt/slides/slide36.xml><?xml version="1.0" encoding="utf-8"?>
+<p:sld xmlns:a="http://schemas.openxmlformats.org/drawingml/2006/main" xmlns:r="http://schemas.openxmlformats.org/officeDocument/2006/relationships" xmlns:p="http://schemas.openxmlformats.org/presentationml/2006/main">
+  <p:cSld>
+    <p:spTree>
+      <p:nvGrpSpPr>
+        <p:cNvPr id="1" name=""/>
+        <p:cNvGrpSpPr/>
+        <p:nvPr/>
+      </p:nvGrpSpPr>
+      <p:grpSpPr>
+        <a:xfrm>
+          <a:off x="0" y="0"/>
+          <a:ext cx="0" cy="0"/>
+          <a:chOff x="0" y="0"/>
+          <a:chExt cx="0" cy="0"/>
+        </a:xfrm>
+      </p:grpSpPr>
+      <p:sp>
+        <p:nvSpPr>
+          <p:cNvPr id="2" name="Title 1"/>
+          <p:cNvSpPr>
+            <a:spLocks noGrp="1"/>
+          </p:cNvSpPr>
+          <p:nvPr>
+            <p:ph type="title"/>
+          </p:nvPr>
+        </p:nvSpPr>
+        <p:spPr/>
+        <p:txBody>
+          <a:bodyPr/>
+          <a:lstStyle/>
+          <a:p>
+            <a:endParaRPr lang="en-IE"/>
+          </a:p>
+        </p:txBody>
+      </p:sp>
+      <p:graphicFrame>
+        <p:nvGraphicFramePr>
+          <p:cNvPr id="5" name="Content Placeholder 4"/>
+          <p:cNvGraphicFramePr>
+            <a:graphicFrameLocks noGrp="1"/>
+          </p:cNvGraphicFramePr>
+          <p:nvPr>
+            <p:ph sz="half" idx="1"/>
+            <p:extLst>
+              <p:ext uri="{D42A27DB-BD31-4B8C-83A1-F6EECF244321}">
+                <p14:modId xmlns:p14="http://schemas.microsoft.com/office/powerpoint/2010/main" val="3534346764"/>
+              </p:ext>
+            </p:extLst>
+          </p:nvPr>
+        </p:nvGraphicFramePr>
+        <p:xfrm>
+          <a:off x="838200" y="123825"/>
+          <a:ext cx="7876904" cy="6316686"/>
+        </p:xfrm>
+        <a:graphic>
+          <a:graphicData uri="http://schemas.openxmlformats.org/drawingml/2006/table">
+            <a:tbl>
+              <a:tblPr firstRow="1">
+                <a:tableStyleId>{5C22544A-7EE6-4342-B048-85BDC9FD1C3A}</a:tableStyleId>
+              </a:tblPr>
+              <a:tblGrid>
+                <a:gridCol w="1722849">
+                  <a:extLst>
+                    <a:ext uri="{9D8B030D-6E8A-4147-A177-3AD203B41FA5}">
+                      <a16:colId xmlns:a16="http://schemas.microsoft.com/office/drawing/2014/main" val="823632370"/>
+                    </a:ext>
+                  </a:extLst>
+                </a:gridCol>
+                <a:gridCol w="1040888">
+                  <a:extLst>
+                    <a:ext uri="{9D8B030D-6E8A-4147-A177-3AD203B41FA5}">
+                      <a16:colId xmlns:a16="http://schemas.microsoft.com/office/drawing/2014/main" val="903639190"/>
+                    </a:ext>
+                  </a:extLst>
+                </a:gridCol>
+                <a:gridCol w="815487">
+                  <a:extLst>
+                    <a:ext uri="{9D8B030D-6E8A-4147-A177-3AD203B41FA5}">
+                      <a16:colId xmlns:a16="http://schemas.microsoft.com/office/drawing/2014/main" val="1774693582"/>
+                    </a:ext>
+                  </a:extLst>
+                </a:gridCol>
+                <a:gridCol w="1136468">
+                  <a:extLst>
+                    <a:ext uri="{9D8B030D-6E8A-4147-A177-3AD203B41FA5}">
+                      <a16:colId xmlns:a16="http://schemas.microsoft.com/office/drawing/2014/main" val="3173450256"/>
+                    </a:ext>
+                  </a:extLst>
+                </a:gridCol>
+                <a:gridCol w="1071154">
+                  <a:extLst>
+                    <a:ext uri="{9D8B030D-6E8A-4147-A177-3AD203B41FA5}">
+                      <a16:colId xmlns:a16="http://schemas.microsoft.com/office/drawing/2014/main" val="825266735"/>
+                    </a:ext>
+                  </a:extLst>
+                </a:gridCol>
+                <a:gridCol w="1136469">
+                  <a:extLst>
+                    <a:ext uri="{9D8B030D-6E8A-4147-A177-3AD203B41FA5}">
+                      <a16:colId xmlns:a16="http://schemas.microsoft.com/office/drawing/2014/main" val="2316669878"/>
+                    </a:ext>
+                  </a:extLst>
+                </a:gridCol>
+                <a:gridCol w="953589">
+                  <a:extLst>
+                    <a:ext uri="{9D8B030D-6E8A-4147-A177-3AD203B41FA5}">
+                      <a16:colId xmlns:a16="http://schemas.microsoft.com/office/drawing/2014/main" val="687222397"/>
+                    </a:ext>
+                  </a:extLst>
+                </a:gridCol>
+              </a:tblGrid>
+              <a:tr h="342531">
+                <a:tc>
+                  <a:txBody>
+                    <a:bodyPr/>
+                    <a:lstStyle/>
+                    <a:p>
+                      <a:pPr algn="ctr" fontAlgn="b"/>
+                      <a:r>
+                        <a:rPr lang="en-IE" sz="1600" u="none" strike="noStrike" dirty="0" smtClean="0">
+                          <a:effectLst/>
+                        </a:rPr>
+                        <a:t>miRNA</a:t>
+                      </a:r>
+                      <a:endParaRPr lang="en-IE" sz="1600" b="0" i="0" u="none" strike="noStrike" dirty="0">
+                        <a:solidFill>
+                          <a:srgbClr val="000000"/>
+                        </a:solidFill>
+                        <a:effectLst/>
+                        <a:latin typeface="Calibri" panose="020F0502020204030204" pitchFamily="34" charset="0"/>
+                      </a:endParaRPr>
+                    </a:p>
+                  </a:txBody>
+                  <a:tcPr marL="5979" marR="5979" marT="5979" marB="0" anchor="ctr"/>
+                </a:tc>
+                <a:tc>
+                  <a:txBody>
+                    <a:bodyPr/>
+                    <a:lstStyle/>
+                    <a:p>
+                      <a:pPr algn="ctr" fontAlgn="b"/>
+                      <a:r>
+                        <a:rPr lang="en-IE" sz="1600" u="none" strike="noStrike" dirty="0">
+                          <a:effectLst/>
+                        </a:rPr>
+                        <a:t>All genes</a:t>
+                      </a:r>
+                      <a:endParaRPr lang="en-IE" sz="1600" b="0" i="0" u="none" strike="noStrike" dirty="0">
+                        <a:solidFill>
+                          <a:srgbClr val="000000"/>
+                        </a:solidFill>
+                        <a:effectLst/>
+                        <a:latin typeface="Calibri" panose="020F0502020204030204" pitchFamily="34" charset="0"/>
+                      </a:endParaRPr>
+                    </a:p>
+                  </a:txBody>
+                  <a:tcPr marL="5979" marR="5979" marT="5979" marB="0" anchor="ctr"/>
+                </a:tc>
+                <a:tc>
+                  <a:txBody>
+                    <a:bodyPr/>
+                    <a:lstStyle/>
+                    <a:p>
+                      <a:pPr algn="ctr" fontAlgn="b"/>
+                      <a:r>
+                        <a:rPr lang="en-IE" sz="1600" u="none" strike="noStrike" dirty="0">
+                          <a:effectLst/>
+                        </a:rPr>
+                        <a:t>Selected genes</a:t>
+                      </a:r>
+                      <a:endParaRPr lang="en-IE" sz="1600" b="0" i="0" u="none" strike="noStrike" dirty="0">
+                        <a:solidFill>
+                          <a:srgbClr val="000000"/>
+                        </a:solidFill>
+                        <a:effectLst/>
+                        <a:latin typeface="Calibri" panose="020F0502020204030204" pitchFamily="34" charset="0"/>
+                      </a:endParaRPr>
+                    </a:p>
+                  </a:txBody>
+                  <a:tcPr marL="5979" marR="5979" marT="5979" marB="0" anchor="ctr"/>
+                </a:tc>
+                <a:tc>
+                  <a:txBody>
+                    <a:bodyPr/>
+                    <a:lstStyle/>
+                    <a:p>
+                      <a:pPr algn="ctr" fontAlgn="b"/>
+                      <a:r>
+                        <a:rPr lang="en-IE" sz="1600" u="none" strike="noStrike" dirty="0">
+                          <a:effectLst/>
+                        </a:rPr>
+                        <a:t>Ratio</a:t>
+                      </a:r>
+                      <a:endParaRPr lang="en-IE" sz="1600" b="0" i="0" u="none" strike="noStrike" dirty="0">
+                        <a:solidFill>
+                          <a:srgbClr val="000000"/>
+                        </a:solidFill>
+                        <a:effectLst/>
+                        <a:latin typeface="Calibri" panose="020F0502020204030204" pitchFamily="34" charset="0"/>
+                      </a:endParaRPr>
+                    </a:p>
+                  </a:txBody>
+                  <a:tcPr marL="5979" marR="5979" marT="5979" marB="0" anchor="ctr"/>
+                </a:tc>
+                <a:tc>
+                  <a:txBody>
+                    <a:bodyPr/>
+                    <a:lstStyle/>
+                    <a:p>
+                      <a:pPr algn="ctr" fontAlgn="b"/>
+                      <a:r>
+                        <a:rPr lang="en-IE" sz="1600" u="none" strike="noStrike" dirty="0">
+                          <a:effectLst/>
+                        </a:rPr>
+                        <a:t>Percentage</a:t>
+                      </a:r>
+                      <a:endParaRPr lang="en-IE" sz="1600" b="0" i="0" u="none" strike="noStrike" dirty="0">
+                        <a:solidFill>
+                          <a:srgbClr val="000000"/>
+                        </a:solidFill>
+                        <a:effectLst/>
+                        <a:latin typeface="Calibri" panose="020F0502020204030204" pitchFamily="34" charset="0"/>
+                      </a:endParaRPr>
+                    </a:p>
+                  </a:txBody>
+                  <a:tcPr marL="5979" marR="5979" marT="5979" marB="0" anchor="ctr"/>
+                </a:tc>
+                <a:tc>
+                  <a:txBody>
+                    <a:bodyPr/>
+                    <a:lstStyle/>
+                    <a:p>
+                      <a:pPr algn="ctr" fontAlgn="b"/>
+                      <a:r>
+                        <a:rPr lang="en-IE" sz="1600" u="none" strike="noStrike" dirty="0">
+                          <a:effectLst/>
+                        </a:rPr>
+                        <a:t>Random percentage</a:t>
+                      </a:r>
+                      <a:endParaRPr lang="en-IE" sz="1600" b="0" i="0" u="none" strike="noStrike" dirty="0">
+                        <a:solidFill>
+                          <a:srgbClr val="000000"/>
+                        </a:solidFill>
+                        <a:effectLst/>
+                        <a:latin typeface="Calibri" panose="020F0502020204030204" pitchFamily="34" charset="0"/>
+                      </a:endParaRPr>
+                    </a:p>
+                  </a:txBody>
+                  <a:tcPr marL="5979" marR="5979" marT="5979" marB="0" anchor="ctr"/>
+                </a:tc>
+                <a:tc>
+                  <a:txBody>
+                    <a:bodyPr/>
+                    <a:lstStyle/>
+                    <a:p>
+                      <a:pPr algn="ctr" fontAlgn="b"/>
+                      <a:r>
+                        <a:rPr lang="en-IE" sz="1600" u="none" strike="noStrike" dirty="0" smtClean="0">
+                          <a:effectLst/>
+                        </a:rPr>
+                        <a:t>%</a:t>
+                      </a:r>
+                      <a:r>
+                        <a:rPr lang="en-IE" sz="1600" u="none" strike="noStrike" baseline="0" dirty="0" smtClean="0">
+                          <a:effectLst/>
+                        </a:rPr>
+                        <a:t> d</a:t>
+                      </a:r>
+                      <a:r>
+                        <a:rPr lang="en-IE" sz="1600" u="none" strike="noStrike" dirty="0" smtClean="0">
+                          <a:effectLst/>
+                        </a:rPr>
+                        <a:t>ifference</a:t>
+                      </a:r>
+                      <a:endParaRPr lang="en-IE" sz="1600" b="0" i="0" u="none" strike="noStrike" dirty="0">
+                        <a:solidFill>
+                          <a:srgbClr val="000000"/>
+                        </a:solidFill>
+                        <a:effectLst/>
+                        <a:latin typeface="Calibri" panose="020F0502020204030204" pitchFamily="34" charset="0"/>
+                      </a:endParaRPr>
+                    </a:p>
+                  </a:txBody>
+                  <a:tcPr marL="5979" marR="5979" marT="5979" marB="0" anchor="ctr"/>
+                </a:tc>
+                <a:extLst>
+                  <a:ext uri="{0D108BD9-81ED-4DB2-BD59-A6C34878D82A}">
+                    <a16:rowId xmlns:a16="http://schemas.microsoft.com/office/drawing/2014/main" val="4156662320"/>
+                  </a:ext>
+                </a:extLst>
+              </a:tr>
+              <a:tr h="342531">
+                <a:tc>
+                  <a:txBody>
+                    <a:bodyPr/>
+                    <a:lstStyle/>
+                    <a:p>
+                      <a:pPr algn="l" fontAlgn="b"/>
+                      <a:r>
+                        <a:rPr lang="en-IE" sz="1600" u="none" strike="noStrike">
+                          <a:effectLst/>
+                        </a:rPr>
+                        <a:t>hsa-miR-10400-5p</a:t>
+                      </a:r>
+                      <a:endParaRPr lang="en-IE" sz="1600" b="0" i="0" u="none" strike="noStrike">
+                        <a:solidFill>
+                          <a:srgbClr val="000000"/>
+                        </a:solidFill>
+                        <a:effectLst/>
+                        <a:latin typeface="Calibri" panose="020F0502020204030204" pitchFamily="34" charset="0"/>
+                      </a:endParaRPr>
+                    </a:p>
+                  </a:txBody>
+                  <a:tcPr marL="5979" marR="5979" marT="5979" marB="0" anchor="ctr"/>
+                </a:tc>
+                <a:tc>
+                  <a:txBody>
+                    <a:bodyPr/>
+                    <a:lstStyle/>
+                    <a:p>
+                      <a:pPr algn="r" fontAlgn="b"/>
+                      <a:r>
+                        <a:rPr lang="en-IE" sz="1600" u="none" strike="noStrike">
+                          <a:effectLst/>
+                        </a:rPr>
+                        <a:t>7270</a:t>
+                      </a:r>
+                      <a:endParaRPr lang="en-IE" sz="1600" b="0" i="0" u="none" strike="noStrike">
+                        <a:solidFill>
+                          <a:srgbClr val="000000"/>
+                        </a:solidFill>
+                        <a:effectLst/>
+                        <a:latin typeface="Calibri" panose="020F0502020204030204" pitchFamily="34" charset="0"/>
+                      </a:endParaRPr>
+                    </a:p>
+                  </a:txBody>
+                  <a:tcPr marL="5979" marR="5979" marT="5979" marB="0" anchor="ctr"/>
+                </a:tc>
+                <a:tc>
+                  <a:txBody>
+                    <a:bodyPr/>
+                    <a:lstStyle/>
+                    <a:p>
+                      <a:pPr algn="r" fontAlgn="b"/>
+                      <a:r>
+                        <a:rPr lang="en-IE" sz="1600" u="none" strike="noStrike">
+                          <a:effectLst/>
+                        </a:rPr>
+                        <a:t>2</a:t>
+                      </a:r>
+                      <a:endParaRPr lang="en-IE" sz="1600" b="0" i="0" u="none" strike="noStrike">
+                        <a:solidFill>
+                          <a:srgbClr val="000000"/>
+                        </a:solidFill>
+                        <a:effectLst/>
+                        <a:latin typeface="Calibri" panose="020F0502020204030204" pitchFamily="34" charset="0"/>
+                      </a:endParaRPr>
+                    </a:p>
+                  </a:txBody>
+                  <a:tcPr marL="5979" marR="5979" marT="5979" marB="0" anchor="ctr"/>
+                </a:tc>
+                <a:tc>
+                  <a:txBody>
+                    <a:bodyPr/>
+                    <a:lstStyle/>
+                    <a:p>
+                      <a:pPr algn="r" fontAlgn="b"/>
+                      <a:r>
+                        <a:rPr lang="en-IE" sz="1600" u="none" strike="noStrike">
+                          <a:effectLst/>
+                        </a:rPr>
+                        <a:t>2.75E-04</a:t>
+                      </a:r>
+                      <a:endParaRPr lang="en-IE" sz="1600" b="0" i="0" u="none" strike="noStrike">
+                        <a:solidFill>
+                          <a:srgbClr val="000000"/>
+                        </a:solidFill>
+                        <a:effectLst/>
+                        <a:latin typeface="Calibri" panose="020F0502020204030204" pitchFamily="34" charset="0"/>
+                      </a:endParaRPr>
+                    </a:p>
+                  </a:txBody>
+                  <a:tcPr marL="5979" marR="5979" marT="5979" marB="0" anchor="ctr"/>
+                </a:tc>
+                <a:tc>
+                  <a:txBody>
+                    <a:bodyPr/>
+                    <a:lstStyle/>
+                    <a:p>
+                      <a:pPr algn="r" fontAlgn="b"/>
+                      <a:r>
+                        <a:rPr lang="en-IE" sz="1600" u="none" strike="noStrike">
+                          <a:effectLst/>
+                        </a:rPr>
+                        <a:t>0.03</a:t>
+                      </a:r>
+                      <a:endParaRPr lang="en-IE" sz="1600" b="0" i="0" u="none" strike="noStrike">
+                        <a:solidFill>
+                          <a:srgbClr val="000000"/>
+                        </a:solidFill>
+                        <a:effectLst/>
+                        <a:latin typeface="Calibri" panose="020F0502020204030204" pitchFamily="34" charset="0"/>
+                      </a:endParaRPr>
+                    </a:p>
+                  </a:txBody>
+                  <a:tcPr marL="5979" marR="5979" marT="5979" marB="0" anchor="ctr"/>
+                </a:tc>
+                <a:tc>
+                  <a:txBody>
+                    <a:bodyPr/>
+                    <a:lstStyle/>
+                    <a:p>
+                      <a:pPr algn="r" fontAlgn="b"/>
+                      <a:r>
+                        <a:rPr lang="en-IE" sz="1600" u="none" strike="noStrike">
+                          <a:effectLst/>
+                        </a:rPr>
+                        <a:t>4.09</a:t>
+                      </a:r>
+                      <a:endParaRPr lang="en-IE" sz="1600" b="0" i="0" u="none" strike="noStrike">
+                        <a:solidFill>
+                          <a:srgbClr val="000000"/>
+                        </a:solidFill>
+                        <a:effectLst/>
+                        <a:latin typeface="Calibri" panose="020F0502020204030204" pitchFamily="34" charset="0"/>
+                      </a:endParaRPr>
+                    </a:p>
+                  </a:txBody>
+                  <a:tcPr marL="5979" marR="5979" marT="5979" marB="0" anchor="ctr"/>
+                </a:tc>
+                <a:tc>
+                  <a:txBody>
+                    <a:bodyPr/>
+                    <a:lstStyle/>
+                    <a:p>
+                      <a:pPr algn="r" fontAlgn="b"/>
+                      <a:r>
+                        <a:rPr lang="en-IE" sz="1600" u="none" strike="noStrike">
+                          <a:effectLst/>
+                        </a:rPr>
+                        <a:t>-4.06</a:t>
+                      </a:r>
+                      <a:endParaRPr lang="en-IE" sz="1600" b="0" i="0" u="none" strike="noStrike">
+                        <a:solidFill>
+                          <a:srgbClr val="000000"/>
+                        </a:solidFill>
+                        <a:effectLst/>
+                        <a:latin typeface="Calibri" panose="020F0502020204030204" pitchFamily="34" charset="0"/>
+                      </a:endParaRPr>
+                    </a:p>
+                  </a:txBody>
+                  <a:tcPr marL="5979" marR="5979" marT="5979" marB="0" anchor="ctr"/>
+                </a:tc>
+                <a:extLst>
+                  <a:ext uri="{0D108BD9-81ED-4DB2-BD59-A6C34878D82A}">
+                    <a16:rowId xmlns:a16="http://schemas.microsoft.com/office/drawing/2014/main" val="1277928008"/>
+                  </a:ext>
+                </a:extLst>
+              </a:tr>
+              <a:tr h="342531">
+                <a:tc>
+                  <a:txBody>
+                    <a:bodyPr/>
+                    <a:lstStyle/>
+                    <a:p>
+                      <a:pPr algn="l" fontAlgn="b"/>
+                      <a:r>
+                        <a:rPr lang="en-IE" sz="1600" u="none" strike="noStrike">
+                          <a:effectLst/>
+                        </a:rPr>
+                        <a:t>hsa-miR-1233-3p</a:t>
+                      </a:r>
+                      <a:endParaRPr lang="en-IE" sz="1600" b="0" i="0" u="none" strike="noStrike">
+                        <a:solidFill>
+                          <a:srgbClr val="000000"/>
+                        </a:solidFill>
+                        <a:effectLst/>
+                        <a:latin typeface="Calibri" panose="020F0502020204030204" pitchFamily="34" charset="0"/>
+                      </a:endParaRPr>
+                    </a:p>
+                  </a:txBody>
+                  <a:tcPr marL="5979" marR="5979" marT="5979" marB="0" anchor="ctr"/>
+                </a:tc>
+                <a:tc>
+                  <a:txBody>
+                    <a:bodyPr/>
+                    <a:lstStyle/>
+                    <a:p>
+                      <a:pPr algn="r" fontAlgn="b"/>
+                      <a:r>
+                        <a:rPr lang="en-IE" sz="1600" u="none" strike="noStrike">
+                          <a:effectLst/>
+                        </a:rPr>
+                        <a:t>4759</a:t>
+                      </a:r>
+                      <a:endParaRPr lang="en-IE" sz="1600" b="0" i="0" u="none" strike="noStrike">
+                        <a:solidFill>
+                          <a:srgbClr val="000000"/>
+                        </a:solidFill>
+                        <a:effectLst/>
+                        <a:latin typeface="Calibri" panose="020F0502020204030204" pitchFamily="34" charset="0"/>
+                      </a:endParaRPr>
+                    </a:p>
+                  </a:txBody>
+                  <a:tcPr marL="5979" marR="5979" marT="5979" marB="0" anchor="ctr"/>
+                </a:tc>
+                <a:tc>
+                  <a:txBody>
+                    <a:bodyPr/>
+                    <a:lstStyle/>
+                    <a:p>
+                      <a:pPr algn="r" fontAlgn="b"/>
+                      <a:r>
+                        <a:rPr lang="en-IE" sz="1600" u="none" strike="noStrike">
+                          <a:effectLst/>
+                        </a:rPr>
+                        <a:t>2</a:t>
+                      </a:r>
+                      <a:endParaRPr lang="en-IE" sz="1600" b="0" i="0" u="none" strike="noStrike">
+                        <a:solidFill>
+                          <a:srgbClr val="000000"/>
+                        </a:solidFill>
+                        <a:effectLst/>
+                        <a:latin typeface="Calibri" panose="020F0502020204030204" pitchFamily="34" charset="0"/>
+                      </a:endParaRPr>
+                    </a:p>
+                  </a:txBody>
+                  <a:tcPr marL="5979" marR="5979" marT="5979" marB="0" anchor="ctr"/>
+                </a:tc>
+                <a:tc>
+                  <a:txBody>
+                    <a:bodyPr/>
+                    <a:lstStyle/>
+                    <a:p>
+                      <a:pPr algn="r" fontAlgn="b"/>
+                      <a:r>
+                        <a:rPr lang="en-IE" sz="1600" u="none" strike="noStrike">
+                          <a:effectLst/>
+                        </a:rPr>
+                        <a:t>4.20E-04</a:t>
+                      </a:r>
+                      <a:endParaRPr lang="en-IE" sz="1600" b="0" i="0" u="none" strike="noStrike">
+                        <a:solidFill>
+                          <a:srgbClr val="000000"/>
+                        </a:solidFill>
+                        <a:effectLst/>
+                        <a:latin typeface="Calibri" panose="020F0502020204030204" pitchFamily="34" charset="0"/>
+                      </a:endParaRPr>
+                    </a:p>
+                  </a:txBody>
+                  <a:tcPr marL="5979" marR="5979" marT="5979" marB="0" anchor="ctr"/>
+                </a:tc>
+                <a:tc>
+                  <a:txBody>
+                    <a:bodyPr/>
+                    <a:lstStyle/>
+                    <a:p>
+                      <a:pPr algn="r" fontAlgn="b"/>
+                      <a:r>
+                        <a:rPr lang="en-IE" sz="1600" u="none" strike="noStrike">
+                          <a:effectLst/>
+                        </a:rPr>
+                        <a:t>0.04</a:t>
+                      </a:r>
+                      <a:endParaRPr lang="en-IE" sz="1600" b="0" i="0" u="none" strike="noStrike">
+                        <a:solidFill>
+                          <a:srgbClr val="000000"/>
+                        </a:solidFill>
+                        <a:effectLst/>
+                        <a:latin typeface="Calibri" panose="020F0502020204030204" pitchFamily="34" charset="0"/>
+                      </a:endParaRPr>
+                    </a:p>
+                  </a:txBody>
+                  <a:tcPr marL="5979" marR="5979" marT="5979" marB="0" anchor="ctr"/>
+                </a:tc>
+                <a:tc>
+                  <a:txBody>
+                    <a:bodyPr/>
+                    <a:lstStyle/>
+                    <a:p>
+                      <a:pPr algn="r" fontAlgn="b"/>
+                      <a:r>
+                        <a:rPr lang="en-IE" sz="1600" u="none" strike="noStrike">
+                          <a:effectLst/>
+                        </a:rPr>
+                        <a:t>2.67</a:t>
+                      </a:r>
+                      <a:endParaRPr lang="en-IE" sz="1600" b="0" i="0" u="none" strike="noStrike">
+                        <a:solidFill>
+                          <a:srgbClr val="000000"/>
+                        </a:solidFill>
+                        <a:effectLst/>
+                        <a:latin typeface="Calibri" panose="020F0502020204030204" pitchFamily="34" charset="0"/>
+                      </a:endParaRPr>
+                    </a:p>
+                  </a:txBody>
+                  <a:tcPr marL="5979" marR="5979" marT="5979" marB="0" anchor="ctr"/>
+                </a:tc>
+                <a:tc>
+                  <a:txBody>
+                    <a:bodyPr/>
+                    <a:lstStyle/>
+                    <a:p>
+                      <a:pPr algn="r" fontAlgn="b"/>
+                      <a:r>
+                        <a:rPr lang="en-IE" sz="1600" u="none" strike="noStrike">
+                          <a:effectLst/>
+                        </a:rPr>
+                        <a:t>-2.63</a:t>
+                      </a:r>
+                      <a:endParaRPr lang="en-IE" sz="1600" b="0" i="0" u="none" strike="noStrike">
+                        <a:solidFill>
+                          <a:srgbClr val="000000"/>
+                        </a:solidFill>
+                        <a:effectLst/>
+                        <a:latin typeface="Calibri" panose="020F0502020204030204" pitchFamily="34" charset="0"/>
+                      </a:endParaRPr>
+                    </a:p>
+                  </a:txBody>
+                  <a:tcPr marL="5979" marR="5979" marT="5979" marB="0" anchor="ctr"/>
+                </a:tc>
+                <a:extLst>
+                  <a:ext uri="{0D108BD9-81ED-4DB2-BD59-A6C34878D82A}">
+                    <a16:rowId xmlns:a16="http://schemas.microsoft.com/office/drawing/2014/main" val="3941376314"/>
+                  </a:ext>
+                </a:extLst>
+              </a:tr>
+              <a:tr h="342531">
+                <a:tc>
+                  <a:txBody>
+                    <a:bodyPr/>
+                    <a:lstStyle/>
+                    <a:p>
+                      <a:pPr algn="l" fontAlgn="b"/>
+                      <a:r>
+                        <a:rPr lang="en-IE" sz="1600" b="1" u="none" strike="noStrike" dirty="0">
+                          <a:effectLst/>
+                        </a:rPr>
+                        <a:t>hsa-miR-3150a-3p</a:t>
+                      </a:r>
+                      <a:endParaRPr lang="en-IE" sz="1600" b="1" i="0" u="none" strike="noStrike" dirty="0">
+                        <a:solidFill>
+                          <a:srgbClr val="000000"/>
+                        </a:solidFill>
+                        <a:effectLst/>
+                        <a:latin typeface="Calibri" panose="020F0502020204030204" pitchFamily="34" charset="0"/>
+                      </a:endParaRPr>
+                    </a:p>
+                  </a:txBody>
+                  <a:tcPr marL="5979" marR="5979" marT="5979" marB="0" anchor="ctr"/>
+                </a:tc>
+                <a:tc>
+                  <a:txBody>
+                    <a:bodyPr/>
+                    <a:lstStyle/>
+                    <a:p>
+                      <a:pPr algn="r" fontAlgn="b"/>
+                      <a:r>
+                        <a:rPr lang="en-IE" sz="1600" b="1" u="none" strike="noStrike">
+                          <a:effectLst/>
+                        </a:rPr>
+                        <a:t>5712</a:t>
+                      </a:r>
+                      <a:endParaRPr lang="en-IE" sz="1600" b="1" i="0" u="none" strike="noStrike">
+                        <a:solidFill>
+                          <a:srgbClr val="000000"/>
+                        </a:solidFill>
+                        <a:effectLst/>
+                        <a:latin typeface="Calibri" panose="020F0502020204030204" pitchFamily="34" charset="0"/>
+                      </a:endParaRPr>
+                    </a:p>
+                  </a:txBody>
+                  <a:tcPr marL="5979" marR="5979" marT="5979" marB="0" anchor="ctr"/>
+                </a:tc>
+                <a:tc>
+                  <a:txBody>
+                    <a:bodyPr/>
+                    <a:lstStyle/>
+                    <a:p>
+                      <a:pPr algn="r" fontAlgn="b"/>
+                      <a:r>
+                        <a:rPr lang="en-IE" sz="1600" b="1" u="none" strike="noStrike">
+                          <a:effectLst/>
+                        </a:rPr>
+                        <a:t>2</a:t>
+                      </a:r>
+                      <a:endParaRPr lang="en-IE" sz="1600" b="1" i="0" u="none" strike="noStrike">
+                        <a:solidFill>
+                          <a:srgbClr val="000000"/>
+                        </a:solidFill>
+                        <a:effectLst/>
+                        <a:latin typeface="Calibri" panose="020F0502020204030204" pitchFamily="34" charset="0"/>
+                      </a:endParaRPr>
+                    </a:p>
+                  </a:txBody>
+                  <a:tcPr marL="5979" marR="5979" marT="5979" marB="0" anchor="ctr"/>
+                </a:tc>
+                <a:tc>
+                  <a:txBody>
+                    <a:bodyPr/>
+                    <a:lstStyle/>
+                    <a:p>
+                      <a:pPr algn="r" fontAlgn="b"/>
+                      <a:r>
+                        <a:rPr lang="en-IE" sz="1600" b="1" u="none" strike="noStrike">
+                          <a:effectLst/>
+                        </a:rPr>
+                        <a:t>3.50E-04</a:t>
+                      </a:r>
+                      <a:endParaRPr lang="en-IE" sz="1600" b="1" i="0" u="none" strike="noStrike">
+                        <a:solidFill>
+                          <a:srgbClr val="000000"/>
+                        </a:solidFill>
+                        <a:effectLst/>
+                        <a:latin typeface="Calibri" panose="020F0502020204030204" pitchFamily="34" charset="0"/>
+                      </a:endParaRPr>
+                    </a:p>
+                  </a:txBody>
+                  <a:tcPr marL="5979" marR="5979" marT="5979" marB="0" anchor="ctr"/>
+                </a:tc>
+                <a:tc>
+                  <a:txBody>
+                    <a:bodyPr/>
+                    <a:lstStyle/>
+                    <a:p>
+                      <a:pPr algn="r" fontAlgn="b"/>
+                      <a:r>
+                        <a:rPr lang="en-IE" sz="1600" b="1" u="none" strike="noStrike">
+                          <a:effectLst/>
+                        </a:rPr>
+                        <a:t>0.04</a:t>
+                      </a:r>
+                      <a:endParaRPr lang="en-IE" sz="1600" b="1" i="0" u="none" strike="noStrike">
+                        <a:solidFill>
+                          <a:srgbClr val="000000"/>
+                        </a:solidFill>
+                        <a:effectLst/>
+                        <a:latin typeface="Calibri" panose="020F0502020204030204" pitchFamily="34" charset="0"/>
+                      </a:endParaRPr>
+                    </a:p>
+                  </a:txBody>
+                  <a:tcPr marL="5979" marR="5979" marT="5979" marB="0" anchor="ctr"/>
+                </a:tc>
+                <a:tc>
+                  <a:txBody>
+                    <a:bodyPr/>
+                    <a:lstStyle/>
+                    <a:p>
+                      <a:pPr algn="r" fontAlgn="b"/>
+                      <a:r>
+                        <a:rPr lang="en-IE" sz="1600" b="1" u="none" strike="noStrike" dirty="0">
+                          <a:effectLst/>
+                        </a:rPr>
+                        <a:t>3.21</a:t>
+                      </a:r>
+                      <a:endParaRPr lang="en-IE" sz="1600" b="1" i="0" u="none" strike="noStrike" dirty="0">
+                        <a:solidFill>
+                          <a:srgbClr val="000000"/>
+                        </a:solidFill>
+                        <a:effectLst/>
+                        <a:latin typeface="Calibri" panose="020F0502020204030204" pitchFamily="34" charset="0"/>
+                      </a:endParaRPr>
+                    </a:p>
+                  </a:txBody>
+                  <a:tcPr marL="5979" marR="5979" marT="5979" marB="0" anchor="ctr"/>
+                </a:tc>
+                <a:tc>
+                  <a:txBody>
+                    <a:bodyPr/>
+                    <a:lstStyle/>
+                    <a:p>
+                      <a:pPr algn="r" fontAlgn="b"/>
+                      <a:r>
+                        <a:rPr lang="en-IE" sz="1600" b="1" u="none" strike="noStrike" dirty="0">
+                          <a:effectLst/>
+                        </a:rPr>
+                        <a:t>-3.18</a:t>
+                      </a:r>
+                      <a:endParaRPr lang="en-IE" sz="1600" b="1" i="0" u="none" strike="noStrike" dirty="0">
+                        <a:solidFill>
+                          <a:srgbClr val="000000"/>
+                        </a:solidFill>
+                        <a:effectLst/>
+                        <a:latin typeface="Calibri" panose="020F0502020204030204" pitchFamily="34" charset="0"/>
+                      </a:endParaRPr>
+                    </a:p>
+                  </a:txBody>
+                  <a:tcPr marL="5979" marR="5979" marT="5979" marB="0" anchor="ctr"/>
+                </a:tc>
+                <a:extLst>
+                  <a:ext uri="{0D108BD9-81ED-4DB2-BD59-A6C34878D82A}">
+                    <a16:rowId xmlns:a16="http://schemas.microsoft.com/office/drawing/2014/main" val="2890335762"/>
+                  </a:ext>
+                </a:extLst>
+              </a:tr>
+              <a:tr h="342531">
+                <a:tc>
+                  <a:txBody>
+                    <a:bodyPr/>
+                    <a:lstStyle/>
+                    <a:p>
+                      <a:pPr algn="l" fontAlgn="b"/>
+                      <a:r>
+                        <a:rPr lang="en-IE" sz="1600" u="none" strike="noStrike">
+                          <a:effectLst/>
+                        </a:rPr>
+                        <a:t>hsa-miR-365a-5p</a:t>
+                      </a:r>
+                      <a:endParaRPr lang="en-IE" sz="1600" b="0" i="0" u="none" strike="noStrike">
+                        <a:solidFill>
+                          <a:srgbClr val="000000"/>
+                        </a:solidFill>
+                        <a:effectLst/>
+                        <a:latin typeface="Calibri" panose="020F0502020204030204" pitchFamily="34" charset="0"/>
+                      </a:endParaRPr>
+                    </a:p>
+                  </a:txBody>
+                  <a:tcPr marL="5979" marR="5979" marT="5979" marB="0" anchor="ctr"/>
+                </a:tc>
+                <a:tc>
+                  <a:txBody>
+                    <a:bodyPr/>
+                    <a:lstStyle/>
+                    <a:p>
+                      <a:pPr algn="r" fontAlgn="b"/>
+                      <a:r>
+                        <a:rPr lang="en-IE" sz="1600" u="none" strike="noStrike" dirty="0">
+                          <a:effectLst/>
+                        </a:rPr>
+                        <a:t>4817</a:t>
+                      </a:r>
+                      <a:endParaRPr lang="en-IE" sz="1600" b="0" i="0" u="none" strike="noStrike" dirty="0">
+                        <a:solidFill>
+                          <a:srgbClr val="000000"/>
+                        </a:solidFill>
+                        <a:effectLst/>
+                        <a:latin typeface="Calibri" panose="020F0502020204030204" pitchFamily="34" charset="0"/>
+                      </a:endParaRPr>
+                    </a:p>
+                  </a:txBody>
+                  <a:tcPr marL="5979" marR="5979" marT="5979" marB="0" anchor="ctr"/>
+                </a:tc>
+                <a:tc>
+                  <a:txBody>
+                    <a:bodyPr/>
+                    <a:lstStyle/>
+                    <a:p>
+                      <a:pPr algn="r" fontAlgn="b"/>
+                      <a:r>
+                        <a:rPr lang="en-IE" sz="1600" u="none" strike="noStrike" dirty="0">
+                          <a:effectLst/>
+                        </a:rPr>
+                        <a:t>3</a:t>
+                      </a:r>
+                      <a:endParaRPr lang="en-IE" sz="1600" b="0" i="0" u="none" strike="noStrike" dirty="0">
+                        <a:solidFill>
+                          <a:srgbClr val="000000"/>
+                        </a:solidFill>
+                        <a:effectLst/>
+                        <a:latin typeface="Calibri" panose="020F0502020204030204" pitchFamily="34" charset="0"/>
+                      </a:endParaRPr>
+                    </a:p>
+                  </a:txBody>
+                  <a:tcPr marL="5979" marR="5979" marT="5979" marB="0" anchor="ctr"/>
+                </a:tc>
+                <a:tc>
+                  <a:txBody>
+                    <a:bodyPr/>
+                    <a:lstStyle/>
+                    <a:p>
+                      <a:pPr algn="r" fontAlgn="b"/>
+                      <a:r>
+                        <a:rPr lang="en-IE" sz="1600" u="none" strike="noStrike" dirty="0">
+                          <a:solidFill>
+                            <a:srgbClr val="FF0000"/>
+                          </a:solidFill>
+                          <a:effectLst/>
+                        </a:rPr>
+                        <a:t>6.23E-04</a:t>
+                      </a:r>
+                      <a:endParaRPr lang="en-IE" sz="1600" b="0" i="0" u="none" strike="noStrike" dirty="0">
+                        <a:solidFill>
+                          <a:srgbClr val="FF0000"/>
+                        </a:solidFill>
+                        <a:effectLst/>
+                        <a:latin typeface="Calibri" panose="020F0502020204030204" pitchFamily="34" charset="0"/>
+                      </a:endParaRPr>
+                    </a:p>
+                  </a:txBody>
+                  <a:tcPr marL="5979" marR="5979" marT="5979" marB="0" anchor="ctr"/>
+                </a:tc>
+                <a:tc>
+                  <a:txBody>
+                    <a:bodyPr/>
+                    <a:lstStyle/>
+                    <a:p>
+                      <a:pPr algn="r" fontAlgn="b"/>
+                      <a:r>
+                        <a:rPr lang="en-IE" sz="1600" u="none" strike="noStrike" dirty="0">
+                          <a:effectLst/>
+                        </a:rPr>
+                        <a:t>0.06</a:t>
+                      </a:r>
+                      <a:endParaRPr lang="en-IE" sz="1600" b="0" i="0" u="none" strike="noStrike" dirty="0">
+                        <a:solidFill>
+                          <a:srgbClr val="000000"/>
+                        </a:solidFill>
+                        <a:effectLst/>
+                        <a:latin typeface="Calibri" panose="020F0502020204030204" pitchFamily="34" charset="0"/>
+                      </a:endParaRPr>
+                    </a:p>
+                  </a:txBody>
+                  <a:tcPr marL="5979" marR="5979" marT="5979" marB="0" anchor="ctr"/>
+                </a:tc>
+                <a:tc>
+                  <a:txBody>
+                    <a:bodyPr/>
+                    <a:lstStyle/>
+                    <a:p>
+                      <a:pPr algn="r" fontAlgn="b"/>
+                      <a:r>
+                        <a:rPr lang="en-IE" sz="1600" u="none" strike="noStrike">
+                          <a:effectLst/>
+                        </a:rPr>
+                        <a:t>2.71</a:t>
+                      </a:r>
+                      <a:endParaRPr lang="en-IE" sz="1600" b="0" i="0" u="none" strike="noStrike">
+                        <a:solidFill>
+                          <a:srgbClr val="000000"/>
+                        </a:solidFill>
+                        <a:effectLst/>
+                        <a:latin typeface="Calibri" panose="020F0502020204030204" pitchFamily="34" charset="0"/>
+                      </a:endParaRPr>
+                    </a:p>
+                  </a:txBody>
+                  <a:tcPr marL="5979" marR="5979" marT="5979" marB="0" anchor="ctr"/>
+                </a:tc>
+                <a:tc>
+                  <a:txBody>
+                    <a:bodyPr/>
+                    <a:lstStyle/>
+                    <a:p>
+                      <a:pPr algn="r" fontAlgn="b"/>
+                      <a:r>
+                        <a:rPr lang="en-IE" sz="1600" u="none" strike="noStrike">
+                          <a:effectLst/>
+                        </a:rPr>
+                        <a:t>-2.65</a:t>
+                      </a:r>
+                      <a:endParaRPr lang="en-IE" sz="1600" b="0" i="0" u="none" strike="noStrike">
+                        <a:solidFill>
+                          <a:srgbClr val="000000"/>
+                        </a:solidFill>
+                        <a:effectLst/>
+                        <a:latin typeface="Calibri" panose="020F0502020204030204" pitchFamily="34" charset="0"/>
+                      </a:endParaRPr>
+                    </a:p>
+                  </a:txBody>
+                  <a:tcPr marL="5979" marR="5979" marT="5979" marB="0" anchor="ctr"/>
+                </a:tc>
+                <a:extLst>
+                  <a:ext uri="{0D108BD9-81ED-4DB2-BD59-A6C34878D82A}">
+                    <a16:rowId xmlns:a16="http://schemas.microsoft.com/office/drawing/2014/main" val="2791463944"/>
+                  </a:ext>
+                </a:extLst>
+              </a:tr>
+              <a:tr h="342531">
+                <a:tc>
+                  <a:txBody>
+                    <a:bodyPr/>
+                    <a:lstStyle/>
+                    <a:p>
+                      <a:pPr algn="l" fontAlgn="b"/>
+                      <a:r>
+                        <a:rPr lang="en-IE" sz="1600" u="none" strike="noStrike">
+                          <a:effectLst/>
+                        </a:rPr>
+                        <a:t>hsa-miR-3714</a:t>
+                      </a:r>
+                      <a:endParaRPr lang="en-IE" sz="1600" b="0" i="0" u="none" strike="noStrike">
+                        <a:solidFill>
+                          <a:srgbClr val="000000"/>
+                        </a:solidFill>
+                        <a:effectLst/>
+                        <a:latin typeface="Calibri" panose="020F0502020204030204" pitchFamily="34" charset="0"/>
+                      </a:endParaRPr>
+                    </a:p>
+                  </a:txBody>
+                  <a:tcPr marL="5979" marR="5979" marT="5979" marB="0" anchor="ctr"/>
+                </a:tc>
+                <a:tc>
+                  <a:txBody>
+                    <a:bodyPr/>
+                    <a:lstStyle/>
+                    <a:p>
+                      <a:pPr algn="r" fontAlgn="b"/>
+                      <a:r>
+                        <a:rPr lang="en-IE" sz="1600" u="none" strike="noStrike">
+                          <a:effectLst/>
+                        </a:rPr>
+                        <a:t>6322</a:t>
+                      </a:r>
+                      <a:endParaRPr lang="en-IE" sz="1600" b="0" i="0" u="none" strike="noStrike">
+                        <a:solidFill>
+                          <a:srgbClr val="000000"/>
+                        </a:solidFill>
+                        <a:effectLst/>
+                        <a:latin typeface="Calibri" panose="020F0502020204030204" pitchFamily="34" charset="0"/>
+                      </a:endParaRPr>
+                    </a:p>
+                  </a:txBody>
+                  <a:tcPr marL="5979" marR="5979" marT="5979" marB="0" anchor="ctr"/>
+                </a:tc>
+                <a:tc>
+                  <a:txBody>
+                    <a:bodyPr/>
+                    <a:lstStyle/>
+                    <a:p>
+                      <a:pPr algn="r" fontAlgn="b"/>
+                      <a:r>
+                        <a:rPr lang="en-IE" sz="1600" u="none" strike="noStrike">
+                          <a:effectLst/>
+                        </a:rPr>
+                        <a:t>3</a:t>
+                      </a:r>
+                      <a:endParaRPr lang="en-IE" sz="1600" b="0" i="0" u="none" strike="noStrike">
+                        <a:solidFill>
+                          <a:srgbClr val="000000"/>
+                        </a:solidFill>
+                        <a:effectLst/>
+                        <a:latin typeface="Calibri" panose="020F0502020204030204" pitchFamily="34" charset="0"/>
+                      </a:endParaRPr>
+                    </a:p>
+                  </a:txBody>
+                  <a:tcPr marL="5979" marR="5979" marT="5979" marB="0" anchor="ctr"/>
+                </a:tc>
+                <a:tc>
+                  <a:txBody>
+                    <a:bodyPr/>
+                    <a:lstStyle/>
+                    <a:p>
+                      <a:pPr algn="r" fontAlgn="b"/>
+                      <a:r>
+                        <a:rPr lang="en-IE" sz="1600" u="none" strike="noStrike">
+                          <a:effectLst/>
+                        </a:rPr>
+                        <a:t>4.75E-04</a:t>
+                      </a:r>
+                      <a:endParaRPr lang="en-IE" sz="1600" b="0" i="0" u="none" strike="noStrike">
+                        <a:solidFill>
+                          <a:srgbClr val="000000"/>
+                        </a:solidFill>
+                        <a:effectLst/>
+                        <a:latin typeface="Calibri" panose="020F0502020204030204" pitchFamily="34" charset="0"/>
+                      </a:endParaRPr>
+                    </a:p>
+                  </a:txBody>
+                  <a:tcPr marL="5979" marR="5979" marT="5979" marB="0" anchor="ctr"/>
+                </a:tc>
+                <a:tc>
+                  <a:txBody>
+                    <a:bodyPr/>
+                    <a:lstStyle/>
+                    <a:p>
+                      <a:pPr algn="r" fontAlgn="b"/>
+                      <a:r>
+                        <a:rPr lang="en-IE" sz="1600" u="none" strike="noStrike">
+                          <a:effectLst/>
+                        </a:rPr>
+                        <a:t>0.05</a:t>
+                      </a:r>
+                      <a:endParaRPr lang="en-IE" sz="1600" b="0" i="0" u="none" strike="noStrike">
+                        <a:solidFill>
+                          <a:srgbClr val="000000"/>
+                        </a:solidFill>
+                        <a:effectLst/>
+                        <a:latin typeface="Calibri" panose="020F0502020204030204" pitchFamily="34" charset="0"/>
+                      </a:endParaRPr>
+                    </a:p>
+                  </a:txBody>
+                  <a:tcPr marL="5979" marR="5979" marT="5979" marB="0" anchor="ctr"/>
+                </a:tc>
+                <a:tc>
+                  <a:txBody>
+                    <a:bodyPr/>
+                    <a:lstStyle/>
+                    <a:p>
+                      <a:pPr algn="r" fontAlgn="b"/>
+                      <a:r>
+                        <a:rPr lang="en-IE" sz="1600" u="none" strike="noStrike">
+                          <a:effectLst/>
+                        </a:rPr>
+                        <a:t>3.55</a:t>
+                      </a:r>
+                      <a:endParaRPr lang="en-IE" sz="1600" b="0" i="0" u="none" strike="noStrike">
+                        <a:solidFill>
+                          <a:srgbClr val="000000"/>
+                        </a:solidFill>
+                        <a:effectLst/>
+                        <a:latin typeface="Calibri" panose="020F0502020204030204" pitchFamily="34" charset="0"/>
+                      </a:endParaRPr>
+                    </a:p>
+                  </a:txBody>
+                  <a:tcPr marL="5979" marR="5979" marT="5979" marB="0" anchor="ctr"/>
+                </a:tc>
+                <a:tc>
+                  <a:txBody>
+                    <a:bodyPr/>
+                    <a:lstStyle/>
+                    <a:p>
+                      <a:pPr algn="r" fontAlgn="b"/>
+                      <a:r>
+                        <a:rPr lang="en-IE" sz="1600" u="none" strike="noStrike">
+                          <a:effectLst/>
+                        </a:rPr>
+                        <a:t>-3.51</a:t>
+                      </a:r>
+                      <a:endParaRPr lang="en-IE" sz="1600" b="0" i="0" u="none" strike="noStrike">
+                        <a:solidFill>
+                          <a:srgbClr val="000000"/>
+                        </a:solidFill>
+                        <a:effectLst/>
+                        <a:latin typeface="Calibri" panose="020F0502020204030204" pitchFamily="34" charset="0"/>
+                      </a:endParaRPr>
+                    </a:p>
+                  </a:txBody>
+                  <a:tcPr marL="5979" marR="5979" marT="5979" marB="0" anchor="ctr"/>
+                </a:tc>
+                <a:extLst>
+                  <a:ext uri="{0D108BD9-81ED-4DB2-BD59-A6C34878D82A}">
+                    <a16:rowId xmlns:a16="http://schemas.microsoft.com/office/drawing/2014/main" val="2363386747"/>
+                  </a:ext>
+                </a:extLst>
+              </a:tr>
+              <a:tr h="342531">
+                <a:tc>
+                  <a:txBody>
+                    <a:bodyPr/>
+                    <a:lstStyle/>
+                    <a:p>
+                      <a:pPr algn="l" fontAlgn="b"/>
+                      <a:r>
+                        <a:rPr lang="en-IE" sz="1600" u="none" strike="noStrike">
+                          <a:effectLst/>
+                        </a:rPr>
+                        <a:t>hsa-miR-423-5p</a:t>
+                      </a:r>
+                      <a:endParaRPr lang="en-IE" sz="1600" b="0" i="0" u="none" strike="noStrike">
+                        <a:solidFill>
+                          <a:srgbClr val="000000"/>
+                        </a:solidFill>
+                        <a:effectLst/>
+                        <a:latin typeface="Calibri" panose="020F0502020204030204" pitchFamily="34" charset="0"/>
+                      </a:endParaRPr>
+                    </a:p>
+                  </a:txBody>
+                  <a:tcPr marL="5979" marR="5979" marT="5979" marB="0" anchor="ctr"/>
+                </a:tc>
+                <a:tc>
+                  <a:txBody>
+                    <a:bodyPr/>
+                    <a:lstStyle/>
+                    <a:p>
+                      <a:pPr algn="r" fontAlgn="b"/>
+                      <a:r>
+                        <a:rPr lang="en-IE" sz="1600" u="none" strike="noStrike" dirty="0">
+                          <a:effectLst/>
+                        </a:rPr>
+                        <a:t>6132</a:t>
+                      </a:r>
+                      <a:endParaRPr lang="en-IE" sz="1600" b="0" i="0" u="none" strike="noStrike" dirty="0">
+                        <a:solidFill>
+                          <a:srgbClr val="000000"/>
+                        </a:solidFill>
+                        <a:effectLst/>
+                        <a:latin typeface="Calibri" panose="020F0502020204030204" pitchFamily="34" charset="0"/>
+                      </a:endParaRPr>
+                    </a:p>
+                  </a:txBody>
+                  <a:tcPr marL="5979" marR="5979" marT="5979" marB="0" anchor="ctr"/>
+                </a:tc>
+                <a:tc>
+                  <a:txBody>
+                    <a:bodyPr/>
+                    <a:lstStyle/>
+                    <a:p>
+                      <a:pPr algn="r" fontAlgn="b"/>
+                      <a:r>
+                        <a:rPr lang="en-IE" sz="1600" u="none" strike="noStrike">
+                          <a:effectLst/>
+                        </a:rPr>
+                        <a:t>3</a:t>
+                      </a:r>
+                      <a:endParaRPr lang="en-IE" sz="1600" b="0" i="0" u="none" strike="noStrike">
+                        <a:solidFill>
+                          <a:srgbClr val="000000"/>
+                        </a:solidFill>
+                        <a:effectLst/>
+                        <a:latin typeface="Calibri" panose="020F0502020204030204" pitchFamily="34" charset="0"/>
+                      </a:endParaRPr>
+                    </a:p>
+                  </a:txBody>
+                  <a:tcPr marL="5979" marR="5979" marT="5979" marB="0" anchor="ctr"/>
+                </a:tc>
+                <a:tc>
+                  <a:txBody>
+                    <a:bodyPr/>
+                    <a:lstStyle/>
+                    <a:p>
+                      <a:pPr algn="r" fontAlgn="b"/>
+                      <a:r>
+                        <a:rPr lang="en-IE" sz="1600" u="none" strike="noStrike">
+                          <a:effectLst/>
+                        </a:rPr>
+                        <a:t>4.89E-04</a:t>
+                      </a:r>
+                      <a:endParaRPr lang="en-IE" sz="1600" b="0" i="0" u="none" strike="noStrike">
+                        <a:solidFill>
+                          <a:srgbClr val="000000"/>
+                        </a:solidFill>
+                        <a:effectLst/>
+                        <a:latin typeface="Calibri" panose="020F0502020204030204" pitchFamily="34" charset="0"/>
+                      </a:endParaRPr>
+                    </a:p>
+                  </a:txBody>
+                  <a:tcPr marL="5979" marR="5979" marT="5979" marB="0" anchor="ctr"/>
+                </a:tc>
+                <a:tc>
+                  <a:txBody>
+                    <a:bodyPr/>
+                    <a:lstStyle/>
+                    <a:p>
+                      <a:pPr algn="r" fontAlgn="b"/>
+                      <a:r>
+                        <a:rPr lang="en-IE" sz="1600" u="none" strike="noStrike" dirty="0">
+                          <a:effectLst/>
+                        </a:rPr>
+                        <a:t>0.05</a:t>
+                      </a:r>
+                      <a:endParaRPr lang="en-IE" sz="1600" b="0" i="0" u="none" strike="noStrike" dirty="0">
+                        <a:solidFill>
+                          <a:srgbClr val="000000"/>
+                        </a:solidFill>
+                        <a:effectLst/>
+                        <a:latin typeface="Calibri" panose="020F0502020204030204" pitchFamily="34" charset="0"/>
+                      </a:endParaRPr>
+                    </a:p>
+                  </a:txBody>
+                  <a:tcPr marL="5979" marR="5979" marT="5979" marB="0" anchor="ctr"/>
+                </a:tc>
+                <a:tc>
+                  <a:txBody>
+                    <a:bodyPr/>
+                    <a:lstStyle/>
+                    <a:p>
+                      <a:pPr algn="r" fontAlgn="b"/>
+                      <a:r>
+                        <a:rPr lang="en-IE" sz="1600" u="none" strike="noStrike">
+                          <a:effectLst/>
+                        </a:rPr>
+                        <a:t>3.45</a:t>
+                      </a:r>
+                      <a:endParaRPr lang="en-IE" sz="1600" b="0" i="0" u="none" strike="noStrike">
+                        <a:solidFill>
+                          <a:srgbClr val="000000"/>
+                        </a:solidFill>
+                        <a:effectLst/>
+                        <a:latin typeface="Calibri" panose="020F0502020204030204" pitchFamily="34" charset="0"/>
+                      </a:endParaRPr>
+                    </a:p>
+                  </a:txBody>
+                  <a:tcPr marL="5979" marR="5979" marT="5979" marB="0" anchor="ctr"/>
+                </a:tc>
+                <a:tc>
+                  <a:txBody>
+                    <a:bodyPr/>
+                    <a:lstStyle/>
+                    <a:p>
+                      <a:pPr algn="r" fontAlgn="b"/>
+                      <a:r>
+                        <a:rPr lang="en-IE" sz="1600" u="none" strike="noStrike">
+                          <a:effectLst/>
+                        </a:rPr>
+                        <a:t>-3.40</a:t>
+                      </a:r>
+                      <a:endParaRPr lang="en-IE" sz="1600" b="0" i="0" u="none" strike="noStrike">
+                        <a:solidFill>
+                          <a:srgbClr val="000000"/>
+                        </a:solidFill>
+                        <a:effectLst/>
+                        <a:latin typeface="Calibri" panose="020F0502020204030204" pitchFamily="34" charset="0"/>
+                      </a:endParaRPr>
+                    </a:p>
+                  </a:txBody>
+                  <a:tcPr marL="5979" marR="5979" marT="5979" marB="0" anchor="ctr"/>
+                </a:tc>
+                <a:extLst>
+                  <a:ext uri="{0D108BD9-81ED-4DB2-BD59-A6C34878D82A}">
+                    <a16:rowId xmlns:a16="http://schemas.microsoft.com/office/drawing/2014/main" val="3343761739"/>
+                  </a:ext>
+                </a:extLst>
+              </a:tr>
+              <a:tr h="342531">
+                <a:tc>
+                  <a:txBody>
+                    <a:bodyPr/>
+                    <a:lstStyle/>
+                    <a:p>
+                      <a:pPr algn="l" fontAlgn="b"/>
+                      <a:r>
+                        <a:rPr lang="en-IE" sz="1600" u="none" strike="noStrike">
+                          <a:effectLst/>
+                        </a:rPr>
+                        <a:t>hsa-miR-4446-3p</a:t>
+                      </a:r>
+                      <a:endParaRPr lang="en-IE" sz="1600" b="0" i="0" u="none" strike="noStrike">
+                        <a:solidFill>
+                          <a:srgbClr val="000000"/>
+                        </a:solidFill>
+                        <a:effectLst/>
+                        <a:latin typeface="Calibri" panose="020F0502020204030204" pitchFamily="34" charset="0"/>
+                      </a:endParaRPr>
+                    </a:p>
+                  </a:txBody>
+                  <a:tcPr marL="5979" marR="5979" marT="5979" marB="0" anchor="ctr"/>
+                </a:tc>
+                <a:tc>
+                  <a:txBody>
+                    <a:bodyPr/>
+                    <a:lstStyle/>
+                    <a:p>
+                      <a:pPr algn="r" fontAlgn="b"/>
+                      <a:r>
+                        <a:rPr lang="en-IE" sz="1600" u="none" strike="noStrike">
+                          <a:effectLst/>
+                        </a:rPr>
+                        <a:t>5320</a:t>
+                      </a:r>
+                      <a:endParaRPr lang="en-IE" sz="1600" b="0" i="0" u="none" strike="noStrike">
+                        <a:solidFill>
+                          <a:srgbClr val="000000"/>
+                        </a:solidFill>
+                        <a:effectLst/>
+                        <a:latin typeface="Calibri" panose="020F0502020204030204" pitchFamily="34" charset="0"/>
+                      </a:endParaRPr>
+                    </a:p>
+                  </a:txBody>
+                  <a:tcPr marL="5979" marR="5979" marT="5979" marB="0" anchor="ctr"/>
+                </a:tc>
+                <a:tc>
+                  <a:txBody>
+                    <a:bodyPr/>
+                    <a:lstStyle/>
+                    <a:p>
+                      <a:pPr algn="r" fontAlgn="b"/>
+                      <a:r>
+                        <a:rPr lang="en-IE" sz="1600" u="none" strike="noStrike">
+                          <a:effectLst/>
+                        </a:rPr>
+                        <a:t>2</a:t>
+                      </a:r>
+                      <a:endParaRPr lang="en-IE" sz="1600" b="0" i="0" u="none" strike="noStrike">
+                        <a:solidFill>
+                          <a:srgbClr val="000000"/>
+                        </a:solidFill>
+                        <a:effectLst/>
+                        <a:latin typeface="Calibri" panose="020F0502020204030204" pitchFamily="34" charset="0"/>
+                      </a:endParaRPr>
+                    </a:p>
+                  </a:txBody>
+                  <a:tcPr marL="5979" marR="5979" marT="5979" marB="0" anchor="ctr"/>
+                </a:tc>
+                <a:tc>
+                  <a:txBody>
+                    <a:bodyPr/>
+                    <a:lstStyle/>
+                    <a:p>
+                      <a:pPr algn="r" fontAlgn="b"/>
+                      <a:r>
+                        <a:rPr lang="en-IE" sz="1600" u="none" strike="noStrike">
+                          <a:effectLst/>
+                        </a:rPr>
+                        <a:t>3.76E-04</a:t>
+                      </a:r>
+                      <a:endParaRPr lang="en-IE" sz="1600" b="0" i="0" u="none" strike="noStrike">
+                        <a:solidFill>
+                          <a:srgbClr val="000000"/>
+                        </a:solidFill>
+                        <a:effectLst/>
+                        <a:latin typeface="Calibri" panose="020F0502020204030204" pitchFamily="34" charset="0"/>
+                      </a:endParaRPr>
+                    </a:p>
+                  </a:txBody>
+                  <a:tcPr marL="5979" marR="5979" marT="5979" marB="0" anchor="ctr"/>
+                </a:tc>
+                <a:tc>
+                  <a:txBody>
+                    <a:bodyPr/>
+                    <a:lstStyle/>
+                    <a:p>
+                      <a:pPr algn="r" fontAlgn="b"/>
+                      <a:r>
+                        <a:rPr lang="en-IE" sz="1600" u="none" strike="noStrike">
+                          <a:effectLst/>
+                        </a:rPr>
+                        <a:t>0.04</a:t>
+                      </a:r>
+                      <a:endParaRPr lang="en-IE" sz="1600" b="0" i="0" u="none" strike="noStrike">
+                        <a:solidFill>
+                          <a:srgbClr val="000000"/>
+                        </a:solidFill>
+                        <a:effectLst/>
+                        <a:latin typeface="Calibri" panose="020F0502020204030204" pitchFamily="34" charset="0"/>
+                      </a:endParaRPr>
+                    </a:p>
+                  </a:txBody>
+                  <a:tcPr marL="5979" marR="5979" marT="5979" marB="0" anchor="ctr"/>
+                </a:tc>
+                <a:tc>
+                  <a:txBody>
+                    <a:bodyPr/>
+                    <a:lstStyle/>
+                    <a:p>
+                      <a:pPr algn="r" fontAlgn="b"/>
+                      <a:r>
+                        <a:rPr lang="en-IE" sz="1600" u="none" strike="noStrike">
+                          <a:effectLst/>
+                        </a:rPr>
+                        <a:t>2.99</a:t>
+                      </a:r>
+                      <a:endParaRPr lang="en-IE" sz="1600" b="0" i="0" u="none" strike="noStrike">
+                        <a:solidFill>
+                          <a:srgbClr val="000000"/>
+                        </a:solidFill>
+                        <a:effectLst/>
+                        <a:latin typeface="Calibri" panose="020F0502020204030204" pitchFamily="34" charset="0"/>
+                      </a:endParaRPr>
+                    </a:p>
+                  </a:txBody>
+                  <a:tcPr marL="5979" marR="5979" marT="5979" marB="0" anchor="ctr"/>
+                </a:tc>
+                <a:tc>
+                  <a:txBody>
+                    <a:bodyPr/>
+                    <a:lstStyle/>
+                    <a:p>
+                      <a:pPr algn="r" fontAlgn="b"/>
+                      <a:r>
+                        <a:rPr lang="en-IE" sz="1600" u="none" strike="noStrike">
+                          <a:effectLst/>
+                        </a:rPr>
+                        <a:t>-2.95</a:t>
+                      </a:r>
+                      <a:endParaRPr lang="en-IE" sz="1600" b="0" i="0" u="none" strike="noStrike">
+                        <a:solidFill>
+                          <a:srgbClr val="000000"/>
+                        </a:solidFill>
+                        <a:effectLst/>
+                        <a:latin typeface="Calibri" panose="020F0502020204030204" pitchFamily="34" charset="0"/>
+                      </a:endParaRPr>
+                    </a:p>
+                  </a:txBody>
+                  <a:tcPr marL="5979" marR="5979" marT="5979" marB="0" anchor="ctr"/>
+                </a:tc>
+                <a:extLst>
+                  <a:ext uri="{0D108BD9-81ED-4DB2-BD59-A6C34878D82A}">
+                    <a16:rowId xmlns:a16="http://schemas.microsoft.com/office/drawing/2014/main" val="3621204404"/>
+                  </a:ext>
+                </a:extLst>
+              </a:tr>
+              <a:tr h="342531">
+                <a:tc>
+                  <a:txBody>
+                    <a:bodyPr/>
+                    <a:lstStyle/>
+                    <a:p>
+                      <a:pPr algn="l" fontAlgn="b"/>
+                      <a:r>
+                        <a:rPr lang="en-IE" sz="1600" u="none" strike="noStrike">
+                          <a:effectLst/>
+                        </a:rPr>
+                        <a:t>hsa-miR-4508</a:t>
+                      </a:r>
+                      <a:endParaRPr lang="en-IE" sz="1600" b="0" i="0" u="none" strike="noStrike">
+                        <a:solidFill>
+                          <a:srgbClr val="000000"/>
+                        </a:solidFill>
+                        <a:effectLst/>
+                        <a:latin typeface="Calibri" panose="020F0502020204030204" pitchFamily="34" charset="0"/>
+                      </a:endParaRPr>
+                    </a:p>
+                  </a:txBody>
+                  <a:tcPr marL="5979" marR="5979" marT="5979" marB="0" anchor="ctr"/>
+                </a:tc>
+                <a:tc>
+                  <a:txBody>
+                    <a:bodyPr/>
+                    <a:lstStyle/>
+                    <a:p>
+                      <a:pPr algn="r" fontAlgn="b"/>
+                      <a:r>
+                        <a:rPr lang="en-IE" sz="1600" u="none" strike="noStrike">
+                          <a:effectLst/>
+                        </a:rPr>
+                        <a:t>6382</a:t>
+                      </a:r>
+                      <a:endParaRPr lang="en-IE" sz="1600" b="0" i="0" u="none" strike="noStrike">
+                        <a:solidFill>
+                          <a:srgbClr val="000000"/>
+                        </a:solidFill>
+                        <a:effectLst/>
+                        <a:latin typeface="Calibri" panose="020F0502020204030204" pitchFamily="34" charset="0"/>
+                      </a:endParaRPr>
+                    </a:p>
+                  </a:txBody>
+                  <a:tcPr marL="5979" marR="5979" marT="5979" marB="0" anchor="ctr"/>
+                </a:tc>
+                <a:tc>
+                  <a:txBody>
+                    <a:bodyPr/>
+                    <a:lstStyle/>
+                    <a:p>
+                      <a:pPr algn="r" fontAlgn="b"/>
+                      <a:r>
+                        <a:rPr lang="en-IE" sz="1600" u="none" strike="noStrike">
+                          <a:effectLst/>
+                        </a:rPr>
+                        <a:t>2</a:t>
+                      </a:r>
+                      <a:endParaRPr lang="en-IE" sz="1600" b="0" i="0" u="none" strike="noStrike">
+                        <a:solidFill>
+                          <a:srgbClr val="000000"/>
+                        </a:solidFill>
+                        <a:effectLst/>
+                        <a:latin typeface="Calibri" panose="020F0502020204030204" pitchFamily="34" charset="0"/>
+                      </a:endParaRPr>
+                    </a:p>
+                  </a:txBody>
+                  <a:tcPr marL="5979" marR="5979" marT="5979" marB="0" anchor="ctr"/>
+                </a:tc>
+                <a:tc>
+                  <a:txBody>
+                    <a:bodyPr/>
+                    <a:lstStyle/>
+                    <a:p>
+                      <a:pPr algn="r" fontAlgn="b"/>
+                      <a:r>
+                        <a:rPr lang="en-IE" sz="1600" u="none" strike="noStrike" dirty="0">
+                          <a:effectLst/>
+                        </a:rPr>
+                        <a:t>3.13E-04</a:t>
+                      </a:r>
+                      <a:endParaRPr lang="en-IE" sz="1600" b="0" i="0" u="none" strike="noStrike" dirty="0">
+                        <a:solidFill>
+                          <a:srgbClr val="000000"/>
+                        </a:solidFill>
+                        <a:effectLst/>
+                        <a:latin typeface="Calibri" panose="020F0502020204030204" pitchFamily="34" charset="0"/>
+                      </a:endParaRPr>
+                    </a:p>
+                  </a:txBody>
+                  <a:tcPr marL="5979" marR="5979" marT="5979" marB="0" anchor="ctr"/>
+                </a:tc>
+                <a:tc>
+                  <a:txBody>
+                    <a:bodyPr/>
+                    <a:lstStyle/>
+                    <a:p>
+                      <a:pPr algn="r" fontAlgn="b"/>
+                      <a:r>
+                        <a:rPr lang="en-IE" sz="1600" u="none" strike="noStrike">
+                          <a:effectLst/>
+                        </a:rPr>
+                        <a:t>0.03</a:t>
+                      </a:r>
+                      <a:endParaRPr lang="en-IE" sz="1600" b="0" i="0" u="none" strike="noStrike">
+                        <a:solidFill>
+                          <a:srgbClr val="000000"/>
+                        </a:solidFill>
+                        <a:effectLst/>
+                        <a:latin typeface="Calibri" panose="020F0502020204030204" pitchFamily="34" charset="0"/>
+                      </a:endParaRPr>
+                    </a:p>
+                  </a:txBody>
+                  <a:tcPr marL="5979" marR="5979" marT="5979" marB="0" anchor="ctr"/>
+                </a:tc>
+                <a:tc>
+                  <a:txBody>
+                    <a:bodyPr/>
+                    <a:lstStyle/>
+                    <a:p>
+                      <a:pPr algn="r" fontAlgn="b"/>
+                      <a:r>
+                        <a:rPr lang="en-IE" sz="1600" u="none" strike="noStrike">
+                          <a:effectLst/>
+                        </a:rPr>
+                        <a:t>3.59</a:t>
+                      </a:r>
+                      <a:endParaRPr lang="en-IE" sz="1600" b="0" i="0" u="none" strike="noStrike">
+                        <a:solidFill>
+                          <a:srgbClr val="000000"/>
+                        </a:solidFill>
+                        <a:effectLst/>
+                        <a:latin typeface="Calibri" panose="020F0502020204030204" pitchFamily="34" charset="0"/>
+                      </a:endParaRPr>
+                    </a:p>
+                  </a:txBody>
+                  <a:tcPr marL="5979" marR="5979" marT="5979" marB="0" anchor="ctr"/>
+                </a:tc>
+                <a:tc>
+                  <a:txBody>
+                    <a:bodyPr/>
+                    <a:lstStyle/>
+                    <a:p>
+                      <a:pPr algn="r" fontAlgn="b"/>
+                      <a:r>
+                        <a:rPr lang="en-IE" sz="1600" u="none" strike="noStrike">
+                          <a:effectLst/>
+                        </a:rPr>
+                        <a:t>-3.56</a:t>
+                      </a:r>
+                      <a:endParaRPr lang="en-IE" sz="1600" b="0" i="0" u="none" strike="noStrike">
+                        <a:solidFill>
+                          <a:srgbClr val="000000"/>
+                        </a:solidFill>
+                        <a:effectLst/>
+                        <a:latin typeface="Calibri" panose="020F0502020204030204" pitchFamily="34" charset="0"/>
+                      </a:endParaRPr>
+                    </a:p>
+                  </a:txBody>
+                  <a:tcPr marL="5979" marR="5979" marT="5979" marB="0" anchor="ctr"/>
+                </a:tc>
+                <a:extLst>
+                  <a:ext uri="{0D108BD9-81ED-4DB2-BD59-A6C34878D82A}">
+                    <a16:rowId xmlns:a16="http://schemas.microsoft.com/office/drawing/2014/main" val="3671209640"/>
+                  </a:ext>
+                </a:extLst>
+              </a:tr>
+              <a:tr h="342531">
+                <a:tc>
+                  <a:txBody>
+                    <a:bodyPr/>
+                    <a:lstStyle/>
+                    <a:p>
+                      <a:pPr algn="l" fontAlgn="b"/>
+                      <a:r>
+                        <a:rPr lang="en-IE" sz="1600" u="none" strike="noStrike">
+                          <a:effectLst/>
+                        </a:rPr>
+                        <a:t>hsa-miR-4537</a:t>
+                      </a:r>
+                      <a:endParaRPr lang="en-IE" sz="1600" b="0" i="0" u="none" strike="noStrike">
+                        <a:solidFill>
+                          <a:srgbClr val="000000"/>
+                        </a:solidFill>
+                        <a:effectLst/>
+                        <a:latin typeface="Calibri" panose="020F0502020204030204" pitchFamily="34" charset="0"/>
+                      </a:endParaRPr>
+                    </a:p>
+                  </a:txBody>
+                  <a:tcPr marL="5979" marR="5979" marT="5979" marB="0" anchor="ctr"/>
+                </a:tc>
+                <a:tc>
+                  <a:txBody>
+                    <a:bodyPr/>
+                    <a:lstStyle/>
+                    <a:p>
+                      <a:pPr algn="r" fontAlgn="b"/>
+                      <a:r>
+                        <a:rPr lang="en-IE" sz="1600" u="none" strike="noStrike">
+                          <a:effectLst/>
+                        </a:rPr>
+                        <a:t>3639</a:t>
+                      </a:r>
+                      <a:endParaRPr lang="en-IE" sz="1600" b="0" i="0" u="none" strike="noStrike">
+                        <a:solidFill>
+                          <a:srgbClr val="000000"/>
+                        </a:solidFill>
+                        <a:effectLst/>
+                        <a:latin typeface="Calibri" panose="020F0502020204030204" pitchFamily="34" charset="0"/>
+                      </a:endParaRPr>
+                    </a:p>
+                  </a:txBody>
+                  <a:tcPr marL="5979" marR="5979" marT="5979" marB="0" anchor="ctr"/>
+                </a:tc>
+                <a:tc>
+                  <a:txBody>
+                    <a:bodyPr/>
+                    <a:lstStyle/>
+                    <a:p>
+                      <a:pPr algn="r" fontAlgn="b"/>
+                      <a:r>
+                        <a:rPr lang="en-IE" sz="1600" u="none" strike="noStrike">
+                          <a:effectLst/>
+                        </a:rPr>
+                        <a:t>2</a:t>
+                      </a:r>
+                      <a:endParaRPr lang="en-IE" sz="1600" b="0" i="0" u="none" strike="noStrike">
+                        <a:solidFill>
+                          <a:srgbClr val="000000"/>
+                        </a:solidFill>
+                        <a:effectLst/>
+                        <a:latin typeface="Calibri" panose="020F0502020204030204" pitchFamily="34" charset="0"/>
+                      </a:endParaRPr>
+                    </a:p>
+                  </a:txBody>
+                  <a:tcPr marL="5979" marR="5979" marT="5979" marB="0" anchor="ctr"/>
+                </a:tc>
+                <a:tc>
+                  <a:txBody>
+                    <a:bodyPr/>
+                    <a:lstStyle/>
+                    <a:p>
+                      <a:pPr algn="r" fontAlgn="b"/>
+                      <a:r>
+                        <a:rPr lang="en-IE" sz="1600" u="none" strike="noStrike">
+                          <a:effectLst/>
+                        </a:rPr>
+                        <a:t>5.50E-04</a:t>
+                      </a:r>
+                      <a:endParaRPr lang="en-IE" sz="1600" b="0" i="0" u="none" strike="noStrike">
+                        <a:solidFill>
+                          <a:srgbClr val="000000"/>
+                        </a:solidFill>
+                        <a:effectLst/>
+                        <a:latin typeface="Calibri" panose="020F0502020204030204" pitchFamily="34" charset="0"/>
+                      </a:endParaRPr>
+                    </a:p>
+                  </a:txBody>
+                  <a:tcPr marL="5979" marR="5979" marT="5979" marB="0" anchor="ctr"/>
+                </a:tc>
+                <a:tc>
+                  <a:txBody>
+                    <a:bodyPr/>
+                    <a:lstStyle/>
+                    <a:p>
+                      <a:pPr algn="r" fontAlgn="b"/>
+                      <a:r>
+                        <a:rPr lang="en-IE" sz="1600" u="none" strike="noStrike">
+                          <a:effectLst/>
+                        </a:rPr>
+                        <a:t>0.05</a:t>
+                      </a:r>
+                      <a:endParaRPr lang="en-IE" sz="1600" b="0" i="0" u="none" strike="noStrike">
+                        <a:solidFill>
+                          <a:srgbClr val="000000"/>
+                        </a:solidFill>
+                        <a:effectLst/>
+                        <a:latin typeface="Calibri" panose="020F0502020204030204" pitchFamily="34" charset="0"/>
+                      </a:endParaRPr>
+                    </a:p>
+                  </a:txBody>
+                  <a:tcPr marL="5979" marR="5979" marT="5979" marB="0" anchor="ctr"/>
+                </a:tc>
+                <a:tc>
+                  <a:txBody>
+                    <a:bodyPr/>
+                    <a:lstStyle/>
+                    <a:p>
+                      <a:pPr algn="r" fontAlgn="b"/>
+                      <a:r>
+                        <a:rPr lang="en-IE" sz="1600" u="none" strike="noStrike">
+                          <a:effectLst/>
+                        </a:rPr>
+                        <a:t>2.05</a:t>
+                      </a:r>
+                      <a:endParaRPr lang="en-IE" sz="1600" b="0" i="0" u="none" strike="noStrike">
+                        <a:solidFill>
+                          <a:srgbClr val="000000"/>
+                        </a:solidFill>
+                        <a:effectLst/>
+                        <a:latin typeface="Calibri" panose="020F0502020204030204" pitchFamily="34" charset="0"/>
+                      </a:endParaRPr>
+                    </a:p>
+                  </a:txBody>
+                  <a:tcPr marL="5979" marR="5979" marT="5979" marB="0" anchor="ctr"/>
+                </a:tc>
+                <a:tc>
+                  <a:txBody>
+                    <a:bodyPr/>
+                    <a:lstStyle/>
+                    <a:p>
+                      <a:pPr algn="r" fontAlgn="b"/>
+                      <a:r>
+                        <a:rPr lang="en-IE" sz="1600" u="none" strike="noStrike">
+                          <a:effectLst/>
+                        </a:rPr>
+                        <a:t>-1.99</a:t>
+                      </a:r>
+                      <a:endParaRPr lang="en-IE" sz="1600" b="0" i="0" u="none" strike="noStrike">
+                        <a:solidFill>
+                          <a:srgbClr val="000000"/>
+                        </a:solidFill>
+                        <a:effectLst/>
+                        <a:latin typeface="Calibri" panose="020F0502020204030204" pitchFamily="34" charset="0"/>
+                      </a:endParaRPr>
+                    </a:p>
+                  </a:txBody>
+                  <a:tcPr marL="5979" marR="5979" marT="5979" marB="0" anchor="ctr"/>
+                </a:tc>
+                <a:extLst>
+                  <a:ext uri="{0D108BD9-81ED-4DB2-BD59-A6C34878D82A}">
+                    <a16:rowId xmlns:a16="http://schemas.microsoft.com/office/drawing/2014/main" val="320340830"/>
+                  </a:ext>
+                </a:extLst>
+              </a:tr>
+              <a:tr h="342531">
+                <a:tc>
+                  <a:txBody>
+                    <a:bodyPr/>
+                    <a:lstStyle/>
+                    <a:p>
+                      <a:pPr algn="l" fontAlgn="b"/>
+                      <a:r>
+                        <a:rPr lang="en-IE" sz="1600" u="none" strike="noStrike">
+                          <a:effectLst/>
+                        </a:rPr>
+                        <a:t>hsa-miR-4746-3p</a:t>
+                      </a:r>
+                      <a:endParaRPr lang="en-IE" sz="1600" b="0" i="0" u="none" strike="noStrike">
+                        <a:solidFill>
+                          <a:srgbClr val="000000"/>
+                        </a:solidFill>
+                        <a:effectLst/>
+                        <a:latin typeface="Calibri" panose="020F0502020204030204" pitchFamily="34" charset="0"/>
+                      </a:endParaRPr>
+                    </a:p>
+                  </a:txBody>
+                  <a:tcPr marL="5979" marR="5979" marT="5979" marB="0" anchor="ctr"/>
+                </a:tc>
+                <a:tc>
+                  <a:txBody>
+                    <a:bodyPr/>
+                    <a:lstStyle/>
+                    <a:p>
+                      <a:pPr algn="r" fontAlgn="b"/>
+                      <a:r>
+                        <a:rPr lang="en-IE" sz="1600" u="none" strike="noStrike">
+                          <a:effectLst/>
+                        </a:rPr>
+                        <a:t>6047</a:t>
+                      </a:r>
+                      <a:endParaRPr lang="en-IE" sz="1600" b="0" i="0" u="none" strike="noStrike">
+                        <a:solidFill>
+                          <a:srgbClr val="000000"/>
+                        </a:solidFill>
+                        <a:effectLst/>
+                        <a:latin typeface="Calibri" panose="020F0502020204030204" pitchFamily="34" charset="0"/>
+                      </a:endParaRPr>
+                    </a:p>
+                  </a:txBody>
+                  <a:tcPr marL="5979" marR="5979" marT="5979" marB="0" anchor="ctr"/>
+                </a:tc>
+                <a:tc>
+                  <a:txBody>
+                    <a:bodyPr/>
+                    <a:lstStyle/>
+                    <a:p>
+                      <a:pPr algn="r" fontAlgn="b"/>
+                      <a:r>
+                        <a:rPr lang="en-IE" sz="1600" u="none" strike="noStrike">
+                          <a:effectLst/>
+                        </a:rPr>
+                        <a:t>2</a:t>
+                      </a:r>
+                      <a:endParaRPr lang="en-IE" sz="1600" b="0" i="0" u="none" strike="noStrike">
+                        <a:solidFill>
+                          <a:srgbClr val="000000"/>
+                        </a:solidFill>
+                        <a:effectLst/>
+                        <a:latin typeface="Calibri" panose="020F0502020204030204" pitchFamily="34" charset="0"/>
+                      </a:endParaRPr>
+                    </a:p>
+                  </a:txBody>
+                  <a:tcPr marL="5979" marR="5979" marT="5979" marB="0" anchor="ctr"/>
+                </a:tc>
+                <a:tc>
+                  <a:txBody>
+                    <a:bodyPr/>
+                    <a:lstStyle/>
+                    <a:p>
+                      <a:pPr algn="r" fontAlgn="b"/>
+                      <a:r>
+                        <a:rPr lang="en-IE" sz="1600" u="none" strike="noStrike">
+                          <a:effectLst/>
+                        </a:rPr>
+                        <a:t>3.31E-04</a:t>
+                      </a:r>
+                      <a:endParaRPr lang="en-IE" sz="1600" b="0" i="0" u="none" strike="noStrike">
+                        <a:solidFill>
+                          <a:srgbClr val="000000"/>
+                        </a:solidFill>
+                        <a:effectLst/>
+                        <a:latin typeface="Calibri" panose="020F0502020204030204" pitchFamily="34" charset="0"/>
+                      </a:endParaRPr>
+                    </a:p>
+                  </a:txBody>
+                  <a:tcPr marL="5979" marR="5979" marT="5979" marB="0" anchor="ctr"/>
+                </a:tc>
+                <a:tc>
+                  <a:txBody>
+                    <a:bodyPr/>
+                    <a:lstStyle/>
+                    <a:p>
+                      <a:pPr algn="r" fontAlgn="b"/>
+                      <a:r>
+                        <a:rPr lang="en-IE" sz="1600" u="none" strike="noStrike">
+                          <a:effectLst/>
+                        </a:rPr>
+                        <a:t>0.03</a:t>
+                      </a:r>
+                      <a:endParaRPr lang="en-IE" sz="1600" b="0" i="0" u="none" strike="noStrike">
+                        <a:solidFill>
+                          <a:srgbClr val="000000"/>
+                        </a:solidFill>
+                        <a:effectLst/>
+                        <a:latin typeface="Calibri" panose="020F0502020204030204" pitchFamily="34" charset="0"/>
+                      </a:endParaRPr>
+                    </a:p>
+                  </a:txBody>
+                  <a:tcPr marL="5979" marR="5979" marT="5979" marB="0" anchor="ctr"/>
+                </a:tc>
+                <a:tc>
+                  <a:txBody>
+                    <a:bodyPr/>
+                    <a:lstStyle/>
+                    <a:p>
+                      <a:pPr algn="r" fontAlgn="b"/>
+                      <a:r>
+                        <a:rPr lang="en-IE" sz="1600" u="none" strike="noStrike">
+                          <a:effectLst/>
+                        </a:rPr>
+                        <a:t>3.40</a:t>
+                      </a:r>
+                      <a:endParaRPr lang="en-IE" sz="1600" b="0" i="0" u="none" strike="noStrike">
+                        <a:solidFill>
+                          <a:srgbClr val="000000"/>
+                        </a:solidFill>
+                        <a:effectLst/>
+                        <a:latin typeface="Calibri" panose="020F0502020204030204" pitchFamily="34" charset="0"/>
+                      </a:endParaRPr>
+                    </a:p>
+                  </a:txBody>
+                  <a:tcPr marL="5979" marR="5979" marT="5979" marB="0" anchor="ctr"/>
+                </a:tc>
+                <a:tc>
+                  <a:txBody>
+                    <a:bodyPr/>
+                    <a:lstStyle/>
+                    <a:p>
+                      <a:pPr algn="r" fontAlgn="b"/>
+                      <a:r>
+                        <a:rPr lang="en-IE" sz="1600" u="none" strike="noStrike">
+                          <a:effectLst/>
+                        </a:rPr>
+                        <a:t>-3.37</a:t>
+                      </a:r>
+                      <a:endParaRPr lang="en-IE" sz="1600" b="0" i="0" u="none" strike="noStrike">
+                        <a:solidFill>
+                          <a:srgbClr val="000000"/>
+                        </a:solidFill>
+                        <a:effectLst/>
+                        <a:latin typeface="Calibri" panose="020F0502020204030204" pitchFamily="34" charset="0"/>
+                      </a:endParaRPr>
+                    </a:p>
+                  </a:txBody>
+                  <a:tcPr marL="5979" marR="5979" marT="5979" marB="0" anchor="ctr"/>
+                </a:tc>
+                <a:extLst>
+                  <a:ext uri="{0D108BD9-81ED-4DB2-BD59-A6C34878D82A}">
+                    <a16:rowId xmlns:a16="http://schemas.microsoft.com/office/drawing/2014/main" val="150143545"/>
+                  </a:ext>
+                </a:extLst>
+              </a:tr>
+              <a:tr h="342531">
+                <a:tc>
+                  <a:txBody>
+                    <a:bodyPr/>
+                    <a:lstStyle/>
+                    <a:p>
+                      <a:pPr algn="l" fontAlgn="b"/>
+                      <a:r>
+                        <a:rPr lang="en-IE" sz="1600" u="none" strike="noStrike">
+                          <a:effectLst/>
+                        </a:rPr>
+                        <a:t>hsa-miR-6746-3p</a:t>
+                      </a:r>
+                      <a:endParaRPr lang="en-IE" sz="1600" b="0" i="0" u="none" strike="noStrike">
+                        <a:solidFill>
+                          <a:srgbClr val="000000"/>
+                        </a:solidFill>
+                        <a:effectLst/>
+                        <a:latin typeface="Calibri" panose="020F0502020204030204" pitchFamily="34" charset="0"/>
+                      </a:endParaRPr>
+                    </a:p>
+                  </a:txBody>
+                  <a:tcPr marL="5979" marR="5979" marT="5979" marB="0" anchor="ctr"/>
+                </a:tc>
+                <a:tc>
+                  <a:txBody>
+                    <a:bodyPr/>
+                    <a:lstStyle/>
+                    <a:p>
+                      <a:pPr algn="r" fontAlgn="b"/>
+                      <a:r>
+                        <a:rPr lang="en-IE" sz="1600" u="none" strike="noStrike">
+                          <a:effectLst/>
+                        </a:rPr>
+                        <a:t>5722</a:t>
+                      </a:r>
+                      <a:endParaRPr lang="en-IE" sz="1600" b="0" i="0" u="none" strike="noStrike">
+                        <a:solidFill>
+                          <a:srgbClr val="000000"/>
+                        </a:solidFill>
+                        <a:effectLst/>
+                        <a:latin typeface="Calibri" panose="020F0502020204030204" pitchFamily="34" charset="0"/>
+                      </a:endParaRPr>
+                    </a:p>
+                  </a:txBody>
+                  <a:tcPr marL="5979" marR="5979" marT="5979" marB="0" anchor="ctr"/>
+                </a:tc>
+                <a:tc>
+                  <a:txBody>
+                    <a:bodyPr/>
+                    <a:lstStyle/>
+                    <a:p>
+                      <a:pPr algn="r" fontAlgn="b"/>
+                      <a:r>
+                        <a:rPr lang="en-IE" sz="1600" u="none" strike="noStrike">
+                          <a:effectLst/>
+                        </a:rPr>
+                        <a:t>3</a:t>
+                      </a:r>
+                      <a:endParaRPr lang="en-IE" sz="1600" b="0" i="0" u="none" strike="noStrike">
+                        <a:solidFill>
+                          <a:srgbClr val="000000"/>
+                        </a:solidFill>
+                        <a:effectLst/>
+                        <a:latin typeface="Calibri" panose="020F0502020204030204" pitchFamily="34" charset="0"/>
+                      </a:endParaRPr>
+                    </a:p>
+                  </a:txBody>
+                  <a:tcPr marL="5979" marR="5979" marT="5979" marB="0" anchor="ctr"/>
+                </a:tc>
+                <a:tc>
+                  <a:txBody>
+                    <a:bodyPr/>
+                    <a:lstStyle/>
+                    <a:p>
+                      <a:pPr algn="r" fontAlgn="b"/>
+                      <a:r>
+                        <a:rPr lang="en-IE" sz="1600" u="none" strike="noStrike">
+                          <a:effectLst/>
+                        </a:rPr>
+                        <a:t>5.24E-04</a:t>
+                      </a:r>
+                      <a:endParaRPr lang="en-IE" sz="1600" b="0" i="0" u="none" strike="noStrike">
+                        <a:solidFill>
+                          <a:srgbClr val="000000"/>
+                        </a:solidFill>
+                        <a:effectLst/>
+                        <a:latin typeface="Calibri" panose="020F0502020204030204" pitchFamily="34" charset="0"/>
+                      </a:endParaRPr>
+                    </a:p>
+                  </a:txBody>
+                  <a:tcPr marL="5979" marR="5979" marT="5979" marB="0" anchor="ctr"/>
+                </a:tc>
+                <a:tc>
+                  <a:txBody>
+                    <a:bodyPr/>
+                    <a:lstStyle/>
+                    <a:p>
+                      <a:pPr algn="r" fontAlgn="b"/>
+                      <a:r>
+                        <a:rPr lang="en-IE" sz="1600" u="none" strike="noStrike" dirty="0">
+                          <a:effectLst/>
+                        </a:rPr>
+                        <a:t>0.05</a:t>
+                      </a:r>
+                      <a:endParaRPr lang="en-IE" sz="1600" b="0" i="0" u="none" strike="noStrike" dirty="0">
+                        <a:solidFill>
+                          <a:srgbClr val="000000"/>
+                        </a:solidFill>
+                        <a:effectLst/>
+                        <a:latin typeface="Calibri" panose="020F0502020204030204" pitchFamily="34" charset="0"/>
+                      </a:endParaRPr>
+                    </a:p>
+                  </a:txBody>
+                  <a:tcPr marL="5979" marR="5979" marT="5979" marB="0" anchor="ctr"/>
+                </a:tc>
+                <a:tc>
+                  <a:txBody>
+                    <a:bodyPr/>
+                    <a:lstStyle/>
+                    <a:p>
+                      <a:pPr algn="r" fontAlgn="b"/>
+                      <a:r>
+                        <a:rPr lang="en-IE" sz="1600" u="none" strike="noStrike">
+                          <a:effectLst/>
+                        </a:rPr>
+                        <a:t>3.22</a:t>
+                      </a:r>
+                      <a:endParaRPr lang="en-IE" sz="1600" b="0" i="0" u="none" strike="noStrike">
+                        <a:solidFill>
+                          <a:srgbClr val="000000"/>
+                        </a:solidFill>
+                        <a:effectLst/>
+                        <a:latin typeface="Calibri" panose="020F0502020204030204" pitchFamily="34" charset="0"/>
+                      </a:endParaRPr>
+                    </a:p>
+                  </a:txBody>
+                  <a:tcPr marL="5979" marR="5979" marT="5979" marB="0" anchor="ctr"/>
+                </a:tc>
+                <a:tc>
+                  <a:txBody>
+                    <a:bodyPr/>
+                    <a:lstStyle/>
+                    <a:p>
+                      <a:pPr algn="r" fontAlgn="b"/>
+                      <a:r>
+                        <a:rPr lang="en-IE" sz="1600" u="none" strike="noStrike" dirty="0">
+                          <a:effectLst/>
+                        </a:rPr>
+                        <a:t>-3.16</a:t>
+                      </a:r>
+                      <a:endParaRPr lang="en-IE" sz="1600" b="0" i="0" u="none" strike="noStrike" dirty="0">
+                        <a:solidFill>
+                          <a:srgbClr val="000000"/>
+                        </a:solidFill>
+                        <a:effectLst/>
+                        <a:latin typeface="Calibri" panose="020F0502020204030204" pitchFamily="34" charset="0"/>
+                      </a:endParaRPr>
+                    </a:p>
+                  </a:txBody>
+                  <a:tcPr marL="5979" marR="5979" marT="5979" marB="0" anchor="ctr"/>
+                </a:tc>
+                <a:extLst>
+                  <a:ext uri="{0D108BD9-81ED-4DB2-BD59-A6C34878D82A}">
+                    <a16:rowId xmlns:a16="http://schemas.microsoft.com/office/drawing/2014/main" val="4209305106"/>
+                  </a:ext>
+                </a:extLst>
+              </a:tr>
+              <a:tr h="342531">
+                <a:tc>
+                  <a:txBody>
+                    <a:bodyPr/>
+                    <a:lstStyle/>
+                    <a:p>
+                      <a:pPr algn="l" fontAlgn="b"/>
+                      <a:r>
+                        <a:rPr lang="en-IE" sz="1600" u="none" strike="noStrike">
+                          <a:effectLst/>
+                        </a:rPr>
+                        <a:t>hsa-miR-6751-5p</a:t>
+                      </a:r>
+                      <a:endParaRPr lang="en-IE" sz="1600" b="0" i="0" u="none" strike="noStrike">
+                        <a:solidFill>
+                          <a:srgbClr val="000000"/>
+                        </a:solidFill>
+                        <a:effectLst/>
+                        <a:latin typeface="Calibri" panose="020F0502020204030204" pitchFamily="34" charset="0"/>
+                      </a:endParaRPr>
+                    </a:p>
+                  </a:txBody>
+                  <a:tcPr marL="5979" marR="5979" marT="5979" marB="0" anchor="ctr"/>
+                </a:tc>
+                <a:tc>
+                  <a:txBody>
+                    <a:bodyPr/>
+                    <a:lstStyle/>
+                    <a:p>
+                      <a:pPr algn="r" fontAlgn="b"/>
+                      <a:r>
+                        <a:rPr lang="en-IE" sz="1600" u="none" strike="noStrike">
+                          <a:effectLst/>
+                        </a:rPr>
+                        <a:t>6572</a:t>
+                      </a:r>
+                      <a:endParaRPr lang="en-IE" sz="1600" b="0" i="0" u="none" strike="noStrike">
+                        <a:solidFill>
+                          <a:srgbClr val="000000"/>
+                        </a:solidFill>
+                        <a:effectLst/>
+                        <a:latin typeface="Calibri" panose="020F0502020204030204" pitchFamily="34" charset="0"/>
+                      </a:endParaRPr>
+                    </a:p>
+                  </a:txBody>
+                  <a:tcPr marL="5979" marR="5979" marT="5979" marB="0" anchor="ctr"/>
+                </a:tc>
+                <a:tc>
+                  <a:txBody>
+                    <a:bodyPr/>
+                    <a:lstStyle/>
+                    <a:p>
+                      <a:pPr algn="r" fontAlgn="b"/>
+                      <a:r>
+                        <a:rPr lang="en-IE" sz="1600" u="none" strike="noStrike">
+                          <a:effectLst/>
+                        </a:rPr>
+                        <a:t>3</a:t>
+                      </a:r>
+                      <a:endParaRPr lang="en-IE" sz="1600" b="0" i="0" u="none" strike="noStrike">
+                        <a:solidFill>
+                          <a:srgbClr val="000000"/>
+                        </a:solidFill>
+                        <a:effectLst/>
+                        <a:latin typeface="Calibri" panose="020F0502020204030204" pitchFamily="34" charset="0"/>
+                      </a:endParaRPr>
+                    </a:p>
+                  </a:txBody>
+                  <a:tcPr marL="5979" marR="5979" marT="5979" marB="0" anchor="ctr"/>
+                </a:tc>
+                <a:tc>
+                  <a:txBody>
+                    <a:bodyPr/>
+                    <a:lstStyle/>
+                    <a:p>
+                      <a:pPr algn="r" fontAlgn="b"/>
+                      <a:r>
+                        <a:rPr lang="en-IE" sz="1600" u="none" strike="noStrike">
+                          <a:effectLst/>
+                        </a:rPr>
+                        <a:t>4.56E-04</a:t>
+                      </a:r>
+                      <a:endParaRPr lang="en-IE" sz="1600" b="0" i="0" u="none" strike="noStrike">
+                        <a:solidFill>
+                          <a:srgbClr val="000000"/>
+                        </a:solidFill>
+                        <a:effectLst/>
+                        <a:latin typeface="Calibri" panose="020F0502020204030204" pitchFamily="34" charset="0"/>
+                      </a:endParaRPr>
+                    </a:p>
+                  </a:txBody>
+                  <a:tcPr marL="5979" marR="5979" marT="5979" marB="0" anchor="ctr"/>
+                </a:tc>
+                <a:tc>
+                  <a:txBody>
+                    <a:bodyPr/>
+                    <a:lstStyle/>
+                    <a:p>
+                      <a:pPr algn="r" fontAlgn="b"/>
+                      <a:r>
+                        <a:rPr lang="en-IE" sz="1600" u="none" strike="noStrike" dirty="0">
+                          <a:effectLst/>
+                        </a:rPr>
+                        <a:t>0.05</a:t>
+                      </a:r>
+                      <a:endParaRPr lang="en-IE" sz="1600" b="0" i="0" u="none" strike="noStrike" dirty="0">
+                        <a:solidFill>
+                          <a:srgbClr val="000000"/>
+                        </a:solidFill>
+                        <a:effectLst/>
+                        <a:latin typeface="Calibri" panose="020F0502020204030204" pitchFamily="34" charset="0"/>
+                      </a:endParaRPr>
+                    </a:p>
+                  </a:txBody>
+                  <a:tcPr marL="5979" marR="5979" marT="5979" marB="0" anchor="ctr"/>
+                </a:tc>
+                <a:tc>
+                  <a:txBody>
+                    <a:bodyPr/>
+                    <a:lstStyle/>
+                    <a:p>
+                      <a:pPr algn="r" fontAlgn="b"/>
+                      <a:r>
+                        <a:rPr lang="en-IE" sz="1600" u="none" strike="noStrike">
+                          <a:effectLst/>
+                        </a:rPr>
+                        <a:t>3.69</a:t>
+                      </a:r>
+                      <a:endParaRPr lang="en-IE" sz="1600" b="0" i="0" u="none" strike="noStrike">
+                        <a:solidFill>
+                          <a:srgbClr val="000000"/>
+                        </a:solidFill>
+                        <a:effectLst/>
+                        <a:latin typeface="Calibri" panose="020F0502020204030204" pitchFamily="34" charset="0"/>
+                      </a:endParaRPr>
+                    </a:p>
+                  </a:txBody>
+                  <a:tcPr marL="5979" marR="5979" marT="5979" marB="0" anchor="ctr"/>
+                </a:tc>
+                <a:tc>
+                  <a:txBody>
+                    <a:bodyPr/>
+                    <a:lstStyle/>
+                    <a:p>
+                      <a:pPr algn="r" fontAlgn="b"/>
+                      <a:r>
+                        <a:rPr lang="en-IE" sz="1600" u="none" strike="noStrike">
+                          <a:effectLst/>
+                        </a:rPr>
+                        <a:t>-3.65</a:t>
+                      </a:r>
+                      <a:endParaRPr lang="en-IE" sz="1600" b="0" i="0" u="none" strike="noStrike">
+                        <a:solidFill>
+                          <a:srgbClr val="000000"/>
+                        </a:solidFill>
+                        <a:effectLst/>
+                        <a:latin typeface="Calibri" panose="020F0502020204030204" pitchFamily="34" charset="0"/>
+                      </a:endParaRPr>
+                    </a:p>
+                  </a:txBody>
+                  <a:tcPr marL="5979" marR="5979" marT="5979" marB="0" anchor="ctr"/>
+                </a:tc>
+                <a:extLst>
+                  <a:ext uri="{0D108BD9-81ED-4DB2-BD59-A6C34878D82A}">
+                    <a16:rowId xmlns:a16="http://schemas.microsoft.com/office/drawing/2014/main" val="824424906"/>
+                  </a:ext>
+                </a:extLst>
+              </a:tr>
+              <a:tr h="342531">
+                <a:tc>
+                  <a:txBody>
+                    <a:bodyPr/>
+                    <a:lstStyle/>
+                    <a:p>
+                      <a:pPr algn="l" fontAlgn="b"/>
+                      <a:r>
+                        <a:rPr lang="en-IE" sz="1600" u="none" strike="noStrike">
+                          <a:effectLst/>
+                        </a:rPr>
+                        <a:t>hsa-miR-6754-5p</a:t>
+                      </a:r>
+                      <a:endParaRPr lang="en-IE" sz="1600" b="0" i="0" u="none" strike="noStrike">
+                        <a:solidFill>
+                          <a:srgbClr val="000000"/>
+                        </a:solidFill>
+                        <a:effectLst/>
+                        <a:latin typeface="Calibri" panose="020F0502020204030204" pitchFamily="34" charset="0"/>
+                      </a:endParaRPr>
+                    </a:p>
+                  </a:txBody>
+                  <a:tcPr marL="5979" marR="5979" marT="5979" marB="0" anchor="ctr"/>
+                </a:tc>
+                <a:tc>
+                  <a:txBody>
+                    <a:bodyPr/>
+                    <a:lstStyle/>
+                    <a:p>
+                      <a:pPr algn="r" fontAlgn="b"/>
+                      <a:r>
+                        <a:rPr lang="en-IE" sz="1600" u="none" strike="noStrike">
+                          <a:effectLst/>
+                        </a:rPr>
+                        <a:t>6411</a:t>
+                      </a:r>
+                      <a:endParaRPr lang="en-IE" sz="1600" b="0" i="0" u="none" strike="noStrike">
+                        <a:solidFill>
+                          <a:srgbClr val="000000"/>
+                        </a:solidFill>
+                        <a:effectLst/>
+                        <a:latin typeface="Calibri" panose="020F0502020204030204" pitchFamily="34" charset="0"/>
+                      </a:endParaRPr>
+                    </a:p>
+                  </a:txBody>
+                  <a:tcPr marL="5979" marR="5979" marT="5979" marB="0" anchor="ctr"/>
+                </a:tc>
+                <a:tc>
+                  <a:txBody>
+                    <a:bodyPr/>
+                    <a:lstStyle/>
+                    <a:p>
+                      <a:pPr algn="r" fontAlgn="b"/>
+                      <a:r>
+                        <a:rPr lang="en-IE" sz="1600" u="none" strike="noStrike">
+                          <a:effectLst/>
+                        </a:rPr>
+                        <a:t>2</a:t>
+                      </a:r>
+                      <a:endParaRPr lang="en-IE" sz="1600" b="0" i="0" u="none" strike="noStrike">
+                        <a:solidFill>
+                          <a:srgbClr val="000000"/>
+                        </a:solidFill>
+                        <a:effectLst/>
+                        <a:latin typeface="Calibri" panose="020F0502020204030204" pitchFamily="34" charset="0"/>
+                      </a:endParaRPr>
+                    </a:p>
+                  </a:txBody>
+                  <a:tcPr marL="5979" marR="5979" marT="5979" marB="0" anchor="ctr"/>
+                </a:tc>
+                <a:tc>
+                  <a:txBody>
+                    <a:bodyPr/>
+                    <a:lstStyle/>
+                    <a:p>
+                      <a:pPr algn="r" fontAlgn="b"/>
+                      <a:r>
+                        <a:rPr lang="en-IE" sz="1600" u="none" strike="noStrike">
+                          <a:effectLst/>
+                        </a:rPr>
+                        <a:t>3.12E-04</a:t>
+                      </a:r>
+                      <a:endParaRPr lang="en-IE" sz="1600" b="0" i="0" u="none" strike="noStrike">
+                        <a:solidFill>
+                          <a:srgbClr val="000000"/>
+                        </a:solidFill>
+                        <a:effectLst/>
+                        <a:latin typeface="Calibri" panose="020F0502020204030204" pitchFamily="34" charset="0"/>
+                      </a:endParaRPr>
+                    </a:p>
+                  </a:txBody>
+                  <a:tcPr marL="5979" marR="5979" marT="5979" marB="0" anchor="ctr"/>
+                </a:tc>
+                <a:tc>
+                  <a:txBody>
+                    <a:bodyPr/>
+                    <a:lstStyle/>
+                    <a:p>
+                      <a:pPr algn="r" fontAlgn="b"/>
+                      <a:r>
+                        <a:rPr lang="en-IE" sz="1600" u="none" strike="noStrike">
+                          <a:effectLst/>
+                        </a:rPr>
+                        <a:t>0.03</a:t>
+                      </a:r>
+                      <a:endParaRPr lang="en-IE" sz="1600" b="0" i="0" u="none" strike="noStrike">
+                        <a:solidFill>
+                          <a:srgbClr val="000000"/>
+                        </a:solidFill>
+                        <a:effectLst/>
+                        <a:latin typeface="Calibri" panose="020F0502020204030204" pitchFamily="34" charset="0"/>
+                      </a:endParaRPr>
+                    </a:p>
+                  </a:txBody>
+                  <a:tcPr marL="5979" marR="5979" marT="5979" marB="0" anchor="ctr"/>
+                </a:tc>
+                <a:tc>
+                  <a:txBody>
+                    <a:bodyPr/>
+                    <a:lstStyle/>
+                    <a:p>
+                      <a:pPr algn="r" fontAlgn="b"/>
+                      <a:r>
+                        <a:rPr lang="en-IE" sz="1600" u="none" strike="noStrike">
+                          <a:effectLst/>
+                        </a:rPr>
+                        <a:t>3.60</a:t>
+                      </a:r>
+                      <a:endParaRPr lang="en-IE" sz="1600" b="0" i="0" u="none" strike="noStrike">
+                        <a:solidFill>
+                          <a:srgbClr val="000000"/>
+                        </a:solidFill>
+                        <a:effectLst/>
+                        <a:latin typeface="Calibri" panose="020F0502020204030204" pitchFamily="34" charset="0"/>
+                      </a:endParaRPr>
+                    </a:p>
+                  </a:txBody>
+                  <a:tcPr marL="5979" marR="5979" marT="5979" marB="0" anchor="ctr"/>
+                </a:tc>
+                <a:tc>
+                  <a:txBody>
+                    <a:bodyPr/>
+                    <a:lstStyle/>
+                    <a:p>
+                      <a:pPr algn="r" fontAlgn="b"/>
+                      <a:r>
+                        <a:rPr lang="en-IE" sz="1600" u="none" strike="noStrike">
+                          <a:effectLst/>
+                        </a:rPr>
+                        <a:t>-3.57</a:t>
+                      </a:r>
+                      <a:endParaRPr lang="en-IE" sz="1600" b="0" i="0" u="none" strike="noStrike">
+                        <a:solidFill>
+                          <a:srgbClr val="000000"/>
+                        </a:solidFill>
+                        <a:effectLst/>
+                        <a:latin typeface="Calibri" panose="020F0502020204030204" pitchFamily="34" charset="0"/>
+                      </a:endParaRPr>
+                    </a:p>
+                  </a:txBody>
+                  <a:tcPr marL="5979" marR="5979" marT="5979" marB="0" anchor="ctr"/>
+                </a:tc>
+                <a:extLst>
+                  <a:ext uri="{0D108BD9-81ED-4DB2-BD59-A6C34878D82A}">
+                    <a16:rowId xmlns:a16="http://schemas.microsoft.com/office/drawing/2014/main" val="2487154103"/>
+                  </a:ext>
+                </a:extLst>
+              </a:tr>
+              <a:tr h="342531">
+                <a:tc>
+                  <a:txBody>
+                    <a:bodyPr/>
+                    <a:lstStyle/>
+                    <a:p>
+                      <a:pPr algn="l" fontAlgn="b"/>
+                      <a:r>
+                        <a:rPr lang="en-IE" sz="1600" b="1" u="none" strike="noStrike" dirty="0">
+                          <a:effectLst/>
+                        </a:rPr>
+                        <a:t>hsa-miR-6763-5p</a:t>
+                      </a:r>
+                      <a:endParaRPr lang="en-IE" sz="1600" b="1" i="0" u="none" strike="noStrike" dirty="0">
+                        <a:solidFill>
+                          <a:srgbClr val="000000"/>
+                        </a:solidFill>
+                        <a:effectLst/>
+                        <a:latin typeface="Calibri" panose="020F0502020204030204" pitchFamily="34" charset="0"/>
+                      </a:endParaRPr>
+                    </a:p>
+                  </a:txBody>
+                  <a:tcPr marL="5979" marR="5979" marT="5979" marB="0" anchor="ctr"/>
+                </a:tc>
+                <a:tc>
+                  <a:txBody>
+                    <a:bodyPr/>
+                    <a:lstStyle/>
+                    <a:p>
+                      <a:pPr algn="r" fontAlgn="b"/>
+                      <a:r>
+                        <a:rPr lang="en-IE" sz="1600" b="1" u="none" strike="noStrike" dirty="0">
+                          <a:effectLst/>
+                        </a:rPr>
+                        <a:t>7561</a:t>
+                      </a:r>
+                      <a:endParaRPr lang="en-IE" sz="1600" b="1" i="0" u="none" strike="noStrike" dirty="0">
+                        <a:solidFill>
+                          <a:srgbClr val="000000"/>
+                        </a:solidFill>
+                        <a:effectLst/>
+                        <a:latin typeface="Calibri" panose="020F0502020204030204" pitchFamily="34" charset="0"/>
+                      </a:endParaRPr>
+                    </a:p>
+                  </a:txBody>
+                  <a:tcPr marL="5979" marR="5979" marT="5979" marB="0" anchor="ctr"/>
+                </a:tc>
+                <a:tc>
+                  <a:txBody>
+                    <a:bodyPr/>
+                    <a:lstStyle/>
+                    <a:p>
+                      <a:pPr algn="r" fontAlgn="b"/>
+                      <a:r>
+                        <a:rPr lang="en-IE" sz="1600" b="1" u="none" strike="noStrike" dirty="0">
+                          <a:effectLst/>
+                        </a:rPr>
+                        <a:t>4</a:t>
+                      </a:r>
+                      <a:endParaRPr lang="en-IE" sz="1600" b="1" i="0" u="none" strike="noStrike" dirty="0">
+                        <a:solidFill>
+                          <a:srgbClr val="000000"/>
+                        </a:solidFill>
+                        <a:effectLst/>
+                        <a:latin typeface="Calibri" panose="020F0502020204030204" pitchFamily="34" charset="0"/>
+                      </a:endParaRPr>
+                    </a:p>
+                  </a:txBody>
+                  <a:tcPr marL="5979" marR="5979" marT="5979" marB="0" anchor="ctr"/>
+                </a:tc>
+                <a:tc>
+                  <a:txBody>
+                    <a:bodyPr/>
+                    <a:lstStyle/>
+                    <a:p>
+                      <a:pPr algn="r" fontAlgn="b"/>
+                      <a:r>
+                        <a:rPr lang="en-IE" sz="1600" b="1" u="none" strike="noStrike" dirty="0">
+                          <a:effectLst/>
+                        </a:rPr>
+                        <a:t>5.29E-04</a:t>
+                      </a:r>
+                      <a:endParaRPr lang="en-IE" sz="1600" b="1" i="0" u="none" strike="noStrike" dirty="0">
+                        <a:solidFill>
+                          <a:srgbClr val="000000"/>
+                        </a:solidFill>
+                        <a:effectLst/>
+                        <a:latin typeface="Calibri" panose="020F0502020204030204" pitchFamily="34" charset="0"/>
+                      </a:endParaRPr>
+                    </a:p>
+                  </a:txBody>
+                  <a:tcPr marL="5979" marR="5979" marT="5979" marB="0" anchor="ctr"/>
+                </a:tc>
+                <a:tc>
+                  <a:txBody>
+                    <a:bodyPr/>
+                    <a:lstStyle/>
+                    <a:p>
+                      <a:pPr algn="r" fontAlgn="b"/>
+                      <a:r>
+                        <a:rPr lang="en-IE" sz="1600" b="1" u="none" strike="noStrike" dirty="0">
+                          <a:effectLst/>
+                        </a:rPr>
+                        <a:t>0.05</a:t>
+                      </a:r>
+                      <a:endParaRPr lang="en-IE" sz="1600" b="1" i="0" u="none" strike="noStrike" dirty="0">
+                        <a:solidFill>
+                          <a:srgbClr val="000000"/>
+                        </a:solidFill>
+                        <a:effectLst/>
+                        <a:latin typeface="Calibri" panose="020F0502020204030204" pitchFamily="34" charset="0"/>
+                      </a:endParaRPr>
+                    </a:p>
+                  </a:txBody>
+                  <a:tcPr marL="5979" marR="5979" marT="5979" marB="0" anchor="ctr"/>
+                </a:tc>
+                <a:tc>
+                  <a:txBody>
+                    <a:bodyPr/>
+                    <a:lstStyle/>
+                    <a:p>
+                      <a:pPr algn="r" fontAlgn="b"/>
+                      <a:r>
+                        <a:rPr lang="en-IE" sz="1600" b="1" u="none" strike="noStrike" dirty="0">
+                          <a:effectLst/>
+                        </a:rPr>
+                        <a:t>4.25</a:t>
+                      </a:r>
+                      <a:endParaRPr lang="en-IE" sz="1600" b="1" i="0" u="none" strike="noStrike" dirty="0">
+                        <a:solidFill>
+                          <a:srgbClr val="000000"/>
+                        </a:solidFill>
+                        <a:effectLst/>
+                        <a:latin typeface="Calibri" panose="020F0502020204030204" pitchFamily="34" charset="0"/>
+                      </a:endParaRPr>
+                    </a:p>
+                  </a:txBody>
+                  <a:tcPr marL="5979" marR="5979" marT="5979" marB="0" anchor="ctr"/>
+                </a:tc>
+                <a:tc>
+                  <a:txBody>
+                    <a:bodyPr/>
+                    <a:lstStyle/>
+                    <a:p>
+                      <a:pPr algn="r" fontAlgn="b"/>
+                      <a:r>
+                        <a:rPr lang="en-IE" sz="1600" b="1" u="none" strike="noStrike" dirty="0">
+                          <a:effectLst/>
+                        </a:rPr>
+                        <a:t>-4.20</a:t>
+                      </a:r>
+                      <a:endParaRPr lang="en-IE" sz="1600" b="1" i="0" u="none" strike="noStrike" dirty="0">
+                        <a:solidFill>
+                          <a:srgbClr val="000000"/>
+                        </a:solidFill>
+                        <a:effectLst/>
+                        <a:latin typeface="Calibri" panose="020F0502020204030204" pitchFamily="34" charset="0"/>
+                      </a:endParaRPr>
+                    </a:p>
+                  </a:txBody>
+                  <a:tcPr marL="5979" marR="5979" marT="5979" marB="0" anchor="ctr"/>
+                </a:tc>
+                <a:extLst>
+                  <a:ext uri="{0D108BD9-81ED-4DB2-BD59-A6C34878D82A}">
+                    <a16:rowId xmlns:a16="http://schemas.microsoft.com/office/drawing/2014/main" val="3282313211"/>
+                  </a:ext>
+                </a:extLst>
+              </a:tr>
+              <a:tr h="342531">
+                <a:tc>
+                  <a:txBody>
+                    <a:bodyPr/>
+                    <a:lstStyle/>
+                    <a:p>
+                      <a:pPr algn="l" fontAlgn="b"/>
+                      <a:r>
+                        <a:rPr lang="en-IE" sz="1600" u="none" strike="noStrike">
+                          <a:effectLst/>
+                        </a:rPr>
+                        <a:t>hsa-miR-6794-5p</a:t>
+                      </a:r>
+                      <a:endParaRPr lang="en-IE" sz="1600" b="0" i="0" u="none" strike="noStrike">
+                        <a:solidFill>
+                          <a:srgbClr val="000000"/>
+                        </a:solidFill>
+                        <a:effectLst/>
+                        <a:latin typeface="Calibri" panose="020F0502020204030204" pitchFamily="34" charset="0"/>
+                      </a:endParaRPr>
+                    </a:p>
+                  </a:txBody>
+                  <a:tcPr marL="5979" marR="5979" marT="5979" marB="0" anchor="ctr"/>
+                </a:tc>
+                <a:tc>
+                  <a:txBody>
+                    <a:bodyPr/>
+                    <a:lstStyle/>
+                    <a:p>
+                      <a:pPr algn="r" fontAlgn="b"/>
+                      <a:r>
+                        <a:rPr lang="en-IE" sz="1600" u="none" strike="noStrike">
+                          <a:effectLst/>
+                        </a:rPr>
+                        <a:t>6439</a:t>
+                      </a:r>
+                      <a:endParaRPr lang="en-IE" sz="1600" b="0" i="0" u="none" strike="noStrike">
+                        <a:solidFill>
+                          <a:srgbClr val="000000"/>
+                        </a:solidFill>
+                        <a:effectLst/>
+                        <a:latin typeface="Calibri" panose="020F0502020204030204" pitchFamily="34" charset="0"/>
+                      </a:endParaRPr>
+                    </a:p>
+                  </a:txBody>
+                  <a:tcPr marL="5979" marR="5979" marT="5979" marB="0" anchor="ctr"/>
+                </a:tc>
+                <a:tc>
+                  <a:txBody>
+                    <a:bodyPr/>
+                    <a:lstStyle/>
+                    <a:p>
+                      <a:pPr algn="r" fontAlgn="b"/>
+                      <a:r>
+                        <a:rPr lang="en-IE" sz="1600" u="none" strike="noStrike">
+                          <a:effectLst/>
+                        </a:rPr>
+                        <a:t>3</a:t>
+                      </a:r>
+                      <a:endParaRPr lang="en-IE" sz="1600" b="0" i="0" u="none" strike="noStrike">
+                        <a:solidFill>
+                          <a:srgbClr val="000000"/>
+                        </a:solidFill>
+                        <a:effectLst/>
+                        <a:latin typeface="Calibri" panose="020F0502020204030204" pitchFamily="34" charset="0"/>
+                      </a:endParaRPr>
+                    </a:p>
+                  </a:txBody>
+                  <a:tcPr marL="5979" marR="5979" marT="5979" marB="0" anchor="ctr"/>
+                </a:tc>
+                <a:tc>
+                  <a:txBody>
+                    <a:bodyPr/>
+                    <a:lstStyle/>
+                    <a:p>
+                      <a:pPr algn="r" fontAlgn="b"/>
+                      <a:r>
+                        <a:rPr lang="en-IE" sz="1600" u="none" strike="noStrike">
+                          <a:effectLst/>
+                        </a:rPr>
+                        <a:t>4.66E-04</a:t>
+                      </a:r>
+                      <a:endParaRPr lang="en-IE" sz="1600" b="0" i="0" u="none" strike="noStrike">
+                        <a:solidFill>
+                          <a:srgbClr val="000000"/>
+                        </a:solidFill>
+                        <a:effectLst/>
+                        <a:latin typeface="Calibri" panose="020F0502020204030204" pitchFamily="34" charset="0"/>
+                      </a:endParaRPr>
+                    </a:p>
+                  </a:txBody>
+                  <a:tcPr marL="5979" marR="5979" marT="5979" marB="0" anchor="ctr"/>
+                </a:tc>
+                <a:tc>
+                  <a:txBody>
+                    <a:bodyPr/>
+                    <a:lstStyle/>
+                    <a:p>
+                      <a:pPr algn="r" fontAlgn="b"/>
+                      <a:r>
+                        <a:rPr lang="en-IE" sz="1600" u="none" strike="noStrike">
+                          <a:effectLst/>
+                        </a:rPr>
+                        <a:t>0.05</a:t>
+                      </a:r>
+                      <a:endParaRPr lang="en-IE" sz="1600" b="0" i="0" u="none" strike="noStrike">
+                        <a:solidFill>
+                          <a:srgbClr val="000000"/>
+                        </a:solidFill>
+                        <a:effectLst/>
+                        <a:latin typeface="Calibri" panose="020F0502020204030204" pitchFamily="34" charset="0"/>
+                      </a:endParaRPr>
+                    </a:p>
+                  </a:txBody>
+                  <a:tcPr marL="5979" marR="5979" marT="5979" marB="0" anchor="ctr"/>
+                </a:tc>
+                <a:tc>
+                  <a:txBody>
+                    <a:bodyPr/>
+                    <a:lstStyle/>
+                    <a:p>
+                      <a:pPr algn="r" fontAlgn="b"/>
+                      <a:r>
+                        <a:rPr lang="en-IE" sz="1600" u="none" strike="noStrike">
+                          <a:effectLst/>
+                        </a:rPr>
+                        <a:t>3.62</a:t>
+                      </a:r>
+                      <a:endParaRPr lang="en-IE" sz="1600" b="0" i="0" u="none" strike="noStrike">
+                        <a:solidFill>
+                          <a:srgbClr val="000000"/>
+                        </a:solidFill>
+                        <a:effectLst/>
+                        <a:latin typeface="Calibri" panose="020F0502020204030204" pitchFamily="34" charset="0"/>
+                      </a:endParaRPr>
+                    </a:p>
+                  </a:txBody>
+                  <a:tcPr marL="5979" marR="5979" marT="5979" marB="0" anchor="ctr"/>
+                </a:tc>
+                <a:tc>
+                  <a:txBody>
+                    <a:bodyPr/>
+                    <a:lstStyle/>
+                    <a:p>
+                      <a:pPr algn="r" fontAlgn="b"/>
+                      <a:r>
+                        <a:rPr lang="en-IE" sz="1600" u="none" strike="noStrike">
+                          <a:effectLst/>
+                        </a:rPr>
+                        <a:t>-3.57</a:t>
+                      </a:r>
+                      <a:endParaRPr lang="en-IE" sz="1600" b="0" i="0" u="none" strike="noStrike">
+                        <a:solidFill>
+                          <a:srgbClr val="000000"/>
+                        </a:solidFill>
+                        <a:effectLst/>
+                        <a:latin typeface="Calibri" panose="020F0502020204030204" pitchFamily="34" charset="0"/>
+                      </a:endParaRPr>
+                    </a:p>
+                  </a:txBody>
+                  <a:tcPr marL="5979" marR="5979" marT="5979" marB="0" anchor="ctr"/>
+                </a:tc>
+                <a:extLst>
+                  <a:ext uri="{0D108BD9-81ED-4DB2-BD59-A6C34878D82A}">
+                    <a16:rowId xmlns:a16="http://schemas.microsoft.com/office/drawing/2014/main" val="1388083666"/>
+                  </a:ext>
+                </a:extLst>
+              </a:tr>
+              <a:tr h="342531">
+                <a:tc>
+                  <a:txBody>
+                    <a:bodyPr/>
+                    <a:lstStyle/>
+                    <a:p>
+                      <a:pPr algn="l" fontAlgn="b"/>
+                      <a:r>
+                        <a:rPr lang="en-IE" sz="1600" u="none" strike="noStrike">
+                          <a:effectLst/>
+                        </a:rPr>
+                        <a:t>hsa-miR-6856-5p</a:t>
+                      </a:r>
+                      <a:endParaRPr lang="en-IE" sz="1600" b="0" i="0" u="none" strike="noStrike">
+                        <a:solidFill>
+                          <a:srgbClr val="000000"/>
+                        </a:solidFill>
+                        <a:effectLst/>
+                        <a:latin typeface="Calibri" panose="020F0502020204030204" pitchFamily="34" charset="0"/>
+                      </a:endParaRPr>
+                    </a:p>
+                  </a:txBody>
+                  <a:tcPr marL="5979" marR="5979" marT="5979" marB="0" anchor="ctr"/>
+                </a:tc>
+                <a:tc>
+                  <a:txBody>
+                    <a:bodyPr/>
+                    <a:lstStyle/>
+                    <a:p>
+                      <a:pPr algn="r" fontAlgn="b"/>
+                      <a:r>
+                        <a:rPr lang="en-IE" sz="1600" u="none" strike="noStrike">
+                          <a:effectLst/>
+                        </a:rPr>
+                        <a:t>6175</a:t>
+                      </a:r>
+                      <a:endParaRPr lang="en-IE" sz="1600" b="0" i="0" u="none" strike="noStrike">
+                        <a:solidFill>
+                          <a:srgbClr val="000000"/>
+                        </a:solidFill>
+                        <a:effectLst/>
+                        <a:latin typeface="Calibri" panose="020F0502020204030204" pitchFamily="34" charset="0"/>
+                      </a:endParaRPr>
+                    </a:p>
+                  </a:txBody>
+                  <a:tcPr marL="5979" marR="5979" marT="5979" marB="0" anchor="ctr"/>
+                </a:tc>
+                <a:tc>
+                  <a:txBody>
+                    <a:bodyPr/>
+                    <a:lstStyle/>
+                    <a:p>
+                      <a:pPr algn="r" fontAlgn="b"/>
+                      <a:r>
+                        <a:rPr lang="en-IE" sz="1600" u="none" strike="noStrike">
+                          <a:effectLst/>
+                        </a:rPr>
+                        <a:t>3</a:t>
+                      </a:r>
+                      <a:endParaRPr lang="en-IE" sz="1600" b="0" i="0" u="none" strike="noStrike">
+                        <a:solidFill>
+                          <a:srgbClr val="000000"/>
+                        </a:solidFill>
+                        <a:effectLst/>
+                        <a:latin typeface="Calibri" panose="020F0502020204030204" pitchFamily="34" charset="0"/>
+                      </a:endParaRPr>
+                    </a:p>
+                  </a:txBody>
+                  <a:tcPr marL="5979" marR="5979" marT="5979" marB="0" anchor="ctr"/>
+                </a:tc>
+                <a:tc>
+                  <a:txBody>
+                    <a:bodyPr/>
+                    <a:lstStyle/>
+                    <a:p>
+                      <a:pPr algn="r" fontAlgn="b"/>
+                      <a:r>
+                        <a:rPr lang="en-IE" sz="1600" u="none" strike="noStrike">
+                          <a:effectLst/>
+                        </a:rPr>
+                        <a:t>4.86E-04</a:t>
+                      </a:r>
+                      <a:endParaRPr lang="en-IE" sz="1600" b="0" i="0" u="none" strike="noStrike">
+                        <a:solidFill>
+                          <a:srgbClr val="000000"/>
+                        </a:solidFill>
+                        <a:effectLst/>
+                        <a:latin typeface="Calibri" panose="020F0502020204030204" pitchFamily="34" charset="0"/>
+                      </a:endParaRPr>
+                    </a:p>
+                  </a:txBody>
+                  <a:tcPr marL="5979" marR="5979" marT="5979" marB="0" anchor="ctr"/>
+                </a:tc>
+                <a:tc>
+                  <a:txBody>
+                    <a:bodyPr/>
+                    <a:lstStyle/>
+                    <a:p>
+                      <a:pPr algn="r" fontAlgn="b"/>
+                      <a:r>
+                        <a:rPr lang="en-IE" sz="1600" u="none" strike="noStrike">
+                          <a:effectLst/>
+                        </a:rPr>
+                        <a:t>0.05</a:t>
+                      </a:r>
+                      <a:endParaRPr lang="en-IE" sz="1600" b="0" i="0" u="none" strike="noStrike">
+                        <a:solidFill>
+                          <a:srgbClr val="000000"/>
+                        </a:solidFill>
+                        <a:effectLst/>
+                        <a:latin typeface="Calibri" panose="020F0502020204030204" pitchFamily="34" charset="0"/>
+                      </a:endParaRPr>
+                    </a:p>
+                  </a:txBody>
+                  <a:tcPr marL="5979" marR="5979" marT="5979" marB="0" anchor="ctr"/>
+                </a:tc>
+                <a:tc>
+                  <a:txBody>
+                    <a:bodyPr/>
+                    <a:lstStyle/>
+                    <a:p>
+                      <a:pPr algn="r" fontAlgn="b"/>
+                      <a:r>
+                        <a:rPr lang="en-IE" sz="1600" u="none" strike="noStrike">
+                          <a:effectLst/>
+                        </a:rPr>
+                        <a:t>3.47</a:t>
+                      </a:r>
+                      <a:endParaRPr lang="en-IE" sz="1600" b="0" i="0" u="none" strike="noStrike">
+                        <a:solidFill>
+                          <a:srgbClr val="000000"/>
+                        </a:solidFill>
+                        <a:effectLst/>
+                        <a:latin typeface="Calibri" panose="020F0502020204030204" pitchFamily="34" charset="0"/>
+                      </a:endParaRPr>
+                    </a:p>
+                  </a:txBody>
+                  <a:tcPr marL="5979" marR="5979" marT="5979" marB="0" anchor="ctr"/>
+                </a:tc>
+                <a:tc>
+                  <a:txBody>
+                    <a:bodyPr/>
+                    <a:lstStyle/>
+                    <a:p>
+                      <a:pPr algn="r" fontAlgn="b"/>
+                      <a:r>
+                        <a:rPr lang="en-IE" sz="1600" u="none" strike="noStrike">
+                          <a:effectLst/>
+                        </a:rPr>
+                        <a:t>-3.42</a:t>
+                      </a:r>
+                      <a:endParaRPr lang="en-IE" sz="1600" b="0" i="0" u="none" strike="noStrike">
+                        <a:solidFill>
+                          <a:srgbClr val="000000"/>
+                        </a:solidFill>
+                        <a:effectLst/>
+                        <a:latin typeface="Calibri" panose="020F0502020204030204" pitchFamily="34" charset="0"/>
+                      </a:endParaRPr>
+                    </a:p>
+                  </a:txBody>
+                  <a:tcPr marL="5979" marR="5979" marT="5979" marB="0" anchor="ctr"/>
+                </a:tc>
+                <a:extLst>
+                  <a:ext uri="{0D108BD9-81ED-4DB2-BD59-A6C34878D82A}">
+                    <a16:rowId xmlns:a16="http://schemas.microsoft.com/office/drawing/2014/main" val="3209466677"/>
+                  </a:ext>
+                </a:extLst>
+              </a:tr>
+              <a:tr h="342531">
+                <a:tc>
+                  <a:txBody>
+                    <a:bodyPr/>
+                    <a:lstStyle/>
+                    <a:p>
+                      <a:pPr algn="l" fontAlgn="b"/>
+                      <a:r>
+                        <a:rPr lang="en-IE" sz="1600" u="none" strike="noStrike">
+                          <a:effectLst/>
+                        </a:rPr>
+                        <a:t>hsa-miR-8089</a:t>
+                      </a:r>
+                      <a:endParaRPr lang="en-IE" sz="1600" b="0" i="0" u="none" strike="noStrike">
+                        <a:solidFill>
+                          <a:srgbClr val="000000"/>
+                        </a:solidFill>
+                        <a:effectLst/>
+                        <a:latin typeface="Calibri" panose="020F0502020204030204" pitchFamily="34" charset="0"/>
+                      </a:endParaRPr>
+                    </a:p>
+                  </a:txBody>
+                  <a:tcPr marL="5979" marR="5979" marT="5979" marB="0" anchor="ctr"/>
+                </a:tc>
+                <a:tc>
+                  <a:txBody>
+                    <a:bodyPr/>
+                    <a:lstStyle/>
+                    <a:p>
+                      <a:pPr algn="r" fontAlgn="b"/>
+                      <a:r>
+                        <a:rPr lang="en-IE" sz="1600" u="none" strike="noStrike">
+                          <a:effectLst/>
+                        </a:rPr>
+                        <a:t>6658</a:t>
+                      </a:r>
+                      <a:endParaRPr lang="en-IE" sz="1600" b="0" i="0" u="none" strike="noStrike">
+                        <a:solidFill>
+                          <a:srgbClr val="000000"/>
+                        </a:solidFill>
+                        <a:effectLst/>
+                        <a:latin typeface="Calibri" panose="020F0502020204030204" pitchFamily="34" charset="0"/>
+                      </a:endParaRPr>
+                    </a:p>
+                  </a:txBody>
+                  <a:tcPr marL="5979" marR="5979" marT="5979" marB="0" anchor="ctr"/>
+                </a:tc>
+                <a:tc>
+                  <a:txBody>
+                    <a:bodyPr/>
+                    <a:lstStyle/>
+                    <a:p>
+                      <a:pPr algn="r" fontAlgn="b"/>
+                      <a:r>
+                        <a:rPr lang="en-IE" sz="1600" u="none" strike="noStrike">
+                          <a:effectLst/>
+                        </a:rPr>
+                        <a:t>3</a:t>
+                      </a:r>
+                      <a:endParaRPr lang="en-IE" sz="1600" b="0" i="0" u="none" strike="noStrike">
+                        <a:solidFill>
+                          <a:srgbClr val="000000"/>
+                        </a:solidFill>
+                        <a:effectLst/>
+                        <a:latin typeface="Calibri" panose="020F0502020204030204" pitchFamily="34" charset="0"/>
+                      </a:endParaRPr>
+                    </a:p>
+                  </a:txBody>
+                  <a:tcPr marL="5979" marR="5979" marT="5979" marB="0" anchor="ctr"/>
+                </a:tc>
+                <a:tc>
+                  <a:txBody>
+                    <a:bodyPr/>
+                    <a:lstStyle/>
+                    <a:p>
+                      <a:pPr algn="r" fontAlgn="b"/>
+                      <a:r>
+                        <a:rPr lang="en-IE" sz="1600" u="none" strike="noStrike">
+                          <a:effectLst/>
+                        </a:rPr>
+                        <a:t>4.51E-04</a:t>
+                      </a:r>
+                      <a:endParaRPr lang="en-IE" sz="1600" b="0" i="0" u="none" strike="noStrike">
+                        <a:solidFill>
+                          <a:srgbClr val="000000"/>
+                        </a:solidFill>
+                        <a:effectLst/>
+                        <a:latin typeface="Calibri" panose="020F0502020204030204" pitchFamily="34" charset="0"/>
+                      </a:endParaRPr>
+                    </a:p>
+                  </a:txBody>
+                  <a:tcPr marL="5979" marR="5979" marT="5979" marB="0" anchor="ctr"/>
+                </a:tc>
+                <a:tc>
+                  <a:txBody>
+                    <a:bodyPr/>
+                    <a:lstStyle/>
+                    <a:p>
+                      <a:pPr algn="r" fontAlgn="b"/>
+                      <a:r>
+                        <a:rPr lang="en-IE" sz="1600" u="none" strike="noStrike">
+                          <a:effectLst/>
+                        </a:rPr>
+                        <a:t>0.05</a:t>
+                      </a:r>
+                      <a:endParaRPr lang="en-IE" sz="1600" b="0" i="0" u="none" strike="noStrike">
+                        <a:solidFill>
+                          <a:srgbClr val="000000"/>
+                        </a:solidFill>
+                        <a:effectLst/>
+                        <a:latin typeface="Calibri" panose="020F0502020204030204" pitchFamily="34" charset="0"/>
+                      </a:endParaRPr>
+                    </a:p>
+                  </a:txBody>
+                  <a:tcPr marL="5979" marR="5979" marT="5979" marB="0" anchor="ctr"/>
+                </a:tc>
+                <a:tc>
+                  <a:txBody>
+                    <a:bodyPr/>
+                    <a:lstStyle/>
+                    <a:p>
+                      <a:pPr algn="r" fontAlgn="b"/>
+                      <a:r>
+                        <a:rPr lang="en-IE" sz="1600" u="none" strike="noStrike">
+                          <a:effectLst/>
+                        </a:rPr>
+                        <a:t>3.74</a:t>
+                      </a:r>
+                      <a:endParaRPr lang="en-IE" sz="1600" b="0" i="0" u="none" strike="noStrike">
+                        <a:solidFill>
+                          <a:srgbClr val="000000"/>
+                        </a:solidFill>
+                        <a:effectLst/>
+                        <a:latin typeface="Calibri" panose="020F0502020204030204" pitchFamily="34" charset="0"/>
+                      </a:endParaRPr>
+                    </a:p>
+                  </a:txBody>
+                  <a:tcPr marL="5979" marR="5979" marT="5979" marB="0" anchor="ctr"/>
+                </a:tc>
+                <a:tc>
+                  <a:txBody>
+                    <a:bodyPr/>
+                    <a:lstStyle/>
+                    <a:p>
+                      <a:pPr algn="r" fontAlgn="b"/>
+                      <a:r>
+                        <a:rPr lang="en-IE" sz="1600" u="none" strike="noStrike" dirty="0">
+                          <a:effectLst/>
+                        </a:rPr>
+                        <a:t>-3.70</a:t>
+                      </a:r>
+                      <a:endParaRPr lang="en-IE" sz="1600" b="0" i="0" u="none" strike="noStrike" dirty="0">
+                        <a:solidFill>
+                          <a:srgbClr val="000000"/>
+                        </a:solidFill>
+                        <a:effectLst/>
+                        <a:latin typeface="Calibri" panose="020F0502020204030204" pitchFamily="34" charset="0"/>
+                      </a:endParaRPr>
+                    </a:p>
+                  </a:txBody>
+                  <a:tcPr marL="5979" marR="5979" marT="5979" marB="0" anchor="ctr"/>
+                </a:tc>
+                <a:extLst>
+                  <a:ext uri="{0D108BD9-81ED-4DB2-BD59-A6C34878D82A}">
+                    <a16:rowId xmlns:a16="http://schemas.microsoft.com/office/drawing/2014/main" val="4144732531"/>
+                  </a:ext>
+                </a:extLst>
+              </a:tr>
+            </a:tbl>
+          </a:graphicData>
+        </a:graphic>
+      </p:graphicFrame>
+    </p:spTree>
+    <p:extLst>
+      <p:ext uri="{BB962C8B-B14F-4D97-AF65-F5344CB8AC3E}">
+        <p14:creationId xmlns:p14="http://schemas.microsoft.com/office/powerpoint/2010/main" val="3501644891"/>
+      </p:ext>
+    </p:extLst>
+  </p:cSld>
+  <p:clrMapOvr>
+    <a:masterClrMapping/>
+  </p:clrMapOvr>
+</p:sld>
+</file>
+
+<file path=ppt/slides/slide37.xml><?xml version="1.0" encoding="utf-8"?>
+<p:sld xmlns:a="http://schemas.openxmlformats.org/drawingml/2006/main" xmlns:r="http://schemas.openxmlformats.org/officeDocument/2006/relationships" xmlns:p="http://schemas.openxmlformats.org/presentationml/2006/main">
+  <p:cSld>
+    <p:spTree>
+      <p:nvGrpSpPr>
+        <p:cNvPr id="1" name=""/>
+        <p:cNvGrpSpPr/>
+        <p:nvPr/>
+      </p:nvGrpSpPr>
+      <p:grpSpPr>
+        <a:xfrm>
+          <a:off x="0" y="0"/>
+          <a:ext cx="0" cy="0"/>
+          <a:chOff x="0" y="0"/>
+          <a:chExt cx="0" cy="0"/>
+        </a:xfrm>
+      </p:grpSpPr>
+      <p:sp>
+        <p:nvSpPr>
+          <p:cNvPr id="2" name="Title 1"/>
+          <p:cNvSpPr>
+            <a:spLocks noGrp="1"/>
+          </p:cNvSpPr>
+          <p:nvPr>
+            <p:ph type="title"/>
+          </p:nvPr>
+        </p:nvSpPr>
+        <p:spPr>
+          <a:xfrm>
+            <a:off x="800100" y="1952625"/>
+            <a:ext cx="10515600" cy="1325563"/>
+          </a:xfrm>
+        </p:spPr>
+        <p:txBody>
+          <a:bodyPr/>
+          <a:lstStyle/>
+          <a:p>
+            <a:r>
+              <a:rPr lang="en-US" dirty="0" smtClean="0"/>
+              <a:t>We need more information</a:t>
+            </a:r>
+            <a:endParaRPr lang="en-IE" dirty="0"/>
+          </a:p>
+        </p:txBody>
+      </p:sp>
+    </p:spTree>
+    <p:extLst>
+      <p:ext uri="{BB962C8B-B14F-4D97-AF65-F5344CB8AC3E}">
+        <p14:creationId xmlns:p14="http://schemas.microsoft.com/office/powerpoint/2010/main" val="4031154628"/>
+      </p:ext>
+    </p:extLst>
+  </p:cSld>
+  <p:clrMapOvr>
+    <a:masterClrMapping/>
+  </p:clrMapOvr>
+</p:sld>
+</file>
+
+<file path=ppt/slides/slide38.xml><?xml version="1.0" encoding="utf-8"?>
+<p:sld xmlns:a="http://schemas.openxmlformats.org/drawingml/2006/main" xmlns:r="http://schemas.openxmlformats.org/officeDocument/2006/relationships" xmlns:p="http://schemas.openxmlformats.org/presentationml/2006/main">
+  <p:cSld>
+    <p:spTree>
+      <p:nvGrpSpPr>
+        <p:cNvPr id="1" name=""/>
+        <p:cNvGrpSpPr/>
+        <p:nvPr/>
+      </p:nvGrpSpPr>
+      <p:grpSpPr>
+        <a:xfrm>
+          <a:off x="0" y="0"/>
+          <a:ext cx="0" cy="0"/>
+          <a:chOff x="0" y="0"/>
+          <a:chExt cx="0" cy="0"/>
+        </a:xfrm>
+      </p:grpSpPr>
+      <p:sp>
+        <p:nvSpPr>
+          <p:cNvPr id="2" name="Title 1"/>
+          <p:cNvSpPr>
+            <a:spLocks noGrp="1"/>
+          </p:cNvSpPr>
+          <p:nvPr>
+            <p:ph type="title"/>
+          </p:nvPr>
+        </p:nvSpPr>
+        <p:spPr/>
+        <p:txBody>
+          <a:bodyPr/>
+          <a:lstStyle/>
+          <a:p>
+            <a:r>
+              <a:rPr lang="en-US" dirty="0" smtClean="0"/>
+              <a:t>Let’s add the differential expression</a:t>
+            </a:r>
+            <a:endParaRPr lang="en-IE" dirty="0"/>
+          </a:p>
+        </p:txBody>
+      </p:sp>
+      <p:pic>
+        <p:nvPicPr>
+          <p:cNvPr id="4" name="Content Placeholder 3"/>
+          <p:cNvPicPr>
+            <a:picLocks noGrp="1" noChangeAspect="1"/>
+          </p:cNvPicPr>
+          <p:nvPr>
+            <p:ph idx="1"/>
+          </p:nvPr>
+        </p:nvPicPr>
+        <p:blipFill>
+          <a:blip r:embed="rId2"/>
+          <a:stretch>
+            <a:fillRect/>
+          </a:stretch>
+        </p:blipFill>
+        <p:spPr>
+          <a:xfrm>
+            <a:off x="838200" y="1439906"/>
+            <a:ext cx="5353797" cy="1648055"/>
+          </a:xfrm>
+          <a:prstGeom prst="rect">
+            <a:avLst/>
+          </a:prstGeom>
+        </p:spPr>
+      </p:pic>
+      <p:pic>
+        <p:nvPicPr>
+          <p:cNvPr id="5" name="Picture 4"/>
+          <p:cNvPicPr>
+            <a:picLocks noChangeAspect="1"/>
+          </p:cNvPicPr>
+          <p:nvPr/>
+        </p:nvPicPr>
+        <p:blipFill>
+          <a:blip r:embed="rId3"/>
+          <a:stretch>
+            <a:fillRect/>
+          </a:stretch>
+        </p:blipFill>
+        <p:spPr>
+          <a:xfrm>
+            <a:off x="1384199" y="4485234"/>
+            <a:ext cx="7325747" cy="1362265"/>
+          </a:xfrm>
+          <a:prstGeom prst="rect">
+            <a:avLst/>
+          </a:prstGeom>
+        </p:spPr>
+      </p:pic>
+      <p:sp>
+        <p:nvSpPr>
+          <p:cNvPr id="6" name="TextBox 5"/>
+          <p:cNvSpPr txBox="1"/>
+          <p:nvPr/>
+        </p:nvSpPr>
+        <p:spPr>
+          <a:xfrm>
+            <a:off x="4376056" y="3087961"/>
+            <a:ext cx="1342034" cy="369332"/>
+          </a:xfrm>
+          <a:prstGeom prst="rect">
+            <a:avLst/>
+          </a:prstGeom>
+          <a:noFill/>
+        </p:spPr>
+        <p:txBody>
+          <a:bodyPr wrap="none" rtlCol="0">
+            <a:spAutoFit/>
+          </a:bodyPr>
+          <a:lstStyle/>
+          <a:p>
+            <a:r>
+              <a:rPr lang="en-US" dirty="0" smtClean="0"/>
+              <a:t>(Ugly paper)</a:t>
+            </a:r>
+            <a:endParaRPr lang="en-IE" dirty="0"/>
+          </a:p>
+        </p:txBody>
+      </p:sp>
+    </p:spTree>
+    <p:extLst>
+      <p:ext uri="{BB962C8B-B14F-4D97-AF65-F5344CB8AC3E}">
+        <p14:creationId xmlns:p14="http://schemas.microsoft.com/office/powerpoint/2010/main" val="827541289"/>
+      </p:ext>
+    </p:extLst>
+  </p:cSld>
+  <p:clrMapOvr>
+    <a:masterClrMapping/>
+  </p:clrMapOvr>
+</p:sld>
+</file>
+
+<file path=ppt/slides/slide39.xml><?xml version="1.0" encoding="utf-8"?>
+<p:sld xmlns:a="http://schemas.openxmlformats.org/drawingml/2006/main" xmlns:r="http://schemas.openxmlformats.org/officeDocument/2006/relationships" xmlns:p="http://schemas.openxmlformats.org/presentationml/2006/main">
+  <p:cSld>
+    <p:spTree>
+      <p:nvGrpSpPr>
+        <p:cNvPr id="1" name=""/>
+        <p:cNvGrpSpPr/>
+        <p:nvPr/>
+      </p:nvGrpSpPr>
+      <p:grpSpPr>
+        <a:xfrm>
+          <a:off x="0" y="0"/>
+          <a:ext cx="0" cy="0"/>
+          <a:chOff x="0" y="0"/>
+          <a:chExt cx="0" cy="0"/>
+        </a:xfrm>
+      </p:grpSpPr>
+      <p:sp>
+        <p:nvSpPr>
+          <p:cNvPr id="2" name="Title 1"/>
+          <p:cNvSpPr>
+            <a:spLocks noGrp="1"/>
+          </p:cNvSpPr>
+          <p:nvPr>
+            <p:ph type="title"/>
+          </p:nvPr>
+        </p:nvSpPr>
+        <p:spPr/>
+        <p:txBody>
+          <a:bodyPr/>
+          <a:lstStyle/>
+          <a:p>
+            <a:endParaRPr lang="en-IE"/>
+          </a:p>
+        </p:txBody>
+      </p:sp>
+      <p:pic>
+        <p:nvPicPr>
+          <p:cNvPr id="4" name="Picture 3"/>
+          <p:cNvPicPr>
+            <a:picLocks noChangeAspect="1"/>
+          </p:cNvPicPr>
+          <p:nvPr/>
+        </p:nvPicPr>
+        <p:blipFill>
+          <a:blip r:embed="rId2"/>
+          <a:stretch>
+            <a:fillRect/>
+          </a:stretch>
+        </p:blipFill>
+        <p:spPr>
+          <a:xfrm>
+            <a:off x="838200" y="365125"/>
+            <a:ext cx="7582958" cy="4420217"/>
+          </a:xfrm>
+          <a:prstGeom prst="rect">
+            <a:avLst/>
+          </a:prstGeom>
+        </p:spPr>
+      </p:pic>
+      <p:pic>
+        <p:nvPicPr>
+          <p:cNvPr id="5" name="Picture 4"/>
+          <p:cNvPicPr>
+            <a:picLocks noChangeAspect="1"/>
+          </p:cNvPicPr>
+          <p:nvPr/>
+        </p:nvPicPr>
+        <p:blipFill>
+          <a:blip r:embed="rId3"/>
+          <a:stretch>
+            <a:fillRect/>
+          </a:stretch>
+        </p:blipFill>
+        <p:spPr>
+          <a:xfrm>
+            <a:off x="6096000" y="4526152"/>
+            <a:ext cx="5210902" cy="1829055"/>
+          </a:xfrm>
+          <a:prstGeom prst="rect">
+            <a:avLst/>
+          </a:prstGeom>
+        </p:spPr>
+      </p:pic>
+    </p:spTree>
+    <p:extLst>
+      <p:ext uri="{BB962C8B-B14F-4D97-AF65-F5344CB8AC3E}">
+        <p14:creationId xmlns:p14="http://schemas.microsoft.com/office/powerpoint/2010/main" val="3636371542"/>
+      </p:ext>
+    </p:extLst>
+  </p:cSld>
+  <p:clrMapOvr>
+    <a:masterClrMapping/>
+  </p:clrMapOvr>
+</p:sld>
+</file>
+
+<file path=ppt/slides/slide4.xml><?xml version="1.0" encoding="utf-8"?>
+<p:sld xmlns:a="http://schemas.openxmlformats.org/drawingml/2006/main" xmlns:r="http://schemas.openxmlformats.org/officeDocument/2006/relationships" xmlns:p="http://schemas.openxmlformats.org/presentationml/2006/main">
+  <p:cSld>
+    <p:spTree>
+      <p:nvGrpSpPr>
+        <p:cNvPr id="1" name=""/>
+        <p:cNvGrpSpPr/>
+        <p:nvPr/>
+      </p:nvGrpSpPr>
+      <p:grpSpPr>
+        <a:xfrm>
+          <a:off x="0" y="0"/>
+          <a:ext cx="0" cy="0"/>
+          <a:chOff x="0" y="0"/>
+          <a:chExt cx="0" cy="0"/>
+        </a:xfrm>
+      </p:grpSpPr>
+      <p:sp>
+        <p:nvSpPr>
+          <p:cNvPr id="2" name="Title 1"/>
+          <p:cNvSpPr>
+            <a:spLocks noGrp="1"/>
+          </p:cNvSpPr>
+          <p:nvPr>
+            <p:ph type="title"/>
+          </p:nvPr>
+        </p:nvSpPr>
+        <p:spPr/>
+        <p:txBody>
+          <a:bodyPr/>
+          <a:lstStyle/>
+          <a:p>
+            <a:r>
+              <a:rPr lang="en-US" dirty="0" smtClean="0"/>
               <a:t>APPs</a:t>
             </a:r>
             <a:endParaRPr lang="en-IE" dirty="0"/>
@@ -9790,10 +15460,762 @@
   <p:clrMapOvr>
     <a:masterClrMapping/>
   </p:clrMapOvr>
+  <p:timing>
+    <p:tnLst>
+      <p:par>
+        <p:cTn id="1" dur="indefinite" restart="never" nodeType="tmRoot"/>
+      </p:par>
+    </p:tnLst>
+  </p:timing>
 </p:sld>
 </file>
 
-<file path=ppt/slides/slide4.xml><?xml version="1.0" encoding="utf-8"?>
+<file path=ppt/slides/slide40.xml><?xml version="1.0" encoding="utf-8"?>
+<p:sld xmlns:a="http://schemas.openxmlformats.org/drawingml/2006/main" xmlns:r="http://schemas.openxmlformats.org/officeDocument/2006/relationships" xmlns:p="http://schemas.openxmlformats.org/presentationml/2006/main">
+  <p:cSld>
+    <p:spTree>
+      <p:nvGrpSpPr>
+        <p:cNvPr id="1" name=""/>
+        <p:cNvGrpSpPr/>
+        <p:nvPr/>
+      </p:nvGrpSpPr>
+      <p:grpSpPr>
+        <a:xfrm>
+          <a:off x="0" y="0"/>
+          <a:ext cx="0" cy="0"/>
+          <a:chOff x="0" y="0"/>
+          <a:chExt cx="0" cy="0"/>
+        </a:xfrm>
+      </p:grpSpPr>
+      <p:sp>
+        <p:nvSpPr>
+          <p:cNvPr id="2" name="Title 1"/>
+          <p:cNvSpPr>
+            <a:spLocks noGrp="1"/>
+          </p:cNvSpPr>
+          <p:nvPr>
+            <p:ph type="title"/>
+          </p:nvPr>
+        </p:nvSpPr>
+        <p:spPr/>
+        <p:txBody>
+          <a:bodyPr/>
+          <a:lstStyle/>
+          <a:p>
+            <a:endParaRPr lang="en-IE"/>
+          </a:p>
+        </p:txBody>
+      </p:sp>
+      <p:sp>
+        <p:nvSpPr>
+          <p:cNvPr id="3" name="Content Placeholder 2"/>
+          <p:cNvSpPr>
+            <a:spLocks noGrp="1"/>
+          </p:cNvSpPr>
+          <p:nvPr>
+            <p:ph idx="1"/>
+          </p:nvPr>
+        </p:nvSpPr>
+        <p:spPr/>
+        <p:txBody>
+          <a:bodyPr/>
+          <a:lstStyle/>
+          <a:p>
+            <a:endParaRPr lang="en-IE"/>
+          </a:p>
+        </p:txBody>
+      </p:sp>
+      <p:pic>
+        <p:nvPicPr>
+          <p:cNvPr id="4" name="Picture 3"/>
+          <p:cNvPicPr>
+            <a:picLocks noChangeAspect="1"/>
+          </p:cNvPicPr>
+          <p:nvPr/>
+        </p:nvPicPr>
+        <p:blipFill>
+          <a:blip r:embed="rId2"/>
+          <a:stretch>
+            <a:fillRect/>
+          </a:stretch>
+        </p:blipFill>
+        <p:spPr>
+          <a:xfrm>
+            <a:off x="838200" y="1825625"/>
+            <a:ext cx="3972479" cy="2381582"/>
+          </a:xfrm>
+          <a:prstGeom prst="rect">
+            <a:avLst/>
+          </a:prstGeom>
+        </p:spPr>
+      </p:pic>
+    </p:spTree>
+    <p:extLst>
+      <p:ext uri="{BB962C8B-B14F-4D97-AF65-F5344CB8AC3E}">
+        <p14:creationId xmlns:p14="http://schemas.microsoft.com/office/powerpoint/2010/main" val="2175803925"/>
+      </p:ext>
+    </p:extLst>
+  </p:cSld>
+  <p:clrMapOvr>
+    <a:masterClrMapping/>
+  </p:clrMapOvr>
+</p:sld>
+</file>
+
+<file path=ppt/slides/slide41.xml><?xml version="1.0" encoding="utf-8"?>
+<p:sld xmlns:a="http://schemas.openxmlformats.org/drawingml/2006/main" xmlns:r="http://schemas.openxmlformats.org/officeDocument/2006/relationships" xmlns:p="http://schemas.openxmlformats.org/presentationml/2006/main">
+  <p:cSld>
+    <p:spTree>
+      <p:nvGrpSpPr>
+        <p:cNvPr id="1" name=""/>
+        <p:cNvGrpSpPr/>
+        <p:nvPr/>
+      </p:nvGrpSpPr>
+      <p:grpSpPr>
+        <a:xfrm>
+          <a:off x="0" y="0"/>
+          <a:ext cx="0" cy="0"/>
+          <a:chOff x="0" y="0"/>
+          <a:chExt cx="0" cy="0"/>
+        </a:xfrm>
+      </p:grpSpPr>
+      <p:sp>
+        <p:nvSpPr>
+          <p:cNvPr id="2" name="Title 1"/>
+          <p:cNvSpPr>
+            <a:spLocks noGrp="1"/>
+          </p:cNvSpPr>
+          <p:nvPr>
+            <p:ph type="title"/>
+          </p:nvPr>
+        </p:nvSpPr>
+        <p:spPr/>
+        <p:txBody>
+          <a:bodyPr/>
+          <a:lstStyle/>
+          <a:p>
+            <a:endParaRPr lang="en-IE"/>
+          </a:p>
+        </p:txBody>
+      </p:sp>
+      <p:sp>
+        <p:nvSpPr>
+          <p:cNvPr id="3" name="Content Placeholder 2"/>
+          <p:cNvSpPr>
+            <a:spLocks noGrp="1"/>
+          </p:cNvSpPr>
+          <p:nvPr>
+            <p:ph idx="1"/>
+          </p:nvPr>
+        </p:nvSpPr>
+        <p:spPr/>
+        <p:txBody>
+          <a:bodyPr/>
+          <a:lstStyle/>
+          <a:p>
+            <a:endParaRPr lang="en-IE"/>
+          </a:p>
+        </p:txBody>
+      </p:sp>
+      <p:pic>
+        <p:nvPicPr>
+          <p:cNvPr id="4" name="Picture 3"/>
+          <p:cNvPicPr>
+            <a:picLocks noChangeAspect="1"/>
+          </p:cNvPicPr>
+          <p:nvPr/>
+        </p:nvPicPr>
+        <p:blipFill rotWithShape="1">
+          <a:blip r:embed="rId2"/>
+          <a:srcRect r="3579"/>
+          <a:stretch/>
+        </p:blipFill>
+        <p:spPr>
+          <a:xfrm>
+            <a:off x="0" y="0"/>
+            <a:ext cx="12161520" cy="4677428"/>
+          </a:xfrm>
+          <a:prstGeom prst="rect">
+            <a:avLst/>
+          </a:prstGeom>
+        </p:spPr>
+      </p:pic>
+    </p:spTree>
+    <p:extLst>
+      <p:ext uri="{BB962C8B-B14F-4D97-AF65-F5344CB8AC3E}">
+        <p14:creationId xmlns:p14="http://schemas.microsoft.com/office/powerpoint/2010/main" val="3232137998"/>
+      </p:ext>
+    </p:extLst>
+  </p:cSld>
+  <p:clrMapOvr>
+    <a:masterClrMapping/>
+  </p:clrMapOvr>
+</p:sld>
+</file>
+
+<file path=ppt/slides/slide42.xml><?xml version="1.0" encoding="utf-8"?>
+<p:sld xmlns:a="http://schemas.openxmlformats.org/drawingml/2006/main" xmlns:r="http://schemas.openxmlformats.org/officeDocument/2006/relationships" xmlns:p="http://schemas.openxmlformats.org/presentationml/2006/main">
+  <p:cSld>
+    <p:spTree>
+      <p:nvGrpSpPr>
+        <p:cNvPr id="1" name=""/>
+        <p:cNvGrpSpPr/>
+        <p:nvPr/>
+      </p:nvGrpSpPr>
+      <p:grpSpPr>
+        <a:xfrm>
+          <a:off x="0" y="0"/>
+          <a:ext cx="0" cy="0"/>
+          <a:chOff x="0" y="0"/>
+          <a:chExt cx="0" cy="0"/>
+        </a:xfrm>
+      </p:grpSpPr>
+      <p:sp>
+        <p:nvSpPr>
+          <p:cNvPr id="2" name="Title 1"/>
+          <p:cNvSpPr>
+            <a:spLocks noGrp="1"/>
+          </p:cNvSpPr>
+          <p:nvPr>
+            <p:ph type="title"/>
+          </p:nvPr>
+        </p:nvSpPr>
+        <p:spPr/>
+        <p:txBody>
+          <a:bodyPr/>
+          <a:lstStyle/>
+          <a:p>
+            <a:endParaRPr lang="en-IE"/>
+          </a:p>
+        </p:txBody>
+      </p:sp>
+      <p:sp>
+        <p:nvSpPr>
+          <p:cNvPr id="3" name="Content Placeholder 2"/>
+          <p:cNvSpPr>
+            <a:spLocks noGrp="1"/>
+          </p:cNvSpPr>
+          <p:nvPr>
+            <p:ph idx="1"/>
+          </p:nvPr>
+        </p:nvSpPr>
+        <p:spPr/>
+        <p:txBody>
+          <a:bodyPr/>
+          <a:lstStyle/>
+          <a:p>
+            <a:endParaRPr lang="en-IE"/>
+          </a:p>
+        </p:txBody>
+      </p:sp>
+      <p:pic>
+        <p:nvPicPr>
+          <p:cNvPr id="5" name="Picture 4"/>
+          <p:cNvPicPr>
+            <a:picLocks noChangeAspect="1"/>
+          </p:cNvPicPr>
+          <p:nvPr/>
+        </p:nvPicPr>
+        <p:blipFill>
+          <a:blip r:embed="rId2"/>
+          <a:stretch>
+            <a:fillRect/>
+          </a:stretch>
+        </p:blipFill>
+        <p:spPr>
+          <a:xfrm>
+            <a:off x="838200" y="1734928"/>
+            <a:ext cx="5059508" cy="1865312"/>
+          </a:xfrm>
+          <a:prstGeom prst="rect">
+            <a:avLst/>
+          </a:prstGeom>
+        </p:spPr>
+      </p:pic>
+      <p:pic>
+        <p:nvPicPr>
+          <p:cNvPr id="6" name="Picture 5"/>
+          <p:cNvPicPr>
+            <a:picLocks noChangeAspect="1"/>
+          </p:cNvPicPr>
+          <p:nvPr/>
+        </p:nvPicPr>
+        <p:blipFill>
+          <a:blip r:embed="rId3"/>
+          <a:stretch>
+            <a:fillRect/>
+          </a:stretch>
+        </p:blipFill>
+        <p:spPr>
+          <a:xfrm>
+            <a:off x="838200" y="3600240"/>
+            <a:ext cx="7840169" cy="3010320"/>
+          </a:xfrm>
+          <a:prstGeom prst="rect">
+            <a:avLst/>
+          </a:prstGeom>
+        </p:spPr>
+      </p:pic>
+      <p:pic>
+        <p:nvPicPr>
+          <p:cNvPr id="7" name="Picture 6"/>
+          <p:cNvPicPr>
+            <a:picLocks noChangeAspect="1"/>
+          </p:cNvPicPr>
+          <p:nvPr/>
+        </p:nvPicPr>
+        <p:blipFill>
+          <a:blip r:embed="rId4"/>
+          <a:stretch>
+            <a:fillRect/>
+          </a:stretch>
+        </p:blipFill>
+        <p:spPr>
+          <a:xfrm>
+            <a:off x="7000267" y="2109220"/>
+            <a:ext cx="4353533" cy="1057423"/>
+          </a:xfrm>
+          <a:prstGeom prst="rect">
+            <a:avLst/>
+          </a:prstGeom>
+        </p:spPr>
+      </p:pic>
+    </p:spTree>
+    <p:extLst>
+      <p:ext uri="{BB962C8B-B14F-4D97-AF65-F5344CB8AC3E}">
+        <p14:creationId xmlns:p14="http://schemas.microsoft.com/office/powerpoint/2010/main" val="818806509"/>
+      </p:ext>
+    </p:extLst>
+  </p:cSld>
+  <p:clrMapOvr>
+    <a:masterClrMapping/>
+  </p:clrMapOvr>
+  <p:timing>
+    <p:tnLst>
+      <p:par>
+        <p:cTn id="1" dur="indefinite" restart="never" nodeType="tmRoot">
+          <p:childTnLst>
+            <p:seq concurrent="1" nextAc="seek">
+              <p:cTn id="2" dur="indefinite" nodeType="mainSeq">
+                <p:childTnLst>
+                  <p:par>
+                    <p:cTn id="3" fill="hold">
+                      <p:stCondLst>
+                        <p:cond delay="indefinite"/>
+                      </p:stCondLst>
+                      <p:childTnLst>
+                        <p:par>
+                          <p:cTn id="4" fill="hold">
+                            <p:stCondLst>
+                              <p:cond delay="0"/>
+                            </p:stCondLst>
+                            <p:childTnLst>
+                              <p:par>
+                                <p:cTn id="5" presetID="1" presetClass="entr" presetSubtype="0" fill="hold" nodeType="clickEffect">
+                                  <p:stCondLst>
+                                    <p:cond delay="0"/>
+                                  </p:stCondLst>
+                                  <p:childTnLst>
+                                    <p:set>
+                                      <p:cBhvr>
+                                        <p:cTn id="6" dur="1" fill="hold">
+                                          <p:stCondLst>
+                                            <p:cond delay="0"/>
+                                          </p:stCondLst>
+                                        </p:cTn>
+                                        <p:tgtEl>
+                                          <p:spTgt spid="6"/>
+                                        </p:tgtEl>
+                                        <p:attrNameLst>
+                                          <p:attrName>style.visibility</p:attrName>
+                                        </p:attrNameLst>
+                                      </p:cBhvr>
+                                      <p:to>
+                                        <p:strVal val="visible"/>
+                                      </p:to>
+                                    </p:set>
+                                  </p:childTnLst>
+                                </p:cTn>
+                              </p:par>
+                            </p:childTnLst>
+                          </p:cTn>
+                        </p:par>
+                      </p:childTnLst>
+                    </p:cTn>
+                  </p:par>
+                </p:childTnLst>
+              </p:cTn>
+              <p:prevCondLst>
+                <p:cond evt="onPrev" delay="0">
+                  <p:tgtEl>
+                    <p:sldTgt/>
+                  </p:tgtEl>
+                </p:cond>
+              </p:prevCondLst>
+              <p:nextCondLst>
+                <p:cond evt="onNext" delay="0">
+                  <p:tgtEl>
+                    <p:sldTgt/>
+                  </p:tgtEl>
+                </p:cond>
+              </p:nextCondLst>
+            </p:seq>
+          </p:childTnLst>
+        </p:cTn>
+      </p:par>
+    </p:tnLst>
+  </p:timing>
+</p:sld>
+</file>
+
+<file path=ppt/slides/slide43.xml><?xml version="1.0" encoding="utf-8"?>
+<p:sld xmlns:a="http://schemas.openxmlformats.org/drawingml/2006/main" xmlns:r="http://schemas.openxmlformats.org/officeDocument/2006/relationships" xmlns:p="http://schemas.openxmlformats.org/presentationml/2006/main" show="0">
+  <p:cSld>
+    <p:spTree>
+      <p:nvGrpSpPr>
+        <p:cNvPr id="1" name=""/>
+        <p:cNvGrpSpPr/>
+        <p:nvPr/>
+      </p:nvGrpSpPr>
+      <p:grpSpPr>
+        <a:xfrm>
+          <a:off x="0" y="0"/>
+          <a:ext cx="0" cy="0"/>
+          <a:chOff x="0" y="0"/>
+          <a:chExt cx="0" cy="0"/>
+        </a:xfrm>
+      </p:grpSpPr>
+      <p:sp>
+        <p:nvSpPr>
+          <p:cNvPr id="2" name="Title 1"/>
+          <p:cNvSpPr>
+            <a:spLocks noGrp="1"/>
+          </p:cNvSpPr>
+          <p:nvPr>
+            <p:ph type="title"/>
+          </p:nvPr>
+        </p:nvSpPr>
+        <p:spPr/>
+        <p:txBody>
+          <a:bodyPr/>
+          <a:lstStyle/>
+          <a:p>
+            <a:endParaRPr lang="en-IE"/>
+          </a:p>
+        </p:txBody>
+      </p:sp>
+      <p:sp>
+        <p:nvSpPr>
+          <p:cNvPr id="3" name="Content Placeholder 2"/>
+          <p:cNvSpPr>
+            <a:spLocks noGrp="1"/>
+          </p:cNvSpPr>
+          <p:nvPr>
+            <p:ph idx="1"/>
+          </p:nvPr>
+        </p:nvSpPr>
+        <p:spPr/>
+        <p:txBody>
+          <a:bodyPr/>
+          <a:lstStyle/>
+          <a:p>
+            <a:endParaRPr lang="en-IE"/>
+          </a:p>
+        </p:txBody>
+      </p:sp>
+    </p:spTree>
+    <p:extLst>
+      <p:ext uri="{BB962C8B-B14F-4D97-AF65-F5344CB8AC3E}">
+        <p14:creationId xmlns:p14="http://schemas.microsoft.com/office/powerpoint/2010/main" val="2458201915"/>
+      </p:ext>
+    </p:extLst>
+  </p:cSld>
+  <p:clrMapOvr>
+    <a:masterClrMapping/>
+  </p:clrMapOvr>
+  <mc:AlternateContent xmlns:mc="http://schemas.openxmlformats.org/markup-compatibility/2006">
+    <mc:Choice xmlns:p14="http://schemas.microsoft.com/office/powerpoint/2010/main" Requires="p14">
+      <p:transition spd="slow" p14:dur="2000"/>
+    </mc:Choice>
+    <mc:Fallback>
+      <p:transition spd="slow"/>
+    </mc:Fallback>
+  </mc:AlternateContent>
+</p:sld>
+</file>
+
+<file path=ppt/slides/slide44.xml><?xml version="1.0" encoding="utf-8"?>
+<p:sld xmlns:a="http://schemas.openxmlformats.org/drawingml/2006/main" xmlns:r="http://schemas.openxmlformats.org/officeDocument/2006/relationships" xmlns:p="http://schemas.openxmlformats.org/presentationml/2006/main" show="0">
+  <p:cSld>
+    <p:spTree>
+      <p:nvGrpSpPr>
+        <p:cNvPr id="1" name=""/>
+        <p:cNvGrpSpPr/>
+        <p:nvPr/>
+      </p:nvGrpSpPr>
+      <p:grpSpPr>
+        <a:xfrm>
+          <a:off x="0" y="0"/>
+          <a:ext cx="0" cy="0"/>
+          <a:chOff x="0" y="0"/>
+          <a:chExt cx="0" cy="0"/>
+        </a:xfrm>
+      </p:grpSpPr>
+      <p:sp>
+        <p:nvSpPr>
+          <p:cNvPr id="2" name="Title 1"/>
+          <p:cNvSpPr>
+            <a:spLocks noGrp="1"/>
+          </p:cNvSpPr>
+          <p:nvPr>
+            <p:ph type="title"/>
+          </p:nvPr>
+        </p:nvSpPr>
+        <p:spPr/>
+        <p:txBody>
+          <a:bodyPr/>
+          <a:lstStyle/>
+          <a:p>
+            <a:endParaRPr lang="en-IE"/>
+          </a:p>
+        </p:txBody>
+      </p:sp>
+      <p:sp>
+        <p:nvSpPr>
+          <p:cNvPr id="3" name="Content Placeholder 2"/>
+          <p:cNvSpPr>
+            <a:spLocks noGrp="1"/>
+          </p:cNvSpPr>
+          <p:nvPr>
+            <p:ph idx="1"/>
+          </p:nvPr>
+        </p:nvSpPr>
+        <p:spPr/>
+        <p:txBody>
+          <a:bodyPr/>
+          <a:lstStyle/>
+          <a:p>
+            <a:endParaRPr lang="en-IE"/>
+          </a:p>
+        </p:txBody>
+      </p:sp>
+      <p:pic>
+        <p:nvPicPr>
+          <p:cNvPr id="4" name="Picture 3"/>
+          <p:cNvPicPr>
+            <a:picLocks noChangeAspect="1"/>
+          </p:cNvPicPr>
+          <p:nvPr/>
+        </p:nvPicPr>
+        <p:blipFill>
+          <a:blip r:embed="rId2"/>
+          <a:stretch>
+            <a:fillRect/>
+          </a:stretch>
+        </p:blipFill>
+        <p:spPr>
+          <a:xfrm>
+            <a:off x="2242599" y="151942"/>
+            <a:ext cx="7706801" cy="6554115"/>
+          </a:xfrm>
+          <a:prstGeom prst="rect">
+            <a:avLst/>
+          </a:prstGeom>
+        </p:spPr>
+      </p:pic>
+    </p:spTree>
+    <p:extLst>
+      <p:ext uri="{BB962C8B-B14F-4D97-AF65-F5344CB8AC3E}">
+        <p14:creationId xmlns:p14="http://schemas.microsoft.com/office/powerpoint/2010/main" val="529923468"/>
+      </p:ext>
+    </p:extLst>
+  </p:cSld>
+  <p:clrMapOvr>
+    <a:masterClrMapping/>
+  </p:clrMapOvr>
+  <mc:AlternateContent xmlns:mc="http://schemas.openxmlformats.org/markup-compatibility/2006">
+    <mc:Choice xmlns:p14="http://schemas.microsoft.com/office/powerpoint/2010/main" Requires="p14">
+      <p:transition spd="slow" p14:dur="2000"/>
+    </mc:Choice>
+    <mc:Fallback>
+      <p:transition spd="slow"/>
+    </mc:Fallback>
+  </mc:AlternateContent>
+</p:sld>
+</file>
+
+<file path=ppt/slides/slide45.xml><?xml version="1.0" encoding="utf-8"?>
+<p:sld xmlns:a="http://schemas.openxmlformats.org/drawingml/2006/main" xmlns:r="http://schemas.openxmlformats.org/officeDocument/2006/relationships" xmlns:p="http://schemas.openxmlformats.org/presentationml/2006/main">
+  <p:cSld>
+    <p:spTree>
+      <p:nvGrpSpPr>
+        <p:cNvPr id="1" name=""/>
+        <p:cNvGrpSpPr/>
+        <p:nvPr/>
+      </p:nvGrpSpPr>
+      <p:grpSpPr>
+        <a:xfrm>
+          <a:off x="0" y="0"/>
+          <a:ext cx="0" cy="0"/>
+          <a:chOff x="0" y="0"/>
+          <a:chExt cx="0" cy="0"/>
+        </a:xfrm>
+      </p:grpSpPr>
+      <p:sp>
+        <p:nvSpPr>
+          <p:cNvPr id="2" name="Title 1"/>
+          <p:cNvSpPr>
+            <a:spLocks noGrp="1"/>
+          </p:cNvSpPr>
+          <p:nvPr>
+            <p:ph type="title"/>
+          </p:nvPr>
+        </p:nvSpPr>
+        <p:spPr/>
+        <p:txBody>
+          <a:bodyPr/>
+          <a:lstStyle/>
+          <a:p>
+            <a:r>
+              <a:rPr lang="en-US" dirty="0" smtClean="0"/>
+              <a:t>Aging = </a:t>
+            </a:r>
+            <a:endParaRPr lang="en-IE" dirty="0"/>
+          </a:p>
+        </p:txBody>
+      </p:sp>
+      <p:sp>
+        <p:nvSpPr>
+          <p:cNvPr id="3" name="Content Placeholder 2"/>
+          <p:cNvSpPr>
+            <a:spLocks noGrp="1"/>
+          </p:cNvSpPr>
+          <p:nvPr>
+            <p:ph idx="1"/>
+          </p:nvPr>
+        </p:nvSpPr>
+        <p:spPr>
+          <a:xfrm>
+            <a:off x="838200" y="1567543"/>
+            <a:ext cx="10515600" cy="4609420"/>
+          </a:xfrm>
+        </p:spPr>
+        <p:txBody>
+          <a:bodyPr>
+            <a:normAutofit/>
+          </a:bodyPr>
+          <a:lstStyle/>
+          <a:p>
+            <a:r>
+              <a:rPr lang="en-IE" dirty="0"/>
+              <a:t> genomic </a:t>
+            </a:r>
+            <a:r>
+              <a:rPr lang="en-IE" dirty="0" smtClean="0"/>
+              <a:t>instability +</a:t>
+            </a:r>
+          </a:p>
+          <a:p>
+            <a:r>
+              <a:rPr lang="en-IE" dirty="0" smtClean="0"/>
+              <a:t>telomere attrition +</a:t>
+            </a:r>
+          </a:p>
+          <a:p>
+            <a:r>
+              <a:rPr lang="en-IE" dirty="0" smtClean="0"/>
+              <a:t>epigenetic alterations +</a:t>
+            </a:r>
+          </a:p>
+          <a:p>
+            <a:r>
+              <a:rPr lang="en-IE" dirty="0" smtClean="0"/>
+              <a:t>loss </a:t>
+            </a:r>
+            <a:r>
+              <a:rPr lang="en-IE" dirty="0"/>
+              <a:t>of </a:t>
+            </a:r>
+            <a:r>
+              <a:rPr lang="en-IE" dirty="0" err="1" smtClean="0"/>
+              <a:t>proteostasis</a:t>
+            </a:r>
+            <a:r>
+              <a:rPr lang="en-IE" dirty="0" smtClean="0"/>
+              <a:t> + </a:t>
+            </a:r>
+          </a:p>
+          <a:p>
+            <a:r>
+              <a:rPr lang="en-IE" dirty="0" smtClean="0"/>
+              <a:t>deregulated </a:t>
+            </a:r>
+            <a:r>
+              <a:rPr lang="en-IE" dirty="0"/>
+              <a:t>nutrient </a:t>
+            </a:r>
+            <a:r>
+              <a:rPr lang="en-IE" dirty="0" smtClean="0"/>
+              <a:t>sensing +</a:t>
+            </a:r>
+          </a:p>
+          <a:p>
+            <a:r>
+              <a:rPr lang="en-IE" dirty="0" smtClean="0"/>
+              <a:t>mitochondrial dysfunction +</a:t>
+            </a:r>
+          </a:p>
+          <a:p>
+            <a:r>
+              <a:rPr lang="en-IE" dirty="0" smtClean="0"/>
+              <a:t>cellular senescence +</a:t>
+            </a:r>
+          </a:p>
+          <a:p>
+            <a:r>
+              <a:rPr lang="en-IE" dirty="0" smtClean="0"/>
+              <a:t>stem </a:t>
+            </a:r>
+            <a:r>
+              <a:rPr lang="en-IE" dirty="0"/>
+              <a:t>cell </a:t>
+            </a:r>
+            <a:r>
+              <a:rPr lang="en-IE" dirty="0" smtClean="0"/>
+              <a:t>exhaustion +</a:t>
+            </a:r>
+          </a:p>
+          <a:p>
+            <a:r>
+              <a:rPr lang="en-IE" dirty="0" smtClean="0"/>
+              <a:t>altered </a:t>
+            </a:r>
+            <a:r>
+              <a:rPr lang="en-IE" dirty="0"/>
+              <a:t>intercellular </a:t>
+            </a:r>
+            <a:r>
+              <a:rPr lang="en-IE" dirty="0" smtClean="0"/>
+              <a:t>communication</a:t>
+            </a:r>
+            <a:endParaRPr lang="en-IE" dirty="0"/>
+          </a:p>
+        </p:txBody>
+      </p:sp>
+    </p:spTree>
+    <p:extLst>
+      <p:ext uri="{BB962C8B-B14F-4D97-AF65-F5344CB8AC3E}">
+        <p14:creationId xmlns:p14="http://schemas.microsoft.com/office/powerpoint/2010/main" val="2926132856"/>
+      </p:ext>
+    </p:extLst>
+  </p:cSld>
+  <p:clrMapOvr>
+    <a:masterClrMapping/>
+  </p:clrMapOvr>
+</p:sld>
+</file>
+
+<file path=ppt/slides/slide5.xml><?xml version="1.0" encoding="utf-8"?>
 <p:sld xmlns:a="http://schemas.openxmlformats.org/drawingml/2006/main" xmlns:r="http://schemas.openxmlformats.org/officeDocument/2006/relationships" xmlns:p="http://schemas.openxmlformats.org/presentationml/2006/main">
   <p:cSld>
     <p:spTree>
@@ -9926,11 +16348,18 @@
   <p:clrMapOvr>
     <a:masterClrMapping/>
   </p:clrMapOvr>
+  <p:timing>
+    <p:tnLst>
+      <p:par>
+        <p:cTn id="1" dur="indefinite" restart="never" nodeType="tmRoot"/>
+      </p:par>
+    </p:tnLst>
+  </p:timing>
 </p:sld>
 </file>
 
-<file path=ppt/slides/slide5.xml><?xml version="1.0" encoding="utf-8"?>
-<p:sld xmlns:a="http://schemas.openxmlformats.org/drawingml/2006/main" xmlns:r="http://schemas.openxmlformats.org/officeDocument/2006/relationships" xmlns:p="http://schemas.openxmlformats.org/presentationml/2006/main">
+<file path=ppt/slides/slide6.xml><?xml version="1.0" encoding="utf-8"?>
+<p:sld xmlns:a="http://schemas.openxmlformats.org/drawingml/2006/main" xmlns:r="http://schemas.openxmlformats.org/officeDocument/2006/relationships" xmlns:p="http://schemas.openxmlformats.org/presentationml/2006/main" show="0">
   <p:cSld>
     <p:spTree>
       <p:nvGrpSpPr>
@@ -10046,11 +16475,26 @@
   <p:clrMapOvr>
     <a:masterClrMapping/>
   </p:clrMapOvr>
+  <mc:AlternateContent xmlns:mc="http://schemas.openxmlformats.org/markup-compatibility/2006">
+    <mc:Choice xmlns:p14="http://schemas.microsoft.com/office/powerpoint/2010/main" Requires="p14">
+      <p:transition spd="slow" p14:dur="2000"/>
+    </mc:Choice>
+    <mc:Fallback>
+      <p:transition spd="slow"/>
+    </mc:Fallback>
+  </mc:AlternateContent>
+  <p:timing>
+    <p:tnLst>
+      <p:par>
+        <p:cTn id="1" dur="indefinite" restart="never" nodeType="tmRoot"/>
+      </p:par>
+    </p:tnLst>
+  </p:timing>
 </p:sld>
 </file>
 
-<file path=ppt/slides/slide6.xml><?xml version="1.0" encoding="utf-8"?>
-<p:sld xmlns:a="http://schemas.openxmlformats.org/drawingml/2006/main" xmlns:r="http://schemas.openxmlformats.org/officeDocument/2006/relationships" xmlns:p="http://schemas.openxmlformats.org/presentationml/2006/main">
+<file path=ppt/slides/slide7.xml><?xml version="1.0" encoding="utf-8"?>
+<p:sld xmlns:a="http://schemas.openxmlformats.org/drawingml/2006/main" xmlns:r="http://schemas.openxmlformats.org/officeDocument/2006/relationships" xmlns:p="http://schemas.openxmlformats.org/presentationml/2006/main" show="0">
   <p:cSld>
     <p:spTree>
       <p:nvGrpSpPr>
@@ -10162,10 +16606,25 @@
   <p:clrMapOvr>
     <a:masterClrMapping/>
   </p:clrMapOvr>
+  <mc:AlternateContent xmlns:mc="http://schemas.openxmlformats.org/markup-compatibility/2006">
+    <mc:Choice xmlns:p14="http://schemas.microsoft.com/office/powerpoint/2010/main" Requires="p14">
+      <p:transition spd="slow" p14:dur="2000"/>
+    </mc:Choice>
+    <mc:Fallback>
+      <p:transition spd="slow"/>
+    </mc:Fallback>
+  </mc:AlternateContent>
+  <p:timing>
+    <p:tnLst>
+      <p:par>
+        <p:cTn id="1" dur="indefinite" restart="never" nodeType="tmRoot"/>
+      </p:par>
+    </p:tnLst>
+  </p:timing>
 </p:sld>
 </file>
 
-<file path=ppt/slides/slide7.xml><?xml version="1.0" encoding="utf-8"?>
+<file path=ppt/slides/slide8.xml><?xml version="1.0" encoding="utf-8"?>
 <p:sld xmlns:a="http://schemas.openxmlformats.org/drawingml/2006/main" xmlns:r="http://schemas.openxmlformats.org/officeDocument/2006/relationships" xmlns:p="http://schemas.openxmlformats.org/presentationml/2006/main">
   <p:cSld>
     <p:spTree>
@@ -10254,10 +16713,17 @@
   <p:clrMapOvr>
     <a:masterClrMapping/>
   </p:clrMapOvr>
+  <p:timing>
+    <p:tnLst>
+      <p:par>
+        <p:cTn id="1" dur="indefinite" restart="never" nodeType="tmRoot"/>
+      </p:par>
+    </p:tnLst>
+  </p:timing>
 </p:sld>
 </file>
 
-<file path=ppt/slides/slide8.xml><?xml version="1.0" encoding="utf-8"?>
+<file path=ppt/slides/slide9.xml><?xml version="1.0" encoding="utf-8"?>
 <p:sld xmlns:a="http://schemas.openxmlformats.org/drawingml/2006/main" xmlns:r="http://schemas.openxmlformats.org/officeDocument/2006/relationships" xmlns:p="http://schemas.openxmlformats.org/presentationml/2006/main">
   <p:cSld>
     <p:spTree>
@@ -10367,112 +16833,13 @@
   <p:clrMapOvr>
     <a:masterClrMapping/>
   </p:clrMapOvr>
-</p:sld>
-</file>
-
-<file path=ppt/slides/slide9.xml><?xml version="1.0" encoding="utf-8"?>
-<p:sld xmlns:a="http://schemas.openxmlformats.org/drawingml/2006/main" xmlns:r="http://schemas.openxmlformats.org/officeDocument/2006/relationships" xmlns:p="http://schemas.openxmlformats.org/presentationml/2006/main">
-  <p:cSld>
-    <p:spTree>
-      <p:nvGrpSpPr>
-        <p:cNvPr id="1" name=""/>
-        <p:cNvGrpSpPr/>
-        <p:nvPr/>
-      </p:nvGrpSpPr>
-      <p:grpSpPr>
-        <a:xfrm>
-          <a:off x="0" y="0"/>
-          <a:ext cx="0" cy="0"/>
-          <a:chOff x="0" y="0"/>
-          <a:chExt cx="0" cy="0"/>
-        </a:xfrm>
-      </p:grpSpPr>
-      <p:sp>
-        <p:nvSpPr>
-          <p:cNvPr id="2" name="Title 1"/>
-          <p:cNvSpPr>
-            <a:spLocks noGrp="1"/>
-          </p:cNvSpPr>
-          <p:nvPr>
-            <p:ph type="title"/>
-          </p:nvPr>
-        </p:nvSpPr>
-        <p:spPr/>
-        <p:txBody>
-          <a:bodyPr/>
-          <a:lstStyle/>
-          <a:p>
-            <a:r>
-              <a:rPr lang="en-US" dirty="0" smtClean="0"/>
-              <a:t>25% top connected nodes </a:t>
-            </a:r>
-            <a:endParaRPr lang="en-IE" dirty="0"/>
-          </a:p>
-        </p:txBody>
-      </p:sp>
-      <p:sp>
-        <p:nvSpPr>
-          <p:cNvPr id="3" name="Content Placeholder 2"/>
-          <p:cNvSpPr>
-            <a:spLocks noGrp="1"/>
-          </p:cNvSpPr>
-          <p:nvPr>
-            <p:ph idx="1"/>
-          </p:nvPr>
-        </p:nvSpPr>
-        <p:spPr/>
-        <p:txBody>
-          <a:bodyPr/>
-          <a:lstStyle/>
-          <a:p>
-            <a:r>
-              <a:rPr lang="en-US" dirty="0" smtClean="0"/>
-              <a:t>25 nodes</a:t>
-            </a:r>
-          </a:p>
-          <a:p>
-            <a:r>
-              <a:rPr lang="en-US" dirty="0" smtClean="0"/>
-              <a:t>287 edges</a:t>
-            </a:r>
-            <a:endParaRPr lang="en-IE" dirty="0"/>
-          </a:p>
-        </p:txBody>
-      </p:sp>
-      <p:pic>
-        <p:nvPicPr>
-          <p:cNvPr id="4" name="Picture 3"/>
-          <p:cNvPicPr>
-            <a:picLocks noChangeAspect="1"/>
-          </p:cNvPicPr>
-          <p:nvPr/>
-        </p:nvPicPr>
-        <p:blipFill>
-          <a:blip r:embed="rId2"/>
-          <a:stretch>
-            <a:fillRect/>
-          </a:stretch>
-        </p:blipFill>
-        <p:spPr>
-          <a:xfrm>
-            <a:off x="5286024" y="1661483"/>
-            <a:ext cx="7001852" cy="4515480"/>
-          </a:xfrm>
-          <a:prstGeom prst="rect">
-            <a:avLst/>
-          </a:prstGeom>
-        </p:spPr>
-      </p:pic>
-    </p:spTree>
-    <p:extLst>
-      <p:ext uri="{BB962C8B-B14F-4D97-AF65-F5344CB8AC3E}">
-        <p14:creationId xmlns:p14="http://schemas.microsoft.com/office/powerpoint/2010/main" val="982033268"/>
-      </p:ext>
-    </p:extLst>
-  </p:cSld>
-  <p:clrMapOvr>
-    <a:masterClrMapping/>
-  </p:clrMapOvr>
+  <p:timing>
+    <p:tnLst>
+      <p:par>
+        <p:cTn id="1" dur="indefinite" restart="never" nodeType="tmRoot"/>
+      </p:par>
+    </p:tnLst>
+  </p:timing>
 </p:sld>
 </file>
 
